--- a/images/additional inf/Params.pptx
+++ b/images/additional inf/Params.pptx
@@ -6,6 +6,17 @@
   </p:sldMasterIdLst>
   <p:sldIdLst>
     <p:sldId id="256" r:id="rId2"/>
+    <p:sldId id="257" r:id="rId3"/>
+    <p:sldId id="258" r:id="rId4"/>
+    <p:sldId id="259" r:id="rId5"/>
+    <p:sldId id="260" r:id="rId6"/>
+    <p:sldId id="261" r:id="rId7"/>
+    <p:sldId id="264" r:id="rId8"/>
+    <p:sldId id="265" r:id="rId9"/>
+    <p:sldId id="266" r:id="rId10"/>
+    <p:sldId id="267" r:id="rId11"/>
+    <p:sldId id="262" r:id="rId12"/>
+    <p:sldId id="263" r:id="rId13"/>
   </p:sldIdLst>
   <p:sldSz cx="12192000" cy="6858000"/>
   <p:notesSz cx="6858000" cy="9144000"/>
@@ -104,6 +115,11 @@
       </a:defRPr>
     </a:lvl9pPr>
   </p:defaultTextStyle>
+  <p:extLst>
+    <p:ext uri="{EFAFB233-063F-42B5-8137-9DF3F51BA10A}">
+      <p15:sldGuideLst xmlns:p15="http://schemas.microsoft.com/office/powerpoint/2012/main"/>
+    </p:ext>
+  </p:extLst>
 </p:presentation>
 </file>
 
@@ -238,7 +254,7 @@
           <a:p>
             <a:fld id="{34EB3CA0-1C58-4D54-9B91-72668B4FBE8A}" type="datetimeFigureOut">
               <a:rPr lang="ru-RU" smtClean="0"/>
-              <a:t>04.06.2024</a:t>
+              <a:t>09.10.2024</a:t>
             </a:fld>
             <a:endParaRPr lang="ru-RU"/>
           </a:p>
@@ -408,7 +424,7 @@
           <a:p>
             <a:fld id="{34EB3CA0-1C58-4D54-9B91-72668B4FBE8A}" type="datetimeFigureOut">
               <a:rPr lang="ru-RU" smtClean="0"/>
-              <a:t>04.06.2024</a:t>
+              <a:t>09.10.2024</a:t>
             </a:fld>
             <a:endParaRPr lang="ru-RU"/>
           </a:p>
@@ -588,7 +604,7 @@
           <a:p>
             <a:fld id="{34EB3CA0-1C58-4D54-9B91-72668B4FBE8A}" type="datetimeFigureOut">
               <a:rPr lang="ru-RU" smtClean="0"/>
-              <a:t>04.06.2024</a:t>
+              <a:t>09.10.2024</a:t>
             </a:fld>
             <a:endParaRPr lang="ru-RU"/>
           </a:p>
@@ -758,7 +774,7 @@
           <a:p>
             <a:fld id="{34EB3CA0-1C58-4D54-9B91-72668B4FBE8A}" type="datetimeFigureOut">
               <a:rPr lang="ru-RU" smtClean="0"/>
-              <a:t>04.06.2024</a:t>
+              <a:t>09.10.2024</a:t>
             </a:fld>
             <a:endParaRPr lang="ru-RU"/>
           </a:p>
@@ -1004,7 +1020,7 @@
           <a:p>
             <a:fld id="{34EB3CA0-1C58-4D54-9B91-72668B4FBE8A}" type="datetimeFigureOut">
               <a:rPr lang="ru-RU" smtClean="0"/>
-              <a:t>04.06.2024</a:t>
+              <a:t>09.10.2024</a:t>
             </a:fld>
             <a:endParaRPr lang="ru-RU"/>
           </a:p>
@@ -1236,7 +1252,7 @@
           <a:p>
             <a:fld id="{34EB3CA0-1C58-4D54-9B91-72668B4FBE8A}" type="datetimeFigureOut">
               <a:rPr lang="ru-RU" smtClean="0"/>
-              <a:t>04.06.2024</a:t>
+              <a:t>09.10.2024</a:t>
             </a:fld>
             <a:endParaRPr lang="ru-RU"/>
           </a:p>
@@ -1603,7 +1619,7 @@
           <a:p>
             <a:fld id="{34EB3CA0-1C58-4D54-9B91-72668B4FBE8A}" type="datetimeFigureOut">
               <a:rPr lang="ru-RU" smtClean="0"/>
-              <a:t>04.06.2024</a:t>
+              <a:t>09.10.2024</a:t>
             </a:fld>
             <a:endParaRPr lang="ru-RU"/>
           </a:p>
@@ -1721,7 +1737,7 @@
           <a:p>
             <a:fld id="{34EB3CA0-1C58-4D54-9B91-72668B4FBE8A}" type="datetimeFigureOut">
               <a:rPr lang="ru-RU" smtClean="0"/>
-              <a:t>04.06.2024</a:t>
+              <a:t>09.10.2024</a:t>
             </a:fld>
             <a:endParaRPr lang="ru-RU"/>
           </a:p>
@@ -1816,7 +1832,7 @@
           <a:p>
             <a:fld id="{34EB3CA0-1C58-4D54-9B91-72668B4FBE8A}" type="datetimeFigureOut">
               <a:rPr lang="ru-RU" smtClean="0"/>
-              <a:t>04.06.2024</a:t>
+              <a:t>09.10.2024</a:t>
             </a:fld>
             <a:endParaRPr lang="ru-RU"/>
           </a:p>
@@ -2093,7 +2109,7 @@
           <a:p>
             <a:fld id="{34EB3CA0-1C58-4D54-9B91-72668B4FBE8A}" type="datetimeFigureOut">
               <a:rPr lang="ru-RU" smtClean="0"/>
-              <a:t>04.06.2024</a:t>
+              <a:t>09.10.2024</a:t>
             </a:fld>
             <a:endParaRPr lang="ru-RU"/>
           </a:p>
@@ -2346,7 +2362,7 @@
           <a:p>
             <a:fld id="{34EB3CA0-1C58-4D54-9B91-72668B4FBE8A}" type="datetimeFigureOut">
               <a:rPr lang="ru-RU" smtClean="0"/>
-              <a:t>04.06.2024</a:t>
+              <a:t>09.10.2024</a:t>
             </a:fld>
             <a:endParaRPr lang="ru-RU"/>
           </a:p>
@@ -2559,7 +2575,7 @@
           <a:p>
             <a:fld id="{34EB3CA0-1C58-4D54-9B91-72668B4FBE8A}" type="datetimeFigureOut">
               <a:rPr lang="ru-RU" smtClean="0"/>
-              <a:t>04.06.2024</a:t>
+              <a:t>09.10.2024</a:t>
             </a:fld>
             <a:endParaRPr lang="ru-RU"/>
           </a:p>
@@ -2996,19 +3012,21 @@
       </p:pic>
       <p:cxnSp>
         <p:nvCxnSpPr>
-          <p:cNvPr id="7" name="Прямая соединительная линия 6"/>
+          <p:cNvPr id="12" name="Прямая соединительная линия 11"/>
           <p:cNvCxnSpPr/>
           <p:nvPr/>
         </p:nvCxnSpPr>
         <p:spPr>
           <a:xfrm flipH="1">
-            <a:off x="3055144" y="280086"/>
-            <a:ext cx="3370370" cy="3591827"/>
+            <a:off x="3055145" y="700216"/>
+            <a:ext cx="5306260" cy="4283676"/>
           </a:xfrm>
           <a:prstGeom prst="line">
             <a:avLst/>
           </a:prstGeom>
-          <a:ln w="38100"/>
+          <a:ln w="38100">
+            <a:prstDash val="dash"/>
+          </a:ln>
         </p:spPr>
         <p:style>
           <a:lnRef idx="1">
@@ -3025,53 +3043,878 @@
           </a:fontRef>
         </p:style>
       </p:cxnSp>
+      <p:sp>
+        <p:nvSpPr>
+          <p:cNvPr id="8" name="Скругленный прямоугольник 7"/>
+          <p:cNvSpPr/>
+          <p:nvPr/>
+        </p:nvSpPr>
+        <p:spPr>
+          <a:xfrm>
+            <a:off x="6713838" y="57665"/>
+            <a:ext cx="3506287" cy="576649"/>
+          </a:xfrm>
+          <a:prstGeom prst="roundRect">
+            <a:avLst/>
+          </a:prstGeom>
+          <a:solidFill>
+            <a:schemeClr val="bg1"/>
+          </a:solidFill>
+          <a:ln>
+            <a:solidFill>
+              <a:schemeClr val="bg1"/>
+            </a:solidFill>
+          </a:ln>
+        </p:spPr>
+        <p:style>
+          <a:lnRef idx="2">
+            <a:schemeClr val="accent1">
+              <a:shade val="50000"/>
+            </a:schemeClr>
+          </a:lnRef>
+          <a:fillRef idx="1">
+            <a:schemeClr val="accent1"/>
+          </a:fillRef>
+          <a:effectRef idx="0">
+            <a:schemeClr val="accent1"/>
+          </a:effectRef>
+          <a:fontRef idx="minor">
+            <a:schemeClr val="lt1"/>
+          </a:fontRef>
+        </p:style>
+        <p:txBody>
+          <a:bodyPr rtlCol="0" anchor="ctr"/>
+          <a:lstStyle/>
+          <a:p>
+            <a:pPr algn="ctr"/>
+            <a:endParaRPr lang="ru-RU"/>
+          </a:p>
+        </p:txBody>
+      </p:sp>
+      <p:sp>
+        <p:nvSpPr>
+          <p:cNvPr id="11" name="Скругленный прямоугольник 10"/>
+          <p:cNvSpPr/>
+          <p:nvPr/>
+        </p:nvSpPr>
+        <p:spPr>
+          <a:xfrm rot="5400000">
+            <a:off x="348475" y="3043882"/>
+            <a:ext cx="3506287" cy="576649"/>
+          </a:xfrm>
+          <a:prstGeom prst="roundRect">
+            <a:avLst/>
+          </a:prstGeom>
+          <a:solidFill>
+            <a:schemeClr val="bg1"/>
+          </a:solidFill>
+          <a:ln>
+            <a:solidFill>
+              <a:schemeClr val="bg1"/>
+            </a:solidFill>
+          </a:ln>
+        </p:spPr>
+        <p:style>
+          <a:lnRef idx="2">
+            <a:schemeClr val="accent1">
+              <a:shade val="50000"/>
+            </a:schemeClr>
+          </a:lnRef>
+          <a:fillRef idx="1">
+            <a:schemeClr val="accent1"/>
+          </a:fillRef>
+          <a:effectRef idx="0">
+            <a:schemeClr val="accent1"/>
+          </a:effectRef>
+          <a:fontRef idx="minor">
+            <a:schemeClr val="lt1"/>
+          </a:fontRef>
+        </p:style>
+        <p:txBody>
+          <a:bodyPr rtlCol="0" anchor="ctr"/>
+          <a:lstStyle/>
+          <a:p>
+            <a:pPr algn="ctr"/>
+            <a:endParaRPr lang="ru-RU"/>
+          </a:p>
+        </p:txBody>
+      </p:sp>
+      <p:sp>
+        <p:nvSpPr>
+          <p:cNvPr id="13" name="Скругленный прямоугольник 12"/>
+          <p:cNvSpPr/>
+          <p:nvPr/>
+        </p:nvSpPr>
+        <p:spPr>
+          <a:xfrm>
+            <a:off x="4960694" y="6314302"/>
+            <a:ext cx="3506287" cy="576649"/>
+          </a:xfrm>
+          <a:prstGeom prst="roundRect">
+            <a:avLst/>
+          </a:prstGeom>
+          <a:solidFill>
+            <a:schemeClr val="bg1"/>
+          </a:solidFill>
+          <a:ln>
+            <a:solidFill>
+              <a:schemeClr val="bg1"/>
+            </a:solidFill>
+          </a:ln>
+        </p:spPr>
+        <p:style>
+          <a:lnRef idx="2">
+            <a:schemeClr val="accent1">
+              <a:shade val="50000"/>
+            </a:schemeClr>
+          </a:lnRef>
+          <a:fillRef idx="1">
+            <a:schemeClr val="accent1"/>
+          </a:fillRef>
+          <a:effectRef idx="0">
+            <a:schemeClr val="accent1"/>
+          </a:effectRef>
+          <a:fontRef idx="minor">
+            <a:schemeClr val="lt1"/>
+          </a:fontRef>
+        </p:style>
+        <p:txBody>
+          <a:bodyPr rtlCol="0" anchor="ctr"/>
+          <a:lstStyle/>
+          <a:p>
+            <a:pPr algn="ctr"/>
+            <a:endParaRPr lang="ru-RU"/>
+          </a:p>
+        </p:txBody>
+      </p:sp>
+      <p:sp>
+        <p:nvSpPr>
+          <p:cNvPr id="10" name="TextBox 9"/>
+          <p:cNvSpPr txBox="1"/>
+          <p:nvPr/>
+        </p:nvSpPr>
+        <p:spPr>
+          <a:xfrm>
+            <a:off x="4890233" y="6314302"/>
+            <a:ext cx="3576748" cy="400110"/>
+          </a:xfrm>
+          <a:prstGeom prst="rect">
+            <a:avLst/>
+          </a:prstGeom>
+          <a:noFill/>
+        </p:spPr>
+        <p:txBody>
+          <a:bodyPr wrap="none" rtlCol="0">
+            <a:spAutoFit/>
+          </a:bodyPr>
+          <a:lstStyle/>
+          <a:p>
+            <a:r>
+              <a:rPr lang="ru-RU" sz="2000" dirty="0" smtClean="0"/>
+              <a:t>Соотношение</a:t>
+            </a:r>
+            <a:r>
+              <a:rPr lang="en-US" sz="2000" dirty="0" smtClean="0"/>
+              <a:t> Al+/Al++</a:t>
+            </a:r>
+            <a:r>
+              <a:rPr lang="ru-RU" sz="2000" dirty="0" smtClean="0"/>
+              <a:t>, отн. ед.</a:t>
+            </a:r>
+            <a:endParaRPr lang="ru-RU" sz="2000" dirty="0"/>
+          </a:p>
+        </p:txBody>
+      </p:sp>
+      <p:sp>
+        <p:nvSpPr>
+          <p:cNvPr id="14" name="TextBox 13"/>
+          <p:cNvSpPr txBox="1"/>
+          <p:nvPr/>
+        </p:nvSpPr>
+        <p:spPr>
+          <a:xfrm rot="16200000">
+            <a:off x="742016" y="2870599"/>
+            <a:ext cx="2719206" cy="400110"/>
+          </a:xfrm>
+          <a:prstGeom prst="rect">
+            <a:avLst/>
+          </a:prstGeom>
+          <a:noFill/>
+        </p:spPr>
+        <p:txBody>
+          <a:bodyPr wrap="none" rtlCol="0">
+            <a:spAutoFit/>
+          </a:bodyPr>
+          <a:lstStyle/>
+          <a:p>
+            <a:r>
+              <a:rPr lang="ru-RU" sz="2000" dirty="0" smtClean="0"/>
+              <a:t>Концентрация </a:t>
+            </a:r>
+            <a:r>
+              <a:rPr lang="en-US" sz="2000" dirty="0" smtClean="0"/>
+              <a:t>Cu,</a:t>
+            </a:r>
+            <a:r>
+              <a:rPr lang="ru-RU" sz="2000" dirty="0" smtClean="0"/>
+              <a:t> ат.</a:t>
+            </a:r>
+            <a:r>
+              <a:rPr lang="en-US" sz="2000" dirty="0" smtClean="0"/>
+              <a:t> </a:t>
+            </a:r>
+            <a:r>
+              <a:rPr lang="ru-RU" sz="2000" dirty="0" smtClean="0"/>
+              <a:t>%</a:t>
+            </a:r>
+            <a:endParaRPr lang="ru-RU" sz="2000" dirty="0"/>
+          </a:p>
+        </p:txBody>
+      </p:sp>
+    </p:spTree>
+    <p:extLst>
+      <p:ext uri="{BB962C8B-B14F-4D97-AF65-F5344CB8AC3E}">
+        <p14:creationId xmlns:p14="http://schemas.microsoft.com/office/powerpoint/2010/main" val="1393254651"/>
+      </p:ext>
+    </p:extLst>
+  </p:cSld>
+  <p:clrMapOvr>
+    <a:masterClrMapping/>
+  </p:clrMapOvr>
+</p:sld>
+</file>
+
+<file path=ppt/slides/slide10.xml><?xml version="1.0" encoding="utf-8"?>
+<p:sld xmlns:a="http://schemas.openxmlformats.org/drawingml/2006/main" xmlns:r="http://schemas.openxmlformats.org/officeDocument/2006/relationships" xmlns:p="http://schemas.openxmlformats.org/presentationml/2006/main">
+  <p:cSld>
+    <p:spTree>
+      <p:nvGrpSpPr>
+        <p:cNvPr id="1" name=""/>
+        <p:cNvGrpSpPr/>
+        <p:nvPr/>
+      </p:nvGrpSpPr>
+      <p:grpSpPr>
+        <a:xfrm>
+          <a:off x="0" y="0"/>
+          <a:ext cx="0" cy="0"/>
+          <a:chOff x="0" y="0"/>
+          <a:chExt cx="0" cy="0"/>
+        </a:xfrm>
+      </p:grpSpPr>
+      <p:pic>
+        <p:nvPicPr>
+          <p:cNvPr id="4" name="Рисунок 3"/>
+          <p:cNvPicPr>
+            <a:picLocks noChangeAspect="1"/>
+          </p:cNvPicPr>
+          <p:nvPr/>
+        </p:nvPicPr>
+        <p:blipFill>
+          <a:blip r:embed="rId2">
+            <a:extLst>
+              <a:ext uri="{28A0092B-C50C-407E-A947-70E740481C1C}">
+                <a14:useLocalDpi xmlns:a14="http://schemas.microsoft.com/office/drawing/2010/main" val="0"/>
+              </a:ext>
+            </a:extLst>
+          </a:blip>
+          <a:stretch>
+            <a:fillRect/>
+          </a:stretch>
+        </p:blipFill>
+        <p:spPr>
+          <a:xfrm>
+            <a:off x="1260760" y="200026"/>
+            <a:ext cx="8025881" cy="6438900"/>
+          </a:xfrm>
+          <a:prstGeom prst="rect">
+            <a:avLst/>
+          </a:prstGeom>
+        </p:spPr>
+      </p:pic>
+      <p:sp>
+        <p:nvSpPr>
+          <p:cNvPr id="5" name="Скругленный прямоугольник 4"/>
+          <p:cNvSpPr/>
+          <p:nvPr/>
+        </p:nvSpPr>
+        <p:spPr>
+          <a:xfrm>
+            <a:off x="3873672" y="6160985"/>
+            <a:ext cx="3506287" cy="576649"/>
+          </a:xfrm>
+          <a:prstGeom prst="roundRect">
+            <a:avLst/>
+          </a:prstGeom>
+          <a:solidFill>
+            <a:schemeClr val="bg1"/>
+          </a:solidFill>
+          <a:ln>
+            <a:solidFill>
+              <a:schemeClr val="bg1"/>
+            </a:solidFill>
+          </a:ln>
+        </p:spPr>
+        <p:style>
+          <a:lnRef idx="2">
+            <a:schemeClr val="accent1">
+              <a:shade val="50000"/>
+            </a:schemeClr>
+          </a:lnRef>
+          <a:fillRef idx="1">
+            <a:schemeClr val="accent1"/>
+          </a:fillRef>
+          <a:effectRef idx="0">
+            <a:schemeClr val="accent1"/>
+          </a:effectRef>
+          <a:fontRef idx="minor">
+            <a:schemeClr val="lt1"/>
+          </a:fontRef>
+        </p:style>
+        <p:txBody>
+          <a:bodyPr rtlCol="0" anchor="ctr"/>
+          <a:lstStyle/>
+          <a:p>
+            <a:pPr algn="ctr"/>
+            <a:endParaRPr lang="ru-RU"/>
+          </a:p>
+        </p:txBody>
+      </p:sp>
+      <p:sp>
+        <p:nvSpPr>
+          <p:cNvPr id="6" name="Скругленный прямоугольник 5"/>
+          <p:cNvSpPr/>
+          <p:nvPr/>
+        </p:nvSpPr>
+        <p:spPr>
+          <a:xfrm rot="16200000">
+            <a:off x="-495544" y="3047240"/>
+            <a:ext cx="3814662" cy="576649"/>
+          </a:xfrm>
+          <a:prstGeom prst="roundRect">
+            <a:avLst/>
+          </a:prstGeom>
+          <a:solidFill>
+            <a:schemeClr val="bg1"/>
+          </a:solidFill>
+          <a:ln>
+            <a:solidFill>
+              <a:schemeClr val="bg1"/>
+            </a:solidFill>
+          </a:ln>
+        </p:spPr>
+        <p:style>
+          <a:lnRef idx="2">
+            <a:schemeClr val="accent1">
+              <a:shade val="50000"/>
+            </a:schemeClr>
+          </a:lnRef>
+          <a:fillRef idx="1">
+            <a:schemeClr val="accent1"/>
+          </a:fillRef>
+          <a:effectRef idx="0">
+            <a:schemeClr val="accent1"/>
+          </a:effectRef>
+          <a:fontRef idx="minor">
+            <a:schemeClr val="lt1"/>
+          </a:fontRef>
+        </p:style>
+        <p:txBody>
+          <a:bodyPr rtlCol="0" anchor="ctr"/>
+          <a:lstStyle/>
+          <a:p>
+            <a:pPr algn="ctr"/>
+            <a:endParaRPr lang="ru-RU"/>
+          </a:p>
+        </p:txBody>
+      </p:sp>
+      <p:sp>
+        <p:nvSpPr>
+          <p:cNvPr id="7" name="TextBox 6"/>
+          <p:cNvSpPr txBox="1"/>
+          <p:nvPr/>
+        </p:nvSpPr>
+        <p:spPr>
+          <a:xfrm rot="16200000">
+            <a:off x="-407704" y="3135509"/>
+            <a:ext cx="3576748" cy="400110"/>
+          </a:xfrm>
+          <a:prstGeom prst="rect">
+            <a:avLst/>
+          </a:prstGeom>
+          <a:noFill/>
+        </p:spPr>
+        <p:txBody>
+          <a:bodyPr wrap="none" rtlCol="0">
+            <a:spAutoFit/>
+          </a:bodyPr>
+          <a:lstStyle/>
+          <a:p>
+            <a:r>
+              <a:rPr lang="ru-RU" sz="2000" dirty="0" smtClean="0"/>
+              <a:t>Соотношение </a:t>
+            </a:r>
+            <a:r>
+              <a:rPr lang="en-US" sz="2000" dirty="0" smtClean="0"/>
+              <a:t>Al+/Al++,</a:t>
+            </a:r>
+            <a:r>
+              <a:rPr lang="ru-RU" sz="2000" dirty="0" smtClean="0"/>
+              <a:t> отн. ед.</a:t>
+            </a:r>
+            <a:endParaRPr lang="ru-RU" sz="2000" dirty="0"/>
+          </a:p>
+        </p:txBody>
+      </p:sp>
+      <p:sp>
+        <p:nvSpPr>
+          <p:cNvPr id="8" name="TextBox 7"/>
+          <p:cNvSpPr txBox="1"/>
+          <p:nvPr/>
+        </p:nvSpPr>
+        <p:spPr>
+          <a:xfrm>
+            <a:off x="3638455" y="6193763"/>
+            <a:ext cx="3085525" cy="400110"/>
+          </a:xfrm>
+          <a:prstGeom prst="rect">
+            <a:avLst/>
+          </a:prstGeom>
+          <a:noFill/>
+        </p:spPr>
+        <p:txBody>
+          <a:bodyPr wrap="none" rtlCol="0">
+            <a:spAutoFit/>
+          </a:bodyPr>
+          <a:lstStyle/>
+          <a:p>
+            <a:r>
+              <a:rPr lang="ru-RU" sz="2000" dirty="0" smtClean="0"/>
+              <a:t>Мощность лазера, отн. ед.</a:t>
+            </a:r>
+            <a:endParaRPr lang="ru-RU" sz="2000" dirty="0"/>
+          </a:p>
+        </p:txBody>
+      </p:sp>
+      <p:sp>
+        <p:nvSpPr>
+          <p:cNvPr id="9" name="Скругленный прямоугольник 8"/>
+          <p:cNvSpPr/>
+          <p:nvPr/>
+        </p:nvSpPr>
+        <p:spPr>
+          <a:xfrm>
+            <a:off x="5278223" y="329055"/>
+            <a:ext cx="3506287" cy="576649"/>
+          </a:xfrm>
+          <a:prstGeom prst="roundRect">
+            <a:avLst/>
+          </a:prstGeom>
+          <a:solidFill>
+            <a:schemeClr val="bg1"/>
+          </a:solidFill>
+          <a:ln>
+            <a:solidFill>
+              <a:schemeClr val="bg1"/>
+            </a:solidFill>
+          </a:ln>
+        </p:spPr>
+        <p:style>
+          <a:lnRef idx="2">
+            <a:schemeClr val="accent1">
+              <a:shade val="50000"/>
+            </a:schemeClr>
+          </a:lnRef>
+          <a:fillRef idx="1">
+            <a:schemeClr val="accent1"/>
+          </a:fillRef>
+          <a:effectRef idx="0">
+            <a:schemeClr val="accent1"/>
+          </a:effectRef>
+          <a:fontRef idx="minor">
+            <a:schemeClr val="lt1"/>
+          </a:fontRef>
+        </p:style>
+        <p:txBody>
+          <a:bodyPr rtlCol="0" anchor="ctr"/>
+          <a:lstStyle/>
+          <a:p>
+            <a:pPr algn="ctr"/>
+            <a:endParaRPr lang="ru-RU"/>
+          </a:p>
+        </p:txBody>
+      </p:sp>
+      <p:sp>
+        <p:nvSpPr>
+          <p:cNvPr id="11" name="Скругленный прямоугольник 10"/>
+          <p:cNvSpPr/>
+          <p:nvPr/>
+        </p:nvSpPr>
+        <p:spPr>
+          <a:xfrm>
+            <a:off x="8260908" y="1289660"/>
+            <a:ext cx="3506287" cy="576649"/>
+          </a:xfrm>
+          <a:prstGeom prst="roundRect">
+            <a:avLst/>
+          </a:prstGeom>
+          <a:solidFill>
+            <a:schemeClr val="bg1"/>
+          </a:solidFill>
+          <a:ln>
+            <a:solidFill>
+              <a:schemeClr val="bg1"/>
+            </a:solidFill>
+          </a:ln>
+        </p:spPr>
+        <p:style>
+          <a:lnRef idx="2">
+            <a:schemeClr val="accent1">
+              <a:shade val="50000"/>
+            </a:schemeClr>
+          </a:lnRef>
+          <a:fillRef idx="1">
+            <a:schemeClr val="accent1"/>
+          </a:fillRef>
+          <a:effectRef idx="0">
+            <a:schemeClr val="accent1"/>
+          </a:effectRef>
+          <a:fontRef idx="minor">
+            <a:schemeClr val="lt1"/>
+          </a:fontRef>
+        </p:style>
+        <p:txBody>
+          <a:bodyPr rtlCol="0" anchor="ctr"/>
+          <a:lstStyle/>
+          <a:p>
+            <a:pPr algn="ctr"/>
+            <a:endParaRPr lang="ru-RU"/>
+          </a:p>
+        </p:txBody>
+      </p:sp>
+      <p:sp>
+        <p:nvSpPr>
+          <p:cNvPr id="14" name="Скругленный прямоугольник 13"/>
+          <p:cNvSpPr/>
+          <p:nvPr/>
+        </p:nvSpPr>
+        <p:spPr>
+          <a:xfrm>
+            <a:off x="3190875" y="1204058"/>
+            <a:ext cx="2226301" cy="773141"/>
+          </a:xfrm>
+          <a:prstGeom prst="roundRect">
+            <a:avLst/>
+          </a:prstGeom>
+          <a:solidFill>
+            <a:schemeClr val="bg1"/>
+          </a:solidFill>
+          <a:ln>
+            <a:solidFill>
+              <a:schemeClr val="bg1"/>
+            </a:solidFill>
+          </a:ln>
+        </p:spPr>
+        <p:style>
+          <a:lnRef idx="2">
+            <a:schemeClr val="accent1">
+              <a:shade val="50000"/>
+            </a:schemeClr>
+          </a:lnRef>
+          <a:fillRef idx="1">
+            <a:schemeClr val="accent1"/>
+          </a:fillRef>
+          <a:effectRef idx="0">
+            <a:schemeClr val="accent1"/>
+          </a:effectRef>
+          <a:fontRef idx="minor">
+            <a:schemeClr val="lt1"/>
+          </a:fontRef>
+        </p:style>
+        <p:txBody>
+          <a:bodyPr rtlCol="0" anchor="ctr"/>
+          <a:lstStyle/>
+          <a:p>
+            <a:pPr algn="ctr"/>
+            <a:endParaRPr lang="ru-RU"/>
+          </a:p>
+        </p:txBody>
+      </p:sp>
+    </p:spTree>
+    <p:extLst>
+      <p:ext uri="{BB962C8B-B14F-4D97-AF65-F5344CB8AC3E}">
+        <p14:creationId xmlns:p14="http://schemas.microsoft.com/office/powerpoint/2010/main" val="2428040162"/>
+      </p:ext>
+    </p:extLst>
+  </p:cSld>
+  <p:clrMapOvr>
+    <a:masterClrMapping/>
+  </p:clrMapOvr>
+</p:sld>
+</file>
+
+<file path=ppt/slides/slide11.xml><?xml version="1.0" encoding="utf-8"?>
+<p:sld xmlns:a="http://schemas.openxmlformats.org/drawingml/2006/main" xmlns:r="http://schemas.openxmlformats.org/officeDocument/2006/relationships" xmlns:p="http://schemas.openxmlformats.org/presentationml/2006/main">
+  <p:cSld>
+    <p:spTree>
+      <p:nvGrpSpPr>
+        <p:cNvPr id="1" name=""/>
+        <p:cNvGrpSpPr/>
+        <p:nvPr/>
+      </p:nvGrpSpPr>
+      <p:grpSpPr>
+        <a:xfrm>
+          <a:off x="0" y="0"/>
+          <a:ext cx="0" cy="0"/>
+          <a:chOff x="0" y="0"/>
+          <a:chExt cx="0" cy="0"/>
+        </a:xfrm>
+      </p:grpSpPr>
+      <p:sp>
+        <p:nvSpPr>
+          <p:cNvPr id="5" name="Скругленный прямоугольник 4"/>
+          <p:cNvSpPr/>
+          <p:nvPr/>
+        </p:nvSpPr>
+        <p:spPr>
+          <a:xfrm>
+            <a:off x="4491510" y="6486839"/>
+            <a:ext cx="3506287" cy="576649"/>
+          </a:xfrm>
+          <a:prstGeom prst="roundRect">
+            <a:avLst/>
+          </a:prstGeom>
+          <a:solidFill>
+            <a:schemeClr val="bg1"/>
+          </a:solidFill>
+          <a:ln>
+            <a:solidFill>
+              <a:schemeClr val="bg1"/>
+            </a:solidFill>
+          </a:ln>
+        </p:spPr>
+        <p:style>
+          <a:lnRef idx="2">
+            <a:schemeClr val="accent1">
+              <a:shade val="50000"/>
+            </a:schemeClr>
+          </a:lnRef>
+          <a:fillRef idx="1">
+            <a:schemeClr val="accent1"/>
+          </a:fillRef>
+          <a:effectRef idx="0">
+            <a:schemeClr val="accent1"/>
+          </a:effectRef>
+          <a:fontRef idx="minor">
+            <a:schemeClr val="lt1"/>
+          </a:fontRef>
+        </p:style>
+        <p:txBody>
+          <a:bodyPr rtlCol="0" anchor="ctr"/>
+          <a:lstStyle/>
+          <a:p>
+            <a:pPr algn="ctr"/>
+            <a:endParaRPr lang="ru-RU"/>
+          </a:p>
+        </p:txBody>
+      </p:sp>
+      <p:sp>
+        <p:nvSpPr>
+          <p:cNvPr id="6" name="Скругленный прямоугольник 5"/>
+          <p:cNvSpPr/>
+          <p:nvPr/>
+        </p:nvSpPr>
+        <p:spPr>
+          <a:xfrm rot="16200000">
+            <a:off x="-347778" y="3047239"/>
+            <a:ext cx="3814662" cy="576649"/>
+          </a:xfrm>
+          <a:prstGeom prst="roundRect">
+            <a:avLst/>
+          </a:prstGeom>
+          <a:solidFill>
+            <a:schemeClr val="bg1"/>
+          </a:solidFill>
+          <a:ln>
+            <a:solidFill>
+              <a:schemeClr val="bg1"/>
+            </a:solidFill>
+          </a:ln>
+        </p:spPr>
+        <p:style>
+          <a:lnRef idx="2">
+            <a:schemeClr val="accent1">
+              <a:shade val="50000"/>
+            </a:schemeClr>
+          </a:lnRef>
+          <a:fillRef idx="1">
+            <a:schemeClr val="accent1"/>
+          </a:fillRef>
+          <a:effectRef idx="0">
+            <a:schemeClr val="accent1"/>
+          </a:effectRef>
+          <a:fontRef idx="minor">
+            <a:schemeClr val="lt1"/>
+          </a:fontRef>
+        </p:style>
+        <p:txBody>
+          <a:bodyPr rtlCol="0" anchor="ctr"/>
+          <a:lstStyle/>
+          <a:p>
+            <a:pPr algn="ctr"/>
+            <a:endParaRPr lang="ru-RU"/>
+          </a:p>
+        </p:txBody>
+      </p:sp>
+      <p:sp>
+        <p:nvSpPr>
+          <p:cNvPr id="7" name="TextBox 6"/>
+          <p:cNvSpPr txBox="1"/>
+          <p:nvPr/>
+        </p:nvSpPr>
+        <p:spPr>
+          <a:xfrm rot="16200000">
+            <a:off x="148402" y="2931351"/>
+            <a:ext cx="2802562" cy="400110"/>
+          </a:xfrm>
+          <a:prstGeom prst="rect">
+            <a:avLst/>
+          </a:prstGeom>
+          <a:noFill/>
+        </p:spPr>
+        <p:txBody>
+          <a:bodyPr wrap="none" rtlCol="0">
+            <a:spAutoFit/>
+          </a:bodyPr>
+          <a:lstStyle/>
+          <a:p>
+            <a:r>
+              <a:rPr lang="ru-RU" sz="2000" dirty="0" smtClean="0"/>
+              <a:t>Концентрация </a:t>
+            </a:r>
+            <a:r>
+              <a:rPr lang="en-US" sz="2000" dirty="0" smtClean="0"/>
+              <a:t>Mn,</a:t>
+            </a:r>
+            <a:r>
+              <a:rPr lang="ru-RU" sz="2000" dirty="0" smtClean="0"/>
+              <a:t> ат.</a:t>
+            </a:r>
+            <a:r>
+              <a:rPr lang="en-US" sz="2000" dirty="0" smtClean="0"/>
+              <a:t> </a:t>
+            </a:r>
+            <a:r>
+              <a:rPr lang="ru-RU" sz="2000" dirty="0" smtClean="0"/>
+              <a:t>%</a:t>
+            </a:r>
+            <a:endParaRPr lang="ru-RU" sz="2000" dirty="0"/>
+          </a:p>
+        </p:txBody>
+      </p:sp>
+      <p:sp>
+        <p:nvSpPr>
+          <p:cNvPr id="8" name="TextBox 7"/>
+          <p:cNvSpPr txBox="1"/>
+          <p:nvPr/>
+        </p:nvSpPr>
+        <p:spPr>
+          <a:xfrm>
+            <a:off x="4421049" y="6457890"/>
+            <a:ext cx="3576748" cy="400110"/>
+          </a:xfrm>
+          <a:prstGeom prst="rect">
+            <a:avLst/>
+          </a:prstGeom>
+          <a:noFill/>
+        </p:spPr>
+        <p:txBody>
+          <a:bodyPr wrap="none" rtlCol="0">
+            <a:spAutoFit/>
+          </a:bodyPr>
+          <a:lstStyle/>
+          <a:p>
+            <a:r>
+              <a:rPr lang="ru-RU" sz="2000" dirty="0" smtClean="0"/>
+              <a:t>Соотношение</a:t>
+            </a:r>
+            <a:r>
+              <a:rPr lang="en-US" sz="2000" dirty="0" smtClean="0"/>
+              <a:t> Al+/Al++</a:t>
+            </a:r>
+            <a:r>
+              <a:rPr lang="ru-RU" sz="2000" dirty="0" smtClean="0"/>
+              <a:t>, отн. ед.</a:t>
+            </a:r>
+            <a:endParaRPr lang="ru-RU" sz="2000" dirty="0"/>
+          </a:p>
+        </p:txBody>
+      </p:sp>
+      <p:sp>
+        <p:nvSpPr>
+          <p:cNvPr id="9" name="Скругленный прямоугольник 8"/>
+          <p:cNvSpPr/>
+          <p:nvPr/>
+        </p:nvSpPr>
+        <p:spPr>
+          <a:xfrm>
+            <a:off x="5278223" y="329055"/>
+            <a:ext cx="3506287" cy="576649"/>
+          </a:xfrm>
+          <a:prstGeom prst="roundRect">
+            <a:avLst/>
+          </a:prstGeom>
+          <a:solidFill>
+            <a:schemeClr val="bg1"/>
+          </a:solidFill>
+          <a:ln>
+            <a:solidFill>
+              <a:schemeClr val="bg1"/>
+            </a:solidFill>
+          </a:ln>
+        </p:spPr>
+        <p:style>
+          <a:lnRef idx="2">
+            <a:schemeClr val="accent1">
+              <a:shade val="50000"/>
+            </a:schemeClr>
+          </a:lnRef>
+          <a:fillRef idx="1">
+            <a:schemeClr val="accent1"/>
+          </a:fillRef>
+          <a:effectRef idx="0">
+            <a:schemeClr val="accent1"/>
+          </a:effectRef>
+          <a:fontRef idx="minor">
+            <a:schemeClr val="lt1"/>
+          </a:fontRef>
+        </p:style>
+        <p:txBody>
+          <a:bodyPr rtlCol="0" anchor="ctr"/>
+          <a:lstStyle/>
+          <a:p>
+            <a:pPr algn="ctr"/>
+            <a:endParaRPr lang="ru-RU"/>
+          </a:p>
+        </p:txBody>
+      </p:sp>
       <p:cxnSp>
         <p:nvCxnSpPr>
-          <p:cNvPr id="9" name="Прямая соединительная линия 8"/>
+          <p:cNvPr id="11" name="Прямая соединительная линия 10"/>
           <p:cNvCxnSpPr/>
           <p:nvPr/>
         </p:nvCxnSpPr>
         <p:spPr>
-          <a:xfrm flipH="1">
-            <a:off x="4491038" y="881449"/>
-            <a:ext cx="5040140" cy="5033576"/>
+          <a:xfrm>
+            <a:off x="2561968" y="5700584"/>
+            <a:ext cx="7858897" cy="32951"/>
           </a:xfrm>
           <a:prstGeom prst="line">
             <a:avLst/>
           </a:prstGeom>
-          <a:ln w="38100"/>
-        </p:spPr>
-        <p:style>
-          <a:lnRef idx="1">
-            <a:schemeClr val="accent1"/>
-          </a:lnRef>
-          <a:fillRef idx="0">
-            <a:schemeClr val="accent1"/>
-          </a:fillRef>
-          <a:effectRef idx="0">
-            <a:schemeClr val="accent1"/>
-          </a:effectRef>
-          <a:fontRef idx="minor">
-            <a:schemeClr val="tx1"/>
-          </a:fontRef>
-        </p:style>
-      </p:cxnSp>
-      <p:cxnSp>
-        <p:nvCxnSpPr>
-          <p:cNvPr id="12" name="Прямая соединительная линия 11"/>
-          <p:cNvCxnSpPr/>
-          <p:nvPr/>
-        </p:nvCxnSpPr>
-        <p:spPr>
-          <a:xfrm flipH="1">
-            <a:off x="3418703" y="642551"/>
-            <a:ext cx="4637902" cy="4753233"/>
-          </a:xfrm>
-          <a:prstGeom prst="line">
-            <a:avLst/>
-          </a:prstGeom>
-          <a:ln w="38100">
-            <a:prstDash val="dash"/>
+          <a:ln w="28575">
+            <a:solidFill>
+              <a:srgbClr val="FF0000"/>
+            </a:solidFill>
           </a:ln>
         </p:spPr>
         <p:style>
@@ -3092,7 +3935,5948 @@
     </p:spTree>
     <p:extLst>
       <p:ext uri="{BB962C8B-B14F-4D97-AF65-F5344CB8AC3E}">
-        <p14:creationId xmlns:p14="http://schemas.microsoft.com/office/powerpoint/2010/main" val="1393254651"/>
+        <p14:creationId xmlns:p14="http://schemas.microsoft.com/office/powerpoint/2010/main" val="2581169350"/>
+      </p:ext>
+    </p:extLst>
+  </p:cSld>
+  <p:clrMapOvr>
+    <a:masterClrMapping/>
+  </p:clrMapOvr>
+</p:sld>
+</file>
+
+<file path=ppt/slides/slide12.xml><?xml version="1.0" encoding="utf-8"?>
+<p:sld xmlns:a="http://schemas.openxmlformats.org/drawingml/2006/main" xmlns:r="http://schemas.openxmlformats.org/officeDocument/2006/relationships" xmlns:p="http://schemas.openxmlformats.org/presentationml/2006/main">
+  <p:cSld>
+    <p:spTree>
+      <p:nvGrpSpPr>
+        <p:cNvPr id="1" name=""/>
+        <p:cNvGrpSpPr/>
+        <p:nvPr/>
+      </p:nvGrpSpPr>
+      <p:grpSpPr>
+        <a:xfrm>
+          <a:off x="0" y="0"/>
+          <a:ext cx="0" cy="0"/>
+          <a:chOff x="0" y="0"/>
+          <a:chExt cx="0" cy="0"/>
+        </a:xfrm>
+      </p:grpSpPr>
+      <p:pic>
+        <p:nvPicPr>
+          <p:cNvPr id="17" name="Рисунок 16"/>
+          <p:cNvPicPr>
+            <a:picLocks noChangeAspect="1"/>
+          </p:cNvPicPr>
+          <p:nvPr/>
+        </p:nvPicPr>
+        <p:blipFill>
+          <a:blip r:embed="rId2" cstate="print">
+            <a:extLst>
+              <a:ext uri="{28A0092B-C50C-407E-A947-70E740481C1C}">
+                <a14:useLocalDpi xmlns:a14="http://schemas.microsoft.com/office/drawing/2010/main" val="0"/>
+              </a:ext>
+            </a:extLst>
+          </a:blip>
+          <a:stretch>
+            <a:fillRect/>
+          </a:stretch>
+        </p:blipFill>
+        <p:spPr>
+          <a:xfrm>
+            <a:off x="9389176" y="3118486"/>
+            <a:ext cx="2060980" cy="1332146"/>
+          </a:xfrm>
+          <a:prstGeom prst="rect">
+            <a:avLst/>
+          </a:prstGeom>
+        </p:spPr>
+      </p:pic>
+      <p:pic>
+        <p:nvPicPr>
+          <p:cNvPr id="1028" name="Picture 4" descr="векторные иконки ПК PNG , компьютер, мак, рабочий стол PNG картинки и пнг  рисунок для бесплатной загрузки"/>
+          <p:cNvPicPr>
+            <a:picLocks noChangeAspect="1" noChangeArrowheads="1"/>
+          </p:cNvPicPr>
+          <p:nvPr/>
+        </p:nvPicPr>
+        <p:blipFill rotWithShape="1">
+          <a:blip r:embed="rId3" cstate="print">
+            <a:extLst>
+              <a:ext uri="{28A0092B-C50C-407E-A947-70E740481C1C}">
+                <a14:useLocalDpi xmlns:a14="http://schemas.microsoft.com/office/drawing/2010/main" val="0"/>
+              </a:ext>
+            </a:extLst>
+          </a:blip>
+          <a:srcRect l="25905" t="18580" r="22597" b="25018"/>
+          <a:stretch/>
+        </p:blipFill>
+        <p:spPr bwMode="auto">
+          <a:xfrm>
+            <a:off x="10304909" y="4610101"/>
+            <a:ext cx="1600200" cy="1752600"/>
+          </a:xfrm>
+          <a:prstGeom prst="rect">
+            <a:avLst/>
+          </a:prstGeom>
+          <a:noFill/>
+          <a:extLst>
+            <a:ext uri="{909E8E84-426E-40DD-AFC4-6F175D3DCCD1}">
+              <a14:hiddenFill xmlns:a14="http://schemas.microsoft.com/office/drawing/2010/main">
+                <a:solidFill>
+                  <a:srgbClr val="FFFFFF"/>
+                </a:solidFill>
+              </a14:hiddenFill>
+            </a:ext>
+          </a:extLst>
+        </p:spPr>
+      </p:pic>
+      <p:pic>
+        <p:nvPicPr>
+          <p:cNvPr id="8" name="Рисунок 7"/>
+          <p:cNvPicPr>
+            <a:picLocks noChangeAspect="1"/>
+          </p:cNvPicPr>
+          <p:nvPr/>
+        </p:nvPicPr>
+        <p:blipFill>
+          <a:blip r:embed="rId4">
+            <a:extLst>
+              <a:ext uri="{28A0092B-C50C-407E-A947-70E740481C1C}">
+                <a14:useLocalDpi xmlns:a14="http://schemas.microsoft.com/office/drawing/2010/main" val="0"/>
+              </a:ext>
+            </a:extLst>
+          </a:blip>
+          <a:stretch>
+            <a:fillRect/>
+          </a:stretch>
+        </p:blipFill>
+        <p:spPr>
+          <a:xfrm rot="16200000">
+            <a:off x="-800785" y="2054952"/>
+            <a:ext cx="5600699" cy="3323403"/>
+          </a:xfrm>
+          <a:prstGeom prst="rect">
+            <a:avLst/>
+          </a:prstGeom>
+        </p:spPr>
+      </p:pic>
+      <p:sp>
+        <p:nvSpPr>
+          <p:cNvPr id="9" name="TextBox 8"/>
+          <p:cNvSpPr txBox="1"/>
+          <p:nvPr/>
+        </p:nvSpPr>
+        <p:spPr>
+          <a:xfrm>
+            <a:off x="520065" y="4555092"/>
+            <a:ext cx="651140" cy="369332"/>
+          </a:xfrm>
+          <a:prstGeom prst="rect">
+            <a:avLst/>
+          </a:prstGeom>
+          <a:noFill/>
+        </p:spPr>
+        <p:txBody>
+          <a:bodyPr wrap="none" rtlCol="0">
+            <a:spAutoFit/>
+          </a:bodyPr>
+          <a:lstStyle/>
+          <a:p>
+            <a:r>
+              <a:rPr lang="ru-RU" dirty="0" smtClean="0"/>
+              <a:t>МКП</a:t>
+            </a:r>
+            <a:endParaRPr lang="ru-RU" dirty="0"/>
+          </a:p>
+        </p:txBody>
+      </p:sp>
+      <p:sp>
+        <p:nvSpPr>
+          <p:cNvPr id="10" name="TextBox 9"/>
+          <p:cNvSpPr txBox="1"/>
+          <p:nvPr/>
+        </p:nvSpPr>
+        <p:spPr>
+          <a:xfrm>
+            <a:off x="814207" y="6407342"/>
+            <a:ext cx="2370714" cy="369332"/>
+          </a:xfrm>
+          <a:prstGeom prst="rect">
+            <a:avLst/>
+          </a:prstGeom>
+          <a:noFill/>
+        </p:spPr>
+        <p:txBody>
+          <a:bodyPr wrap="none" rtlCol="0">
+            <a:spAutoFit/>
+          </a:bodyPr>
+          <a:lstStyle/>
+          <a:p>
+            <a:r>
+              <a:rPr lang="ru-RU" dirty="0" smtClean="0"/>
+              <a:t>Источник напряжения</a:t>
+            </a:r>
+            <a:endParaRPr lang="ru-RU" dirty="0"/>
+          </a:p>
+        </p:txBody>
+      </p:sp>
+      <p:cxnSp>
+        <p:nvCxnSpPr>
+          <p:cNvPr id="12" name="Прямая со стрелкой 11"/>
+          <p:cNvCxnSpPr/>
+          <p:nvPr/>
+        </p:nvCxnSpPr>
+        <p:spPr>
+          <a:xfrm>
+            <a:off x="266700" y="1714500"/>
+            <a:ext cx="714375" cy="9525"/>
+          </a:xfrm>
+          <a:prstGeom prst="straightConnector1">
+            <a:avLst/>
+          </a:prstGeom>
+          <a:ln>
+            <a:tailEnd type="triangle"/>
+          </a:ln>
+        </p:spPr>
+        <p:style>
+          <a:lnRef idx="3">
+            <a:schemeClr val="dk1"/>
+          </a:lnRef>
+          <a:fillRef idx="0">
+            <a:schemeClr val="dk1"/>
+          </a:fillRef>
+          <a:effectRef idx="2">
+            <a:schemeClr val="dk1"/>
+          </a:effectRef>
+          <a:fontRef idx="minor">
+            <a:schemeClr val="tx1"/>
+          </a:fontRef>
+        </p:style>
+      </p:cxnSp>
+      <p:sp>
+        <p:nvSpPr>
+          <p:cNvPr id="14" name="TextBox 13"/>
+          <p:cNvSpPr txBox="1"/>
+          <p:nvPr/>
+        </p:nvSpPr>
+        <p:spPr>
+          <a:xfrm>
+            <a:off x="163831" y="1354693"/>
+            <a:ext cx="712469" cy="369332"/>
+          </a:xfrm>
+          <a:prstGeom prst="rect">
+            <a:avLst/>
+          </a:prstGeom>
+          <a:noFill/>
+        </p:spPr>
+        <p:txBody>
+          <a:bodyPr wrap="square" rtlCol="0">
+            <a:spAutoFit/>
+          </a:bodyPr>
+          <a:lstStyle/>
+          <a:p>
+            <a:r>
+              <a:rPr lang="ru-RU" dirty="0"/>
+              <a:t>И</a:t>
+            </a:r>
+            <a:r>
+              <a:rPr lang="ru-RU" dirty="0" smtClean="0"/>
+              <a:t>он</a:t>
+            </a:r>
+            <a:endParaRPr lang="ru-RU" dirty="0"/>
+          </a:p>
+        </p:txBody>
+      </p:sp>
+      <p:cxnSp>
+        <p:nvCxnSpPr>
+          <p:cNvPr id="31" name="Прямая соединительная линия 30"/>
+          <p:cNvCxnSpPr/>
+          <p:nvPr/>
+        </p:nvCxnSpPr>
+        <p:spPr>
+          <a:xfrm>
+            <a:off x="4810579" y="4391025"/>
+            <a:ext cx="866775" cy="876300"/>
+          </a:xfrm>
+          <a:prstGeom prst="line">
+            <a:avLst/>
+          </a:prstGeom>
+          <a:ln w="38100">
+            <a:solidFill>
+              <a:schemeClr val="accent1"/>
+            </a:solidFill>
+          </a:ln>
+        </p:spPr>
+        <p:style>
+          <a:lnRef idx="1">
+            <a:schemeClr val="accent1"/>
+          </a:lnRef>
+          <a:fillRef idx="0">
+            <a:schemeClr val="accent1"/>
+          </a:fillRef>
+          <a:effectRef idx="0">
+            <a:schemeClr val="accent1"/>
+          </a:effectRef>
+          <a:fontRef idx="minor">
+            <a:schemeClr val="tx1"/>
+          </a:fontRef>
+        </p:style>
+      </p:cxnSp>
+      <p:cxnSp>
+        <p:nvCxnSpPr>
+          <p:cNvPr id="32" name="Прямая соединительная линия 31"/>
+          <p:cNvCxnSpPr/>
+          <p:nvPr/>
+        </p:nvCxnSpPr>
+        <p:spPr>
+          <a:xfrm>
+            <a:off x="4812130" y="1333500"/>
+            <a:ext cx="866775" cy="876300"/>
+          </a:xfrm>
+          <a:prstGeom prst="line">
+            <a:avLst/>
+          </a:prstGeom>
+          <a:ln w="38100">
+            <a:solidFill>
+              <a:schemeClr val="accent1"/>
+            </a:solidFill>
+          </a:ln>
+        </p:spPr>
+        <p:style>
+          <a:lnRef idx="1">
+            <a:schemeClr val="accent1"/>
+          </a:lnRef>
+          <a:fillRef idx="0">
+            <a:schemeClr val="accent1"/>
+          </a:fillRef>
+          <a:effectRef idx="0">
+            <a:schemeClr val="accent1"/>
+          </a:effectRef>
+          <a:fontRef idx="minor">
+            <a:schemeClr val="tx1"/>
+          </a:fontRef>
+        </p:style>
+      </p:cxnSp>
+      <p:cxnSp>
+        <p:nvCxnSpPr>
+          <p:cNvPr id="33" name="Прямая соединительная линия 32"/>
+          <p:cNvCxnSpPr/>
+          <p:nvPr/>
+        </p:nvCxnSpPr>
+        <p:spPr>
+          <a:xfrm>
+            <a:off x="4816806" y="1695450"/>
+            <a:ext cx="866775" cy="876300"/>
+          </a:xfrm>
+          <a:prstGeom prst="line">
+            <a:avLst/>
+          </a:prstGeom>
+          <a:ln w="38100">
+            <a:solidFill>
+              <a:schemeClr val="accent1"/>
+            </a:solidFill>
+          </a:ln>
+        </p:spPr>
+        <p:style>
+          <a:lnRef idx="1">
+            <a:schemeClr val="accent1"/>
+          </a:lnRef>
+          <a:fillRef idx="0">
+            <a:schemeClr val="accent1"/>
+          </a:fillRef>
+          <a:effectRef idx="0">
+            <a:schemeClr val="accent1"/>
+          </a:effectRef>
+          <a:fontRef idx="minor">
+            <a:schemeClr val="tx1"/>
+          </a:fontRef>
+        </p:style>
+      </p:cxnSp>
+      <p:cxnSp>
+        <p:nvCxnSpPr>
+          <p:cNvPr id="34" name="Прямая соединительная линия 33"/>
+          <p:cNvCxnSpPr/>
+          <p:nvPr/>
+        </p:nvCxnSpPr>
+        <p:spPr>
+          <a:xfrm>
+            <a:off x="4816806" y="1990725"/>
+            <a:ext cx="866775" cy="876300"/>
+          </a:xfrm>
+          <a:prstGeom prst="line">
+            <a:avLst/>
+          </a:prstGeom>
+          <a:ln w="38100">
+            <a:solidFill>
+              <a:schemeClr val="accent1"/>
+            </a:solidFill>
+          </a:ln>
+        </p:spPr>
+        <p:style>
+          <a:lnRef idx="1">
+            <a:schemeClr val="accent1"/>
+          </a:lnRef>
+          <a:fillRef idx="0">
+            <a:schemeClr val="accent1"/>
+          </a:fillRef>
+          <a:effectRef idx="0">
+            <a:schemeClr val="accent1"/>
+          </a:effectRef>
+          <a:fontRef idx="minor">
+            <a:schemeClr val="tx1"/>
+          </a:fontRef>
+        </p:style>
+      </p:cxnSp>
+      <p:cxnSp>
+        <p:nvCxnSpPr>
+          <p:cNvPr id="35" name="Прямая соединительная линия 34"/>
+          <p:cNvCxnSpPr/>
+          <p:nvPr/>
+        </p:nvCxnSpPr>
+        <p:spPr>
+          <a:xfrm>
+            <a:off x="4816807" y="2333626"/>
+            <a:ext cx="866775" cy="876300"/>
+          </a:xfrm>
+          <a:prstGeom prst="line">
+            <a:avLst/>
+          </a:prstGeom>
+          <a:ln w="38100">
+            <a:solidFill>
+              <a:schemeClr val="accent1"/>
+            </a:solidFill>
+          </a:ln>
+        </p:spPr>
+        <p:style>
+          <a:lnRef idx="1">
+            <a:schemeClr val="accent1"/>
+          </a:lnRef>
+          <a:fillRef idx="0">
+            <a:schemeClr val="accent1"/>
+          </a:fillRef>
+          <a:effectRef idx="0">
+            <a:schemeClr val="accent1"/>
+          </a:effectRef>
+          <a:fontRef idx="minor">
+            <a:schemeClr val="tx1"/>
+          </a:fontRef>
+        </p:style>
+      </p:cxnSp>
+      <p:cxnSp>
+        <p:nvCxnSpPr>
+          <p:cNvPr id="36" name="Прямая соединительная линия 35"/>
+          <p:cNvCxnSpPr/>
+          <p:nvPr/>
+        </p:nvCxnSpPr>
+        <p:spPr>
+          <a:xfrm>
+            <a:off x="4821481" y="2667000"/>
+            <a:ext cx="866775" cy="876300"/>
+          </a:xfrm>
+          <a:prstGeom prst="line">
+            <a:avLst/>
+          </a:prstGeom>
+          <a:ln w="38100">
+            <a:solidFill>
+              <a:schemeClr val="accent1"/>
+            </a:solidFill>
+          </a:ln>
+        </p:spPr>
+        <p:style>
+          <a:lnRef idx="1">
+            <a:schemeClr val="accent1"/>
+          </a:lnRef>
+          <a:fillRef idx="0">
+            <a:schemeClr val="accent1"/>
+          </a:fillRef>
+          <a:effectRef idx="0">
+            <a:schemeClr val="accent1"/>
+          </a:effectRef>
+          <a:fontRef idx="minor">
+            <a:schemeClr val="tx1"/>
+          </a:fontRef>
+        </p:style>
+      </p:cxnSp>
+      <p:cxnSp>
+        <p:nvCxnSpPr>
+          <p:cNvPr id="37" name="Прямая соединительная линия 36"/>
+          <p:cNvCxnSpPr/>
+          <p:nvPr/>
+        </p:nvCxnSpPr>
+        <p:spPr>
+          <a:xfrm>
+            <a:off x="4816806" y="3028950"/>
+            <a:ext cx="866775" cy="876300"/>
+          </a:xfrm>
+          <a:prstGeom prst="line">
+            <a:avLst/>
+          </a:prstGeom>
+          <a:ln w="38100">
+            <a:solidFill>
+              <a:schemeClr val="accent1"/>
+            </a:solidFill>
+          </a:ln>
+        </p:spPr>
+        <p:style>
+          <a:lnRef idx="1">
+            <a:schemeClr val="accent1"/>
+          </a:lnRef>
+          <a:fillRef idx="0">
+            <a:schemeClr val="accent1"/>
+          </a:fillRef>
+          <a:effectRef idx="0">
+            <a:schemeClr val="accent1"/>
+          </a:effectRef>
+          <a:fontRef idx="minor">
+            <a:schemeClr val="tx1"/>
+          </a:fontRef>
+        </p:style>
+      </p:cxnSp>
+      <p:cxnSp>
+        <p:nvCxnSpPr>
+          <p:cNvPr id="38" name="Прямая соединительная линия 37"/>
+          <p:cNvCxnSpPr/>
+          <p:nvPr/>
+        </p:nvCxnSpPr>
+        <p:spPr>
+          <a:xfrm>
+            <a:off x="4812131" y="3390899"/>
+            <a:ext cx="866775" cy="876300"/>
+          </a:xfrm>
+          <a:prstGeom prst="line">
+            <a:avLst/>
+          </a:prstGeom>
+          <a:ln w="38100">
+            <a:solidFill>
+              <a:schemeClr val="accent1"/>
+            </a:solidFill>
+          </a:ln>
+        </p:spPr>
+        <p:style>
+          <a:lnRef idx="1">
+            <a:schemeClr val="accent1"/>
+          </a:lnRef>
+          <a:fillRef idx="0">
+            <a:schemeClr val="accent1"/>
+          </a:fillRef>
+          <a:effectRef idx="0">
+            <a:schemeClr val="accent1"/>
+          </a:effectRef>
+          <a:fontRef idx="minor">
+            <a:schemeClr val="tx1"/>
+          </a:fontRef>
+        </p:style>
+      </p:cxnSp>
+      <p:cxnSp>
+        <p:nvCxnSpPr>
+          <p:cNvPr id="39" name="Прямая соединительная линия 38"/>
+          <p:cNvCxnSpPr/>
+          <p:nvPr/>
+        </p:nvCxnSpPr>
+        <p:spPr>
+          <a:xfrm>
+            <a:off x="4812131" y="3705225"/>
+            <a:ext cx="866775" cy="876300"/>
+          </a:xfrm>
+          <a:prstGeom prst="line">
+            <a:avLst/>
+          </a:prstGeom>
+          <a:ln w="38100">
+            <a:solidFill>
+              <a:schemeClr val="accent1"/>
+            </a:solidFill>
+          </a:ln>
+        </p:spPr>
+        <p:style>
+          <a:lnRef idx="1">
+            <a:schemeClr val="accent1"/>
+          </a:lnRef>
+          <a:fillRef idx="0">
+            <a:schemeClr val="accent1"/>
+          </a:fillRef>
+          <a:effectRef idx="0">
+            <a:schemeClr val="accent1"/>
+          </a:effectRef>
+          <a:fontRef idx="minor">
+            <a:schemeClr val="tx1"/>
+          </a:fontRef>
+        </p:style>
+      </p:cxnSp>
+      <p:cxnSp>
+        <p:nvCxnSpPr>
+          <p:cNvPr id="40" name="Прямая соединительная линия 39"/>
+          <p:cNvCxnSpPr/>
+          <p:nvPr/>
+        </p:nvCxnSpPr>
+        <p:spPr>
+          <a:xfrm>
+            <a:off x="4812130" y="4048124"/>
+            <a:ext cx="866775" cy="876300"/>
+          </a:xfrm>
+          <a:prstGeom prst="line">
+            <a:avLst/>
+          </a:prstGeom>
+          <a:ln w="38100">
+            <a:solidFill>
+              <a:schemeClr val="accent1"/>
+            </a:solidFill>
+          </a:ln>
+        </p:spPr>
+        <p:style>
+          <a:lnRef idx="1">
+            <a:schemeClr val="accent1"/>
+          </a:lnRef>
+          <a:fillRef idx="0">
+            <a:schemeClr val="accent1"/>
+          </a:fillRef>
+          <a:effectRef idx="0">
+            <a:schemeClr val="accent1"/>
+          </a:effectRef>
+          <a:fontRef idx="minor">
+            <a:schemeClr val="tx1"/>
+          </a:fontRef>
+        </p:style>
+      </p:cxnSp>
+      <p:cxnSp>
+        <p:nvCxnSpPr>
+          <p:cNvPr id="41" name="Прямая соединительная линия 40"/>
+          <p:cNvCxnSpPr/>
+          <p:nvPr/>
+        </p:nvCxnSpPr>
+        <p:spPr>
+          <a:xfrm>
+            <a:off x="4809028" y="4752973"/>
+            <a:ext cx="866775" cy="876300"/>
+          </a:xfrm>
+          <a:prstGeom prst="line">
+            <a:avLst/>
+          </a:prstGeom>
+          <a:ln w="38100">
+            <a:solidFill>
+              <a:schemeClr val="accent1"/>
+            </a:solidFill>
+          </a:ln>
+        </p:spPr>
+        <p:style>
+          <a:lnRef idx="1">
+            <a:schemeClr val="accent1"/>
+          </a:lnRef>
+          <a:fillRef idx="0">
+            <a:schemeClr val="accent1"/>
+          </a:fillRef>
+          <a:effectRef idx="0">
+            <a:schemeClr val="accent1"/>
+          </a:effectRef>
+          <a:fontRef idx="minor">
+            <a:schemeClr val="tx1"/>
+          </a:fontRef>
+        </p:style>
+      </p:cxnSp>
+      <p:cxnSp>
+        <p:nvCxnSpPr>
+          <p:cNvPr id="43" name="Прямая соединительная линия 42"/>
+          <p:cNvCxnSpPr/>
+          <p:nvPr/>
+        </p:nvCxnSpPr>
+        <p:spPr>
+          <a:xfrm flipV="1">
+            <a:off x="5677354" y="5629273"/>
+            <a:ext cx="966334" cy="2384"/>
+          </a:xfrm>
+          <a:prstGeom prst="line">
+            <a:avLst/>
+          </a:prstGeom>
+          <a:ln w="38100">
+            <a:solidFill>
+              <a:schemeClr val="accent1"/>
+            </a:solidFill>
+          </a:ln>
+        </p:spPr>
+        <p:style>
+          <a:lnRef idx="1">
+            <a:schemeClr val="accent1"/>
+          </a:lnRef>
+          <a:fillRef idx="0">
+            <a:schemeClr val="accent1"/>
+          </a:fillRef>
+          <a:effectRef idx="0">
+            <a:schemeClr val="accent1"/>
+          </a:effectRef>
+          <a:fontRef idx="minor">
+            <a:schemeClr val="tx1"/>
+          </a:fontRef>
+        </p:style>
+      </p:cxnSp>
+      <p:cxnSp>
+        <p:nvCxnSpPr>
+          <p:cNvPr id="47" name="Прямая соединительная линия 46"/>
+          <p:cNvCxnSpPr/>
+          <p:nvPr/>
+        </p:nvCxnSpPr>
+        <p:spPr>
+          <a:xfrm>
+            <a:off x="4809028" y="1333500"/>
+            <a:ext cx="1815347" cy="0"/>
+          </a:xfrm>
+          <a:prstGeom prst="line">
+            <a:avLst/>
+          </a:prstGeom>
+          <a:ln w="38100">
+            <a:solidFill>
+              <a:schemeClr val="accent1"/>
+            </a:solidFill>
+          </a:ln>
+        </p:spPr>
+        <p:style>
+          <a:lnRef idx="1">
+            <a:schemeClr val="accent1"/>
+          </a:lnRef>
+          <a:fillRef idx="0">
+            <a:schemeClr val="accent1"/>
+          </a:fillRef>
+          <a:effectRef idx="0">
+            <a:schemeClr val="accent1"/>
+          </a:effectRef>
+          <a:fontRef idx="minor">
+            <a:schemeClr val="tx1"/>
+          </a:fontRef>
+        </p:style>
+      </p:cxnSp>
+      <p:sp>
+        <p:nvSpPr>
+          <p:cNvPr id="53" name="Овал 52"/>
+          <p:cNvSpPr/>
+          <p:nvPr/>
+        </p:nvSpPr>
+        <p:spPr>
+          <a:xfrm>
+            <a:off x="4727961" y="4391023"/>
+            <a:ext cx="168335" cy="366713"/>
+          </a:xfrm>
+          <a:prstGeom prst="ellipse">
+            <a:avLst/>
+          </a:prstGeom>
+          <a:solidFill>
+            <a:schemeClr val="bg1"/>
+          </a:solidFill>
+          <a:ln w="38100">
+            <a:solidFill>
+              <a:schemeClr val="accent1"/>
+            </a:solidFill>
+          </a:ln>
+        </p:spPr>
+        <p:style>
+          <a:lnRef idx="2">
+            <a:schemeClr val="accent1">
+              <a:shade val="50000"/>
+            </a:schemeClr>
+          </a:lnRef>
+          <a:fillRef idx="1">
+            <a:schemeClr val="accent1"/>
+          </a:fillRef>
+          <a:effectRef idx="0">
+            <a:schemeClr val="accent1"/>
+          </a:effectRef>
+          <a:fontRef idx="minor">
+            <a:schemeClr val="lt1"/>
+          </a:fontRef>
+        </p:style>
+        <p:txBody>
+          <a:bodyPr rtlCol="0" anchor="ctr"/>
+          <a:lstStyle/>
+          <a:p>
+            <a:pPr algn="ctr"/>
+            <a:endParaRPr lang="ru-RU"/>
+          </a:p>
+        </p:txBody>
+      </p:sp>
+      <p:sp>
+        <p:nvSpPr>
+          <p:cNvPr id="54" name="Овал 53"/>
+          <p:cNvSpPr/>
+          <p:nvPr/>
+        </p:nvSpPr>
+        <p:spPr>
+          <a:xfrm>
+            <a:off x="5599413" y="4924424"/>
+            <a:ext cx="168335" cy="338135"/>
+          </a:xfrm>
+          <a:prstGeom prst="ellipse">
+            <a:avLst/>
+          </a:prstGeom>
+          <a:solidFill>
+            <a:schemeClr val="bg1"/>
+          </a:solidFill>
+          <a:ln w="38100">
+            <a:solidFill>
+              <a:schemeClr val="accent1"/>
+            </a:solidFill>
+          </a:ln>
+        </p:spPr>
+        <p:style>
+          <a:lnRef idx="2">
+            <a:schemeClr val="accent1">
+              <a:shade val="50000"/>
+            </a:schemeClr>
+          </a:lnRef>
+          <a:fillRef idx="1">
+            <a:schemeClr val="accent1"/>
+          </a:fillRef>
+          <a:effectRef idx="0">
+            <a:schemeClr val="accent1"/>
+          </a:effectRef>
+          <a:fontRef idx="minor">
+            <a:schemeClr val="lt1"/>
+          </a:fontRef>
+        </p:style>
+        <p:txBody>
+          <a:bodyPr rtlCol="0" anchor="ctr"/>
+          <a:lstStyle/>
+          <a:p>
+            <a:pPr algn="ctr"/>
+            <a:endParaRPr lang="ru-RU"/>
+          </a:p>
+        </p:txBody>
+      </p:sp>
+      <p:sp>
+        <p:nvSpPr>
+          <p:cNvPr id="55" name="Овал 54"/>
+          <p:cNvSpPr/>
+          <p:nvPr/>
+        </p:nvSpPr>
+        <p:spPr>
+          <a:xfrm>
+            <a:off x="5591637" y="4238626"/>
+            <a:ext cx="168335" cy="338135"/>
+          </a:xfrm>
+          <a:prstGeom prst="ellipse">
+            <a:avLst/>
+          </a:prstGeom>
+          <a:solidFill>
+            <a:schemeClr val="bg1"/>
+          </a:solidFill>
+          <a:ln w="38100">
+            <a:solidFill>
+              <a:schemeClr val="accent1"/>
+            </a:solidFill>
+          </a:ln>
+        </p:spPr>
+        <p:style>
+          <a:lnRef idx="2">
+            <a:schemeClr val="accent1">
+              <a:shade val="50000"/>
+            </a:schemeClr>
+          </a:lnRef>
+          <a:fillRef idx="1">
+            <a:schemeClr val="accent1"/>
+          </a:fillRef>
+          <a:effectRef idx="0">
+            <a:schemeClr val="accent1"/>
+          </a:effectRef>
+          <a:fontRef idx="minor">
+            <a:schemeClr val="lt1"/>
+          </a:fontRef>
+        </p:style>
+        <p:txBody>
+          <a:bodyPr rtlCol="0" anchor="ctr"/>
+          <a:lstStyle/>
+          <a:p>
+            <a:pPr algn="ctr"/>
+            <a:endParaRPr lang="ru-RU"/>
+          </a:p>
+        </p:txBody>
+      </p:sp>
+      <p:sp>
+        <p:nvSpPr>
+          <p:cNvPr id="56" name="Овал 55"/>
+          <p:cNvSpPr/>
+          <p:nvPr/>
+        </p:nvSpPr>
+        <p:spPr>
+          <a:xfrm>
+            <a:off x="4730301" y="3717131"/>
+            <a:ext cx="168335" cy="338135"/>
+          </a:xfrm>
+          <a:prstGeom prst="ellipse">
+            <a:avLst/>
+          </a:prstGeom>
+          <a:solidFill>
+            <a:schemeClr val="bg1"/>
+          </a:solidFill>
+          <a:ln w="38100">
+            <a:solidFill>
+              <a:schemeClr val="accent1"/>
+            </a:solidFill>
+          </a:ln>
+        </p:spPr>
+        <p:style>
+          <a:lnRef idx="2">
+            <a:schemeClr val="accent1">
+              <a:shade val="50000"/>
+            </a:schemeClr>
+          </a:lnRef>
+          <a:fillRef idx="1">
+            <a:schemeClr val="accent1"/>
+          </a:fillRef>
+          <a:effectRef idx="0">
+            <a:schemeClr val="accent1"/>
+          </a:effectRef>
+          <a:fontRef idx="minor">
+            <a:schemeClr val="lt1"/>
+          </a:fontRef>
+        </p:style>
+        <p:txBody>
+          <a:bodyPr rtlCol="0" anchor="ctr"/>
+          <a:lstStyle/>
+          <a:p>
+            <a:pPr algn="ctr"/>
+            <a:endParaRPr lang="ru-RU"/>
+          </a:p>
+        </p:txBody>
+      </p:sp>
+      <p:sp>
+        <p:nvSpPr>
+          <p:cNvPr id="57" name="Овал 56"/>
+          <p:cNvSpPr/>
+          <p:nvPr/>
+        </p:nvSpPr>
+        <p:spPr>
+          <a:xfrm>
+            <a:off x="5608765" y="3557592"/>
+            <a:ext cx="168335" cy="338135"/>
+          </a:xfrm>
+          <a:prstGeom prst="ellipse">
+            <a:avLst/>
+          </a:prstGeom>
+          <a:solidFill>
+            <a:schemeClr val="bg1"/>
+          </a:solidFill>
+          <a:ln w="38100">
+            <a:solidFill>
+              <a:schemeClr val="accent1"/>
+            </a:solidFill>
+          </a:ln>
+        </p:spPr>
+        <p:style>
+          <a:lnRef idx="2">
+            <a:schemeClr val="accent1">
+              <a:shade val="50000"/>
+            </a:schemeClr>
+          </a:lnRef>
+          <a:fillRef idx="1">
+            <a:schemeClr val="accent1"/>
+          </a:fillRef>
+          <a:effectRef idx="0">
+            <a:schemeClr val="accent1"/>
+          </a:effectRef>
+          <a:fontRef idx="minor">
+            <a:schemeClr val="lt1"/>
+          </a:fontRef>
+        </p:style>
+        <p:txBody>
+          <a:bodyPr rtlCol="0" anchor="ctr"/>
+          <a:lstStyle/>
+          <a:p>
+            <a:pPr algn="ctr"/>
+            <a:endParaRPr lang="ru-RU"/>
+          </a:p>
+        </p:txBody>
+      </p:sp>
+      <p:sp>
+        <p:nvSpPr>
+          <p:cNvPr id="58" name="Овал 57"/>
+          <p:cNvSpPr/>
+          <p:nvPr/>
+        </p:nvSpPr>
+        <p:spPr>
+          <a:xfrm>
+            <a:off x="4759209" y="3062290"/>
+            <a:ext cx="168335" cy="338135"/>
+          </a:xfrm>
+          <a:prstGeom prst="ellipse">
+            <a:avLst/>
+          </a:prstGeom>
+          <a:solidFill>
+            <a:schemeClr val="bg1"/>
+          </a:solidFill>
+          <a:ln w="38100">
+            <a:solidFill>
+              <a:schemeClr val="accent1"/>
+            </a:solidFill>
+          </a:ln>
+        </p:spPr>
+        <p:style>
+          <a:lnRef idx="2">
+            <a:schemeClr val="accent1">
+              <a:shade val="50000"/>
+            </a:schemeClr>
+          </a:lnRef>
+          <a:fillRef idx="1">
+            <a:schemeClr val="accent1"/>
+          </a:fillRef>
+          <a:effectRef idx="0">
+            <a:schemeClr val="accent1"/>
+          </a:effectRef>
+          <a:fontRef idx="minor">
+            <a:schemeClr val="lt1"/>
+          </a:fontRef>
+        </p:style>
+        <p:txBody>
+          <a:bodyPr rtlCol="0" anchor="ctr"/>
+          <a:lstStyle/>
+          <a:p>
+            <a:pPr algn="ctr"/>
+            <a:endParaRPr lang="ru-RU"/>
+          </a:p>
+        </p:txBody>
+      </p:sp>
+      <p:sp>
+        <p:nvSpPr>
+          <p:cNvPr id="59" name="Овал 58"/>
+          <p:cNvSpPr/>
+          <p:nvPr/>
+        </p:nvSpPr>
+        <p:spPr>
+          <a:xfrm>
+            <a:off x="5608765" y="2859883"/>
+            <a:ext cx="168335" cy="338135"/>
+          </a:xfrm>
+          <a:prstGeom prst="ellipse">
+            <a:avLst/>
+          </a:prstGeom>
+          <a:solidFill>
+            <a:schemeClr val="bg1"/>
+          </a:solidFill>
+          <a:ln w="38100">
+            <a:solidFill>
+              <a:schemeClr val="accent1"/>
+            </a:solidFill>
+          </a:ln>
+        </p:spPr>
+        <p:style>
+          <a:lnRef idx="2">
+            <a:schemeClr val="accent1">
+              <a:shade val="50000"/>
+            </a:schemeClr>
+          </a:lnRef>
+          <a:fillRef idx="1">
+            <a:schemeClr val="accent1"/>
+          </a:fillRef>
+          <a:effectRef idx="0">
+            <a:schemeClr val="accent1"/>
+          </a:effectRef>
+          <a:fontRef idx="minor">
+            <a:schemeClr val="lt1"/>
+          </a:fontRef>
+        </p:style>
+        <p:txBody>
+          <a:bodyPr rtlCol="0" anchor="ctr"/>
+          <a:lstStyle/>
+          <a:p>
+            <a:pPr algn="ctr"/>
+            <a:endParaRPr lang="ru-RU"/>
+          </a:p>
+        </p:txBody>
+      </p:sp>
+      <p:sp>
+        <p:nvSpPr>
+          <p:cNvPr id="60" name="Овал 59"/>
+          <p:cNvSpPr/>
+          <p:nvPr/>
+        </p:nvSpPr>
+        <p:spPr>
+          <a:xfrm>
+            <a:off x="4759209" y="2340773"/>
+            <a:ext cx="168335" cy="338135"/>
+          </a:xfrm>
+          <a:prstGeom prst="ellipse">
+            <a:avLst/>
+          </a:prstGeom>
+          <a:solidFill>
+            <a:schemeClr val="bg1"/>
+          </a:solidFill>
+          <a:ln w="38100">
+            <a:solidFill>
+              <a:schemeClr val="accent1"/>
+            </a:solidFill>
+          </a:ln>
+        </p:spPr>
+        <p:style>
+          <a:lnRef idx="2">
+            <a:schemeClr val="accent1">
+              <a:shade val="50000"/>
+            </a:schemeClr>
+          </a:lnRef>
+          <a:fillRef idx="1">
+            <a:schemeClr val="accent1"/>
+          </a:fillRef>
+          <a:effectRef idx="0">
+            <a:schemeClr val="accent1"/>
+          </a:effectRef>
+          <a:fontRef idx="minor">
+            <a:schemeClr val="lt1"/>
+          </a:fontRef>
+        </p:style>
+        <p:txBody>
+          <a:bodyPr rtlCol="0" anchor="ctr"/>
+          <a:lstStyle/>
+          <a:p>
+            <a:pPr algn="ctr"/>
+            <a:endParaRPr lang="ru-RU"/>
+          </a:p>
+        </p:txBody>
+      </p:sp>
+      <p:sp>
+        <p:nvSpPr>
+          <p:cNvPr id="61" name="Овал 60"/>
+          <p:cNvSpPr/>
+          <p:nvPr/>
+        </p:nvSpPr>
+        <p:spPr>
+          <a:xfrm>
+            <a:off x="5599413" y="2221706"/>
+            <a:ext cx="168335" cy="338135"/>
+          </a:xfrm>
+          <a:prstGeom prst="ellipse">
+            <a:avLst/>
+          </a:prstGeom>
+          <a:solidFill>
+            <a:schemeClr val="bg1"/>
+          </a:solidFill>
+          <a:ln w="38100">
+            <a:solidFill>
+              <a:schemeClr val="accent1"/>
+            </a:solidFill>
+          </a:ln>
+        </p:spPr>
+        <p:style>
+          <a:lnRef idx="2">
+            <a:schemeClr val="accent1">
+              <a:shade val="50000"/>
+            </a:schemeClr>
+          </a:lnRef>
+          <a:fillRef idx="1">
+            <a:schemeClr val="accent1"/>
+          </a:fillRef>
+          <a:effectRef idx="0">
+            <a:schemeClr val="accent1"/>
+          </a:effectRef>
+          <a:fontRef idx="minor">
+            <a:schemeClr val="lt1"/>
+          </a:fontRef>
+        </p:style>
+        <p:txBody>
+          <a:bodyPr rtlCol="0" anchor="ctr"/>
+          <a:lstStyle/>
+          <a:p>
+            <a:pPr algn="ctr"/>
+            <a:endParaRPr lang="ru-RU"/>
+          </a:p>
+        </p:txBody>
+      </p:sp>
+      <p:sp>
+        <p:nvSpPr>
+          <p:cNvPr id="62" name="Овал 61"/>
+          <p:cNvSpPr/>
+          <p:nvPr/>
+        </p:nvSpPr>
+        <p:spPr>
+          <a:xfrm>
+            <a:off x="4734977" y="1695450"/>
+            <a:ext cx="168335" cy="297654"/>
+          </a:xfrm>
+          <a:prstGeom prst="ellipse">
+            <a:avLst/>
+          </a:prstGeom>
+          <a:solidFill>
+            <a:schemeClr val="bg1"/>
+          </a:solidFill>
+          <a:ln w="38100">
+            <a:solidFill>
+              <a:schemeClr val="accent1"/>
+            </a:solidFill>
+          </a:ln>
+        </p:spPr>
+        <p:style>
+          <a:lnRef idx="2">
+            <a:schemeClr val="accent1">
+              <a:shade val="50000"/>
+            </a:schemeClr>
+          </a:lnRef>
+          <a:fillRef idx="1">
+            <a:schemeClr val="accent1"/>
+          </a:fillRef>
+          <a:effectRef idx="0">
+            <a:schemeClr val="accent1"/>
+          </a:effectRef>
+          <a:fontRef idx="minor">
+            <a:schemeClr val="lt1"/>
+          </a:fontRef>
+        </p:style>
+        <p:txBody>
+          <a:bodyPr rtlCol="0" anchor="ctr"/>
+          <a:lstStyle/>
+          <a:p>
+            <a:pPr algn="ctr"/>
+            <a:endParaRPr lang="ru-RU"/>
+          </a:p>
+        </p:txBody>
+      </p:sp>
+      <p:sp>
+        <p:nvSpPr>
+          <p:cNvPr id="64" name="TextBox 63"/>
+          <p:cNvSpPr txBox="1"/>
+          <p:nvPr/>
+        </p:nvSpPr>
+        <p:spPr>
+          <a:xfrm>
+            <a:off x="6883159" y="6165613"/>
+            <a:ext cx="503151" cy="369332"/>
+          </a:xfrm>
+          <a:prstGeom prst="rect">
+            <a:avLst/>
+          </a:prstGeom>
+          <a:noFill/>
+        </p:spPr>
+        <p:txBody>
+          <a:bodyPr wrap="none" rtlCol="0">
+            <a:spAutoFit/>
+          </a:bodyPr>
+          <a:lstStyle/>
+          <a:p>
+            <a:r>
+              <a:rPr lang="en-US" dirty="0" smtClean="0"/>
+              <a:t>Tx1</a:t>
+            </a:r>
+            <a:endParaRPr lang="ru-RU" dirty="0"/>
+          </a:p>
+        </p:txBody>
+      </p:sp>
+      <p:sp>
+        <p:nvSpPr>
+          <p:cNvPr id="65" name="TextBox 64"/>
+          <p:cNvSpPr txBox="1"/>
+          <p:nvPr/>
+        </p:nvSpPr>
+        <p:spPr>
+          <a:xfrm>
+            <a:off x="6159693" y="985361"/>
+            <a:ext cx="507639" cy="369332"/>
+          </a:xfrm>
+          <a:prstGeom prst="rect">
+            <a:avLst/>
+          </a:prstGeom>
+          <a:noFill/>
+        </p:spPr>
+        <p:txBody>
+          <a:bodyPr wrap="none" rtlCol="0">
+            <a:spAutoFit/>
+          </a:bodyPr>
+          <a:lstStyle/>
+          <a:p>
+            <a:r>
+              <a:rPr lang="en-US" dirty="0" smtClean="0"/>
+              <a:t>Ty1</a:t>
+            </a:r>
+            <a:endParaRPr lang="ru-RU" dirty="0"/>
+          </a:p>
+        </p:txBody>
+      </p:sp>
+      <p:sp>
+        <p:nvSpPr>
+          <p:cNvPr id="66" name="TextBox 65"/>
+          <p:cNvSpPr txBox="1"/>
+          <p:nvPr/>
+        </p:nvSpPr>
+        <p:spPr>
+          <a:xfrm>
+            <a:off x="6166981" y="5253024"/>
+            <a:ext cx="507639" cy="369332"/>
+          </a:xfrm>
+          <a:prstGeom prst="rect">
+            <a:avLst/>
+          </a:prstGeom>
+          <a:noFill/>
+        </p:spPr>
+        <p:txBody>
+          <a:bodyPr wrap="none" rtlCol="0">
+            <a:spAutoFit/>
+          </a:bodyPr>
+          <a:lstStyle/>
+          <a:p>
+            <a:r>
+              <a:rPr lang="en-US" dirty="0" smtClean="0"/>
+              <a:t>Ty2</a:t>
+            </a:r>
+            <a:endParaRPr lang="ru-RU" dirty="0"/>
+          </a:p>
+        </p:txBody>
+      </p:sp>
+      <p:sp>
+        <p:nvSpPr>
+          <p:cNvPr id="70" name="TextBox 69"/>
+          <p:cNvSpPr txBox="1"/>
+          <p:nvPr/>
+        </p:nvSpPr>
+        <p:spPr>
+          <a:xfrm>
+            <a:off x="6883159" y="5498865"/>
+            <a:ext cx="503151" cy="369332"/>
+          </a:xfrm>
+          <a:prstGeom prst="rect">
+            <a:avLst/>
+          </a:prstGeom>
+          <a:noFill/>
+        </p:spPr>
+        <p:txBody>
+          <a:bodyPr wrap="none" rtlCol="0">
+            <a:spAutoFit/>
+          </a:bodyPr>
+          <a:lstStyle/>
+          <a:p>
+            <a:r>
+              <a:rPr lang="en-US" dirty="0" smtClean="0"/>
+              <a:t>Tx2</a:t>
+            </a:r>
+            <a:endParaRPr lang="ru-RU" dirty="0"/>
+          </a:p>
+        </p:txBody>
+      </p:sp>
+      <p:pic>
+        <p:nvPicPr>
+          <p:cNvPr id="1026" name="Picture 2" descr="Усилитель – Бесплатные иконки: Музыка"/>
+          <p:cNvPicPr>
+            <a:picLocks noChangeAspect="1" noChangeArrowheads="1"/>
+          </p:cNvPicPr>
+          <p:nvPr/>
+        </p:nvPicPr>
+        <p:blipFill>
+          <a:blip r:embed="rId5">
+            <a:extLst>
+              <a:ext uri="{28A0092B-C50C-407E-A947-70E740481C1C}">
+                <a14:useLocalDpi xmlns:a14="http://schemas.microsoft.com/office/drawing/2010/main" val="0"/>
+              </a:ext>
+            </a:extLst>
+          </a:blip>
+          <a:srcRect/>
+          <a:stretch>
+            <a:fillRect/>
+          </a:stretch>
+        </p:blipFill>
+        <p:spPr bwMode="auto">
+          <a:xfrm>
+            <a:off x="6304400" y="2660067"/>
+            <a:ext cx="2338388" cy="2338388"/>
+          </a:xfrm>
+          <a:prstGeom prst="rect">
+            <a:avLst/>
+          </a:prstGeom>
+          <a:noFill/>
+          <a:extLst>
+            <a:ext uri="{909E8E84-426E-40DD-AFC4-6F175D3DCCD1}">
+              <a14:hiddenFill xmlns:a14="http://schemas.microsoft.com/office/drawing/2010/main">
+                <a:solidFill>
+                  <a:srgbClr val="FFFFFF"/>
+                </a:solidFill>
+              </a14:hiddenFill>
+            </a:ext>
+          </a:extLst>
+        </p:spPr>
+      </p:pic>
+      <p:sp>
+        <p:nvSpPr>
+          <p:cNvPr id="71" name="TextBox 70"/>
+          <p:cNvSpPr txBox="1"/>
+          <p:nvPr/>
+        </p:nvSpPr>
+        <p:spPr>
+          <a:xfrm>
+            <a:off x="7589430" y="2735818"/>
+            <a:ext cx="1183722" cy="369332"/>
+          </a:xfrm>
+          <a:prstGeom prst="rect">
+            <a:avLst/>
+          </a:prstGeom>
+          <a:noFill/>
+        </p:spPr>
+        <p:txBody>
+          <a:bodyPr wrap="none" rtlCol="0">
+            <a:spAutoFit/>
+          </a:bodyPr>
+          <a:lstStyle/>
+          <a:p>
+            <a:r>
+              <a:rPr lang="ru-RU" dirty="0" smtClean="0"/>
+              <a:t>Усилитель</a:t>
+            </a:r>
+            <a:endParaRPr lang="ru-RU" dirty="0"/>
+          </a:p>
+        </p:txBody>
+      </p:sp>
+      <p:sp>
+        <p:nvSpPr>
+          <p:cNvPr id="72" name="TextBox 71"/>
+          <p:cNvSpPr txBox="1"/>
+          <p:nvPr/>
+        </p:nvSpPr>
+        <p:spPr>
+          <a:xfrm>
+            <a:off x="3832053" y="52388"/>
+            <a:ext cx="1759584" cy="369332"/>
+          </a:xfrm>
+          <a:prstGeom prst="rect">
+            <a:avLst/>
+          </a:prstGeom>
+          <a:noFill/>
+        </p:spPr>
+        <p:txBody>
+          <a:bodyPr wrap="none" rtlCol="0">
+            <a:spAutoFit/>
+          </a:bodyPr>
+          <a:lstStyle/>
+          <a:p>
+            <a:r>
+              <a:rPr lang="ru-RU" dirty="0" smtClean="0"/>
+              <a:t>Система анодов</a:t>
+            </a:r>
+            <a:endParaRPr lang="ru-RU" dirty="0"/>
+          </a:p>
+        </p:txBody>
+      </p:sp>
+      <p:cxnSp>
+        <p:nvCxnSpPr>
+          <p:cNvPr id="77" name="Прямая со стрелкой 76"/>
+          <p:cNvCxnSpPr/>
+          <p:nvPr/>
+        </p:nvCxnSpPr>
+        <p:spPr>
+          <a:xfrm flipV="1">
+            <a:off x="6624375" y="4610101"/>
+            <a:ext cx="0" cy="1000119"/>
+          </a:xfrm>
+          <a:prstGeom prst="straightConnector1">
+            <a:avLst/>
+          </a:prstGeom>
+          <a:ln w="38100">
+            <a:solidFill>
+              <a:schemeClr val="accent1"/>
+            </a:solidFill>
+            <a:tailEnd type="triangle"/>
+          </a:ln>
+        </p:spPr>
+        <p:style>
+          <a:lnRef idx="1">
+            <a:schemeClr val="accent1"/>
+          </a:lnRef>
+          <a:fillRef idx="0">
+            <a:schemeClr val="accent1"/>
+          </a:fillRef>
+          <a:effectRef idx="0">
+            <a:schemeClr val="accent1"/>
+          </a:effectRef>
+          <a:fontRef idx="minor">
+            <a:schemeClr val="tx1"/>
+          </a:fontRef>
+        </p:style>
+      </p:cxnSp>
+      <p:cxnSp>
+        <p:nvCxnSpPr>
+          <p:cNvPr id="79" name="Прямая со стрелкой 78"/>
+          <p:cNvCxnSpPr/>
+          <p:nvPr/>
+        </p:nvCxnSpPr>
+        <p:spPr>
+          <a:xfrm>
+            <a:off x="6624375" y="1322544"/>
+            <a:ext cx="0" cy="1664732"/>
+          </a:xfrm>
+          <a:prstGeom prst="straightConnector1">
+            <a:avLst/>
+          </a:prstGeom>
+          <a:ln w="38100">
+            <a:solidFill>
+              <a:schemeClr val="accent1"/>
+            </a:solidFill>
+            <a:tailEnd type="triangle"/>
+          </a:ln>
+        </p:spPr>
+        <p:style>
+          <a:lnRef idx="1">
+            <a:schemeClr val="accent1"/>
+          </a:lnRef>
+          <a:fillRef idx="0">
+            <a:schemeClr val="accent1"/>
+          </a:fillRef>
+          <a:effectRef idx="0">
+            <a:schemeClr val="accent1"/>
+          </a:effectRef>
+          <a:fontRef idx="minor">
+            <a:schemeClr val="tx1"/>
+          </a:fontRef>
+        </p:style>
+      </p:cxnSp>
+      <p:grpSp>
+        <p:nvGrpSpPr>
+          <p:cNvPr id="1027" name="Группа 1026"/>
+          <p:cNvGrpSpPr/>
+          <p:nvPr/>
+        </p:nvGrpSpPr>
+        <p:grpSpPr>
+          <a:xfrm>
+            <a:off x="3661267" y="521490"/>
+            <a:ext cx="3939318" cy="5629281"/>
+            <a:chOff x="3661267" y="521490"/>
+            <a:chExt cx="3939318" cy="5629281"/>
+          </a:xfrm>
+        </p:grpSpPr>
+        <p:cxnSp>
+          <p:nvCxnSpPr>
+            <p:cNvPr id="16" name="Прямая соединительная линия 15"/>
+            <p:cNvCxnSpPr/>
+            <p:nvPr/>
+          </p:nvCxnSpPr>
+          <p:spPr>
+            <a:xfrm flipV="1">
+              <a:off x="3661267" y="628650"/>
+              <a:ext cx="0" cy="5514975"/>
+            </a:xfrm>
+            <a:prstGeom prst="line">
+              <a:avLst/>
+            </a:prstGeom>
+            <a:ln w="38100">
+              <a:solidFill>
+                <a:schemeClr val="accent2">
+                  <a:lumMod val="75000"/>
+                </a:schemeClr>
+              </a:solidFill>
+            </a:ln>
+          </p:spPr>
+          <p:style>
+            <a:lnRef idx="1">
+              <a:schemeClr val="accent1"/>
+            </a:lnRef>
+            <a:fillRef idx="0">
+              <a:schemeClr val="accent1"/>
+            </a:fillRef>
+            <a:effectRef idx="0">
+              <a:schemeClr val="accent1"/>
+            </a:effectRef>
+            <a:fontRef idx="minor">
+              <a:schemeClr val="tx1"/>
+            </a:fontRef>
+          </p:style>
+        </p:cxnSp>
+        <p:cxnSp>
+          <p:nvCxnSpPr>
+            <p:cNvPr id="19" name="Прямая соединительная линия 18"/>
+            <p:cNvCxnSpPr/>
+            <p:nvPr/>
+          </p:nvCxnSpPr>
+          <p:spPr>
+            <a:xfrm>
+              <a:off x="3661267" y="6143624"/>
+              <a:ext cx="3928163" cy="0"/>
+            </a:xfrm>
+            <a:prstGeom prst="line">
+              <a:avLst/>
+            </a:prstGeom>
+            <a:ln w="38100">
+              <a:solidFill>
+                <a:schemeClr val="accent2">
+                  <a:lumMod val="75000"/>
+                </a:schemeClr>
+              </a:solidFill>
+            </a:ln>
+          </p:spPr>
+          <p:style>
+            <a:lnRef idx="1">
+              <a:schemeClr val="accent1"/>
+            </a:lnRef>
+            <a:fillRef idx="0">
+              <a:schemeClr val="accent1"/>
+            </a:fillRef>
+            <a:effectRef idx="0">
+              <a:schemeClr val="accent1"/>
+            </a:effectRef>
+            <a:fontRef idx="minor">
+              <a:schemeClr val="tx1"/>
+            </a:fontRef>
+          </p:style>
+        </p:cxnSp>
+        <p:cxnSp>
+          <p:nvCxnSpPr>
+            <p:cNvPr id="22" name="Прямая соединительная линия 21"/>
+            <p:cNvCxnSpPr>
+              <a:stCxn id="48" idx="6"/>
+            </p:cNvCxnSpPr>
+            <p:nvPr/>
+          </p:nvCxnSpPr>
+          <p:spPr>
+            <a:xfrm>
+              <a:off x="3867150" y="669128"/>
+              <a:ext cx="8345" cy="4598197"/>
+            </a:xfrm>
+            <a:prstGeom prst="line">
+              <a:avLst/>
+            </a:prstGeom>
+            <a:ln w="38100">
+              <a:solidFill>
+                <a:schemeClr val="accent2">
+                  <a:lumMod val="75000"/>
+                </a:schemeClr>
+              </a:solidFill>
+            </a:ln>
+          </p:spPr>
+          <p:style>
+            <a:lnRef idx="1">
+              <a:schemeClr val="accent1"/>
+            </a:lnRef>
+            <a:fillRef idx="0">
+              <a:schemeClr val="accent1"/>
+            </a:fillRef>
+            <a:effectRef idx="0">
+              <a:schemeClr val="accent1"/>
+            </a:effectRef>
+            <a:fontRef idx="minor">
+              <a:schemeClr val="tx1"/>
+            </a:fontRef>
+          </p:style>
+        </p:cxnSp>
+        <p:cxnSp>
+          <p:nvCxnSpPr>
+            <p:cNvPr id="24" name="Прямая соединительная линия 23"/>
+            <p:cNvCxnSpPr/>
+            <p:nvPr/>
+          </p:nvCxnSpPr>
+          <p:spPr>
+            <a:xfrm>
+              <a:off x="4019550" y="923925"/>
+              <a:ext cx="8345" cy="4495800"/>
+            </a:xfrm>
+            <a:prstGeom prst="line">
+              <a:avLst/>
+            </a:prstGeom>
+            <a:ln w="38100">
+              <a:solidFill>
+                <a:schemeClr val="accent2">
+                  <a:lumMod val="75000"/>
+                </a:schemeClr>
+              </a:solidFill>
+            </a:ln>
+          </p:spPr>
+          <p:style>
+            <a:lnRef idx="1">
+              <a:schemeClr val="accent1"/>
+            </a:lnRef>
+            <a:fillRef idx="0">
+              <a:schemeClr val="accent1"/>
+            </a:fillRef>
+            <a:effectRef idx="0">
+              <a:schemeClr val="accent1"/>
+            </a:effectRef>
+            <a:fontRef idx="minor">
+              <a:schemeClr val="tx1"/>
+            </a:fontRef>
+          </p:style>
+        </p:cxnSp>
+        <p:cxnSp>
+          <p:nvCxnSpPr>
+            <p:cNvPr id="25" name="Прямая соединительная линия 24"/>
+            <p:cNvCxnSpPr>
+              <a:stCxn id="49" idx="6"/>
+            </p:cNvCxnSpPr>
+            <p:nvPr/>
+          </p:nvCxnSpPr>
+          <p:spPr>
+            <a:xfrm>
+              <a:off x="4170114" y="964403"/>
+              <a:ext cx="10181" cy="4607722"/>
+            </a:xfrm>
+            <a:prstGeom prst="line">
+              <a:avLst/>
+            </a:prstGeom>
+            <a:ln w="38100">
+              <a:solidFill>
+                <a:schemeClr val="accent2">
+                  <a:lumMod val="75000"/>
+                </a:schemeClr>
+              </a:solidFill>
+            </a:ln>
+          </p:spPr>
+          <p:style>
+            <a:lnRef idx="1">
+              <a:schemeClr val="accent1"/>
+            </a:lnRef>
+            <a:fillRef idx="0">
+              <a:schemeClr val="accent1"/>
+            </a:fillRef>
+            <a:effectRef idx="0">
+              <a:schemeClr val="accent1"/>
+            </a:effectRef>
+            <a:fontRef idx="minor">
+              <a:schemeClr val="tx1"/>
+            </a:fontRef>
+          </p:style>
+        </p:cxnSp>
+        <p:cxnSp>
+          <p:nvCxnSpPr>
+            <p:cNvPr id="26" name="Прямая соединительная линия 25"/>
+            <p:cNvCxnSpPr/>
+            <p:nvPr/>
+          </p:nvCxnSpPr>
+          <p:spPr>
+            <a:xfrm>
+              <a:off x="4324350" y="1228725"/>
+              <a:ext cx="8345" cy="4495800"/>
+            </a:xfrm>
+            <a:prstGeom prst="line">
+              <a:avLst/>
+            </a:prstGeom>
+            <a:ln w="38100">
+              <a:solidFill>
+                <a:schemeClr val="accent2">
+                  <a:lumMod val="75000"/>
+                </a:schemeClr>
+              </a:solidFill>
+            </a:ln>
+          </p:spPr>
+          <p:style>
+            <a:lnRef idx="1">
+              <a:schemeClr val="accent1"/>
+            </a:lnRef>
+            <a:fillRef idx="0">
+              <a:schemeClr val="accent1"/>
+            </a:fillRef>
+            <a:effectRef idx="0">
+              <a:schemeClr val="accent1"/>
+            </a:effectRef>
+            <a:fontRef idx="minor">
+              <a:schemeClr val="tx1"/>
+            </a:fontRef>
+          </p:style>
+        </p:cxnSp>
+        <p:cxnSp>
+          <p:nvCxnSpPr>
+            <p:cNvPr id="27" name="Прямая соединительная линия 26"/>
+            <p:cNvCxnSpPr>
+              <a:stCxn id="50" idx="6"/>
+            </p:cNvCxnSpPr>
+            <p:nvPr/>
+          </p:nvCxnSpPr>
+          <p:spPr>
+            <a:xfrm>
+              <a:off x="4472074" y="1262063"/>
+              <a:ext cx="13021" cy="4614862"/>
+            </a:xfrm>
+            <a:prstGeom prst="line">
+              <a:avLst/>
+            </a:prstGeom>
+            <a:ln w="38100">
+              <a:solidFill>
+                <a:schemeClr val="accent2">
+                  <a:lumMod val="75000"/>
+                </a:schemeClr>
+              </a:solidFill>
+            </a:ln>
+          </p:spPr>
+          <p:style>
+            <a:lnRef idx="1">
+              <a:schemeClr val="accent1"/>
+            </a:lnRef>
+            <a:fillRef idx="0">
+              <a:schemeClr val="accent1"/>
+            </a:fillRef>
+            <a:effectRef idx="0">
+              <a:schemeClr val="accent1"/>
+            </a:effectRef>
+            <a:fontRef idx="minor">
+              <a:schemeClr val="tx1"/>
+            </a:fontRef>
+          </p:style>
+        </p:cxnSp>
+        <p:cxnSp>
+          <p:nvCxnSpPr>
+            <p:cNvPr id="45" name="Прямая соединительная линия 44"/>
+            <p:cNvCxnSpPr/>
+            <p:nvPr/>
+          </p:nvCxnSpPr>
+          <p:spPr>
+            <a:xfrm>
+              <a:off x="4476750" y="5876925"/>
+              <a:ext cx="2865051" cy="0"/>
+            </a:xfrm>
+            <a:prstGeom prst="line">
+              <a:avLst/>
+            </a:prstGeom>
+            <a:ln w="38100">
+              <a:solidFill>
+                <a:schemeClr val="accent2">
+                  <a:lumMod val="75000"/>
+                </a:schemeClr>
+              </a:solidFill>
+            </a:ln>
+          </p:spPr>
+          <p:style>
+            <a:lnRef idx="1">
+              <a:schemeClr val="accent1"/>
+            </a:lnRef>
+            <a:fillRef idx="0">
+              <a:schemeClr val="accent1"/>
+            </a:fillRef>
+            <a:effectRef idx="0">
+              <a:schemeClr val="accent1"/>
+            </a:effectRef>
+            <a:fontRef idx="minor">
+              <a:schemeClr val="tx1"/>
+            </a:fontRef>
+          </p:style>
+        </p:cxnSp>
+        <p:sp>
+          <p:nvSpPr>
+            <p:cNvPr id="48" name="Овал 47"/>
+            <p:cNvSpPr/>
+            <p:nvPr/>
+          </p:nvSpPr>
+          <p:spPr>
+            <a:xfrm>
+              <a:off x="3661267" y="521490"/>
+              <a:ext cx="205883" cy="295275"/>
+            </a:xfrm>
+            <a:prstGeom prst="ellipse">
+              <a:avLst/>
+            </a:prstGeom>
+            <a:solidFill>
+              <a:schemeClr val="bg1"/>
+            </a:solidFill>
+            <a:ln w="38100">
+              <a:solidFill>
+                <a:schemeClr val="accent2">
+                  <a:lumMod val="75000"/>
+                </a:schemeClr>
+              </a:solidFill>
+            </a:ln>
+          </p:spPr>
+          <p:style>
+            <a:lnRef idx="2">
+              <a:schemeClr val="accent1">
+                <a:shade val="50000"/>
+              </a:schemeClr>
+            </a:lnRef>
+            <a:fillRef idx="1">
+              <a:schemeClr val="accent1"/>
+            </a:fillRef>
+            <a:effectRef idx="0">
+              <a:schemeClr val="accent1"/>
+            </a:effectRef>
+            <a:fontRef idx="minor">
+              <a:schemeClr val="lt1"/>
+            </a:fontRef>
+          </p:style>
+          <p:txBody>
+            <a:bodyPr rtlCol="0" anchor="ctr"/>
+            <a:lstStyle/>
+            <a:p>
+              <a:pPr algn="ctr"/>
+              <a:endParaRPr lang="ru-RU"/>
+            </a:p>
+          </p:txBody>
+        </p:sp>
+        <p:sp>
+          <p:nvSpPr>
+            <p:cNvPr id="49" name="Овал 48"/>
+            <p:cNvSpPr/>
+            <p:nvPr/>
+          </p:nvSpPr>
+          <p:spPr>
+            <a:xfrm>
+              <a:off x="4019550" y="816765"/>
+              <a:ext cx="150564" cy="295275"/>
+            </a:xfrm>
+            <a:prstGeom prst="ellipse">
+              <a:avLst/>
+            </a:prstGeom>
+            <a:solidFill>
+              <a:schemeClr val="bg1"/>
+            </a:solidFill>
+            <a:ln w="38100">
+              <a:solidFill>
+                <a:schemeClr val="accent2">
+                  <a:lumMod val="75000"/>
+                </a:schemeClr>
+              </a:solidFill>
+            </a:ln>
+          </p:spPr>
+          <p:style>
+            <a:lnRef idx="2">
+              <a:schemeClr val="accent1">
+                <a:shade val="50000"/>
+              </a:schemeClr>
+            </a:lnRef>
+            <a:fillRef idx="1">
+              <a:schemeClr val="accent1"/>
+            </a:fillRef>
+            <a:effectRef idx="0">
+              <a:schemeClr val="accent1"/>
+            </a:effectRef>
+            <a:fontRef idx="minor">
+              <a:schemeClr val="lt1"/>
+            </a:fontRef>
+          </p:style>
+          <p:txBody>
+            <a:bodyPr rtlCol="0" anchor="ctr"/>
+            <a:lstStyle/>
+            <a:p>
+              <a:pPr algn="ctr"/>
+              <a:endParaRPr lang="ru-RU"/>
+            </a:p>
+          </p:txBody>
+        </p:sp>
+        <p:sp>
+          <p:nvSpPr>
+            <p:cNvPr id="50" name="Овал 49"/>
+            <p:cNvSpPr/>
+            <p:nvPr/>
+          </p:nvSpPr>
+          <p:spPr>
+            <a:xfrm>
+              <a:off x="4324349" y="1114425"/>
+              <a:ext cx="147725" cy="295275"/>
+            </a:xfrm>
+            <a:prstGeom prst="ellipse">
+              <a:avLst/>
+            </a:prstGeom>
+            <a:solidFill>
+              <a:schemeClr val="bg1"/>
+            </a:solidFill>
+            <a:ln w="38100">
+              <a:solidFill>
+                <a:schemeClr val="accent2">
+                  <a:lumMod val="75000"/>
+                </a:schemeClr>
+              </a:solidFill>
+            </a:ln>
+          </p:spPr>
+          <p:style>
+            <a:lnRef idx="2">
+              <a:schemeClr val="accent1">
+                <a:shade val="50000"/>
+              </a:schemeClr>
+            </a:lnRef>
+            <a:fillRef idx="1">
+              <a:schemeClr val="accent1"/>
+            </a:fillRef>
+            <a:effectRef idx="0">
+              <a:schemeClr val="accent1"/>
+            </a:effectRef>
+            <a:fontRef idx="minor">
+              <a:schemeClr val="lt1"/>
+            </a:fontRef>
+          </p:style>
+          <p:txBody>
+            <a:bodyPr rtlCol="0" anchor="ctr"/>
+            <a:lstStyle/>
+            <a:p>
+              <a:pPr algn="ctr"/>
+              <a:endParaRPr lang="ru-RU"/>
+            </a:p>
+          </p:txBody>
+        </p:sp>
+        <p:sp>
+          <p:nvSpPr>
+            <p:cNvPr id="51" name="Овал 50"/>
+            <p:cNvSpPr/>
+            <p:nvPr/>
+          </p:nvSpPr>
+          <p:spPr>
+            <a:xfrm>
+              <a:off x="3859560" y="5226847"/>
+              <a:ext cx="168335" cy="295275"/>
+            </a:xfrm>
+            <a:prstGeom prst="ellipse">
+              <a:avLst/>
+            </a:prstGeom>
+            <a:solidFill>
+              <a:schemeClr val="bg1"/>
+            </a:solidFill>
+            <a:ln w="38100">
+              <a:solidFill>
+                <a:schemeClr val="accent2">
+                  <a:lumMod val="75000"/>
+                </a:schemeClr>
+              </a:solidFill>
+            </a:ln>
+          </p:spPr>
+          <p:style>
+            <a:lnRef idx="2">
+              <a:schemeClr val="accent1">
+                <a:shade val="50000"/>
+              </a:schemeClr>
+            </a:lnRef>
+            <a:fillRef idx="1">
+              <a:schemeClr val="accent1"/>
+            </a:fillRef>
+            <a:effectRef idx="0">
+              <a:schemeClr val="accent1"/>
+            </a:effectRef>
+            <a:fontRef idx="minor">
+              <a:schemeClr val="lt1"/>
+            </a:fontRef>
+          </p:style>
+          <p:txBody>
+            <a:bodyPr rtlCol="0" anchor="ctr"/>
+            <a:lstStyle/>
+            <a:p>
+              <a:pPr algn="ctr"/>
+              <a:endParaRPr lang="ru-RU"/>
+            </a:p>
+          </p:txBody>
+        </p:sp>
+        <p:sp>
+          <p:nvSpPr>
+            <p:cNvPr id="52" name="Овал 51"/>
+            <p:cNvSpPr/>
+            <p:nvPr/>
+          </p:nvSpPr>
+          <p:spPr>
+            <a:xfrm>
+              <a:off x="4164360" y="5522122"/>
+              <a:ext cx="168335" cy="295275"/>
+            </a:xfrm>
+            <a:prstGeom prst="ellipse">
+              <a:avLst/>
+            </a:prstGeom>
+            <a:solidFill>
+              <a:schemeClr val="bg1"/>
+            </a:solidFill>
+            <a:ln w="38100">
+              <a:solidFill>
+                <a:schemeClr val="accent2">
+                  <a:lumMod val="75000"/>
+                </a:schemeClr>
+              </a:solidFill>
+            </a:ln>
+          </p:spPr>
+          <p:style>
+            <a:lnRef idx="2">
+              <a:schemeClr val="accent1">
+                <a:shade val="50000"/>
+              </a:schemeClr>
+            </a:lnRef>
+            <a:fillRef idx="1">
+              <a:schemeClr val="accent1"/>
+            </a:fillRef>
+            <a:effectRef idx="0">
+              <a:schemeClr val="accent1"/>
+            </a:effectRef>
+            <a:fontRef idx="minor">
+              <a:schemeClr val="lt1"/>
+            </a:fontRef>
+          </p:style>
+          <p:txBody>
+            <a:bodyPr rtlCol="0" anchor="ctr"/>
+            <a:lstStyle/>
+            <a:p>
+              <a:pPr algn="ctr"/>
+              <a:endParaRPr lang="ru-RU"/>
+            </a:p>
+          </p:txBody>
+        </p:sp>
+        <p:cxnSp>
+          <p:nvCxnSpPr>
+            <p:cNvPr id="83" name="Прямая со стрелкой 82"/>
+            <p:cNvCxnSpPr/>
+            <p:nvPr/>
+          </p:nvCxnSpPr>
+          <p:spPr>
+            <a:xfrm flipV="1">
+              <a:off x="7341801" y="4591583"/>
+              <a:ext cx="0" cy="1303852"/>
+            </a:xfrm>
+            <a:prstGeom prst="straightConnector1">
+              <a:avLst/>
+            </a:prstGeom>
+            <a:ln w="38100">
+              <a:solidFill>
+                <a:schemeClr val="accent2">
+                  <a:lumMod val="75000"/>
+                </a:schemeClr>
+              </a:solidFill>
+              <a:tailEnd type="triangle"/>
+            </a:ln>
+          </p:spPr>
+          <p:style>
+            <a:lnRef idx="1">
+              <a:schemeClr val="accent1"/>
+            </a:lnRef>
+            <a:fillRef idx="0">
+              <a:schemeClr val="accent1"/>
+            </a:fillRef>
+            <a:effectRef idx="0">
+              <a:schemeClr val="accent1"/>
+            </a:effectRef>
+            <a:fontRef idx="minor">
+              <a:schemeClr val="tx1"/>
+            </a:fontRef>
+          </p:style>
+        </p:cxnSp>
+        <p:cxnSp>
+          <p:nvCxnSpPr>
+            <p:cNvPr id="85" name="Прямая со стрелкой 84"/>
+            <p:cNvCxnSpPr/>
+            <p:nvPr/>
+          </p:nvCxnSpPr>
+          <p:spPr>
+            <a:xfrm flipV="1">
+              <a:off x="7600585" y="4612486"/>
+              <a:ext cx="0" cy="1538285"/>
+            </a:xfrm>
+            <a:prstGeom prst="straightConnector1">
+              <a:avLst/>
+            </a:prstGeom>
+            <a:ln w="38100">
+              <a:solidFill>
+                <a:schemeClr val="accent2">
+                  <a:lumMod val="75000"/>
+                </a:schemeClr>
+              </a:solidFill>
+              <a:tailEnd type="triangle"/>
+            </a:ln>
+          </p:spPr>
+          <p:style>
+            <a:lnRef idx="1">
+              <a:schemeClr val="accent1"/>
+            </a:lnRef>
+            <a:fillRef idx="0">
+              <a:schemeClr val="accent1"/>
+            </a:fillRef>
+            <a:effectRef idx="0">
+              <a:schemeClr val="accent1"/>
+            </a:effectRef>
+            <a:fontRef idx="minor">
+              <a:schemeClr val="tx1"/>
+            </a:fontRef>
+          </p:style>
+        </p:cxnSp>
+      </p:grpSp>
+      <p:grpSp>
+        <p:nvGrpSpPr>
+          <p:cNvPr id="13" name="Группа 12"/>
+          <p:cNvGrpSpPr/>
+          <p:nvPr/>
+        </p:nvGrpSpPr>
+        <p:grpSpPr>
+          <a:xfrm>
+            <a:off x="8694938" y="3400425"/>
+            <a:ext cx="700216" cy="676275"/>
+            <a:chOff x="9391135" y="3386137"/>
+            <a:chExt cx="700216" cy="676275"/>
+          </a:xfrm>
+        </p:grpSpPr>
+        <p:cxnSp>
+          <p:nvCxnSpPr>
+            <p:cNvPr id="87" name="Прямая со стрелкой 86"/>
+            <p:cNvCxnSpPr/>
+            <p:nvPr/>
+          </p:nvCxnSpPr>
+          <p:spPr>
+            <a:xfrm>
+              <a:off x="9391135" y="3386137"/>
+              <a:ext cx="700216" cy="14288"/>
+            </a:xfrm>
+            <a:prstGeom prst="straightConnector1">
+              <a:avLst/>
+            </a:prstGeom>
+            <a:ln w="38100">
+              <a:tailEnd type="triangle"/>
+            </a:ln>
+          </p:spPr>
+          <p:style>
+            <a:lnRef idx="1">
+              <a:schemeClr val="accent1"/>
+            </a:lnRef>
+            <a:fillRef idx="0">
+              <a:schemeClr val="accent1"/>
+            </a:fillRef>
+            <a:effectRef idx="0">
+              <a:schemeClr val="accent1"/>
+            </a:effectRef>
+            <a:fontRef idx="minor">
+              <a:schemeClr val="tx1"/>
+            </a:fontRef>
+          </p:style>
+        </p:cxnSp>
+        <p:cxnSp>
+          <p:nvCxnSpPr>
+            <p:cNvPr id="89" name="Прямая со стрелкой 88"/>
+            <p:cNvCxnSpPr/>
+            <p:nvPr/>
+          </p:nvCxnSpPr>
+          <p:spPr>
+            <a:xfrm>
+              <a:off x="9391135" y="3629025"/>
+              <a:ext cx="700216" cy="14288"/>
+            </a:xfrm>
+            <a:prstGeom prst="straightConnector1">
+              <a:avLst/>
+            </a:prstGeom>
+            <a:ln w="38100">
+              <a:tailEnd type="triangle"/>
+            </a:ln>
+          </p:spPr>
+          <p:style>
+            <a:lnRef idx="1">
+              <a:schemeClr val="accent1"/>
+            </a:lnRef>
+            <a:fillRef idx="0">
+              <a:schemeClr val="accent1"/>
+            </a:fillRef>
+            <a:effectRef idx="0">
+              <a:schemeClr val="accent1"/>
+            </a:effectRef>
+            <a:fontRef idx="minor">
+              <a:schemeClr val="tx1"/>
+            </a:fontRef>
+          </p:style>
+        </p:cxnSp>
+        <p:cxnSp>
+          <p:nvCxnSpPr>
+            <p:cNvPr id="90" name="Прямая со стрелкой 89"/>
+            <p:cNvCxnSpPr/>
+            <p:nvPr/>
+          </p:nvCxnSpPr>
+          <p:spPr>
+            <a:xfrm>
+              <a:off x="9391135" y="3844937"/>
+              <a:ext cx="700216" cy="14288"/>
+            </a:xfrm>
+            <a:prstGeom prst="straightConnector1">
+              <a:avLst/>
+            </a:prstGeom>
+            <a:ln w="38100">
+              <a:solidFill>
+                <a:schemeClr val="accent2">
+                  <a:lumMod val="75000"/>
+                </a:schemeClr>
+              </a:solidFill>
+              <a:tailEnd type="triangle"/>
+            </a:ln>
+          </p:spPr>
+          <p:style>
+            <a:lnRef idx="1">
+              <a:schemeClr val="accent1"/>
+            </a:lnRef>
+            <a:fillRef idx="0">
+              <a:schemeClr val="accent1"/>
+            </a:fillRef>
+            <a:effectRef idx="0">
+              <a:schemeClr val="accent1"/>
+            </a:effectRef>
+            <a:fontRef idx="minor">
+              <a:schemeClr val="tx1"/>
+            </a:fontRef>
+          </p:style>
+        </p:cxnSp>
+        <p:cxnSp>
+          <p:nvCxnSpPr>
+            <p:cNvPr id="91" name="Прямая со стрелкой 90"/>
+            <p:cNvCxnSpPr/>
+            <p:nvPr/>
+          </p:nvCxnSpPr>
+          <p:spPr>
+            <a:xfrm>
+              <a:off x="9391135" y="4048124"/>
+              <a:ext cx="700216" cy="14288"/>
+            </a:xfrm>
+            <a:prstGeom prst="straightConnector1">
+              <a:avLst/>
+            </a:prstGeom>
+            <a:ln w="38100">
+              <a:solidFill>
+                <a:schemeClr val="accent2">
+                  <a:lumMod val="75000"/>
+                </a:schemeClr>
+              </a:solidFill>
+              <a:tailEnd type="triangle"/>
+            </a:ln>
+          </p:spPr>
+          <p:style>
+            <a:lnRef idx="1">
+              <a:schemeClr val="accent1"/>
+            </a:lnRef>
+            <a:fillRef idx="0">
+              <a:schemeClr val="accent1"/>
+            </a:fillRef>
+            <a:effectRef idx="0">
+              <a:schemeClr val="accent1"/>
+            </a:effectRef>
+            <a:fontRef idx="minor">
+              <a:schemeClr val="tx1"/>
+            </a:fontRef>
+          </p:style>
+        </p:cxnSp>
+      </p:grpSp>
+      <p:sp>
+        <p:nvSpPr>
+          <p:cNvPr id="92" name="TextBox 91"/>
+          <p:cNvSpPr txBox="1"/>
+          <p:nvPr/>
+        </p:nvSpPr>
+        <p:spPr>
+          <a:xfrm>
+            <a:off x="10180954" y="3509897"/>
+            <a:ext cx="609462" cy="369332"/>
+          </a:xfrm>
+          <a:prstGeom prst="rect">
+            <a:avLst/>
+          </a:prstGeom>
+          <a:noFill/>
+        </p:spPr>
+        <p:txBody>
+          <a:bodyPr wrap="none" rtlCol="0">
+            <a:spAutoFit/>
+          </a:bodyPr>
+          <a:lstStyle/>
+          <a:p>
+            <a:r>
+              <a:rPr lang="ru-RU" dirty="0" smtClean="0"/>
+              <a:t>АЦП</a:t>
+            </a:r>
+            <a:endParaRPr lang="ru-RU" dirty="0"/>
+          </a:p>
+        </p:txBody>
+      </p:sp>
+      <p:sp>
+        <p:nvSpPr>
+          <p:cNvPr id="2" name="TextBox 1"/>
+          <p:cNvSpPr txBox="1"/>
+          <p:nvPr/>
+        </p:nvSpPr>
+        <p:spPr>
+          <a:xfrm>
+            <a:off x="9979868" y="5477435"/>
+            <a:ext cx="453970" cy="369332"/>
+          </a:xfrm>
+          <a:prstGeom prst="rect">
+            <a:avLst/>
+          </a:prstGeom>
+          <a:noFill/>
+        </p:spPr>
+        <p:txBody>
+          <a:bodyPr wrap="none" rtlCol="0">
+            <a:spAutoFit/>
+          </a:bodyPr>
+          <a:lstStyle/>
+          <a:p>
+            <a:r>
+              <a:rPr lang="ru-RU" dirty="0" smtClean="0"/>
+              <a:t>ПК</a:t>
+            </a:r>
+            <a:endParaRPr lang="ru-RU" dirty="0"/>
+          </a:p>
+        </p:txBody>
+      </p:sp>
+      <p:sp>
+        <p:nvSpPr>
+          <p:cNvPr id="15" name="Стрелка вниз 14"/>
+          <p:cNvSpPr/>
+          <p:nvPr/>
+        </p:nvSpPr>
+        <p:spPr>
+          <a:xfrm>
+            <a:off x="10621827" y="4364081"/>
+            <a:ext cx="473013" cy="726079"/>
+          </a:xfrm>
+          <a:prstGeom prst="downArrow">
+            <a:avLst/>
+          </a:prstGeom>
+        </p:spPr>
+        <p:style>
+          <a:lnRef idx="2">
+            <a:schemeClr val="accent1">
+              <a:shade val="50000"/>
+            </a:schemeClr>
+          </a:lnRef>
+          <a:fillRef idx="1">
+            <a:schemeClr val="accent1"/>
+          </a:fillRef>
+          <a:effectRef idx="0">
+            <a:schemeClr val="accent1"/>
+          </a:effectRef>
+          <a:fontRef idx="minor">
+            <a:schemeClr val="lt1"/>
+          </a:fontRef>
+        </p:style>
+        <p:txBody>
+          <a:bodyPr rtlCol="0" anchor="ctr"/>
+          <a:lstStyle/>
+          <a:p>
+            <a:pPr algn="ctr"/>
+            <a:endParaRPr lang="ru-RU"/>
+          </a:p>
+        </p:txBody>
+      </p:sp>
+      <p:grpSp>
+        <p:nvGrpSpPr>
+          <p:cNvPr id="82" name="Группа 81"/>
+          <p:cNvGrpSpPr/>
+          <p:nvPr/>
+        </p:nvGrpSpPr>
+        <p:grpSpPr>
+          <a:xfrm>
+            <a:off x="2782260" y="1709736"/>
+            <a:ext cx="2306273" cy="563268"/>
+            <a:chOff x="2782260" y="1709736"/>
+            <a:chExt cx="2306273" cy="563268"/>
+          </a:xfrm>
+        </p:grpSpPr>
+        <p:cxnSp>
+          <p:nvCxnSpPr>
+            <p:cNvPr id="20" name="Прямая соединительная линия 19"/>
+            <p:cNvCxnSpPr/>
+            <p:nvPr/>
+          </p:nvCxnSpPr>
+          <p:spPr>
+            <a:xfrm>
+              <a:off x="2782260" y="2052637"/>
+              <a:ext cx="2306273" cy="220367"/>
+            </a:xfrm>
+            <a:prstGeom prst="line">
+              <a:avLst/>
+            </a:prstGeom>
+            <a:ln>
+              <a:solidFill>
+                <a:srgbClr val="FF0000"/>
+              </a:solidFill>
+            </a:ln>
+          </p:spPr>
+          <p:style>
+            <a:lnRef idx="1">
+              <a:schemeClr val="accent1"/>
+            </a:lnRef>
+            <a:fillRef idx="0">
+              <a:schemeClr val="accent1"/>
+            </a:fillRef>
+            <a:effectRef idx="0">
+              <a:schemeClr val="accent1"/>
+            </a:effectRef>
+            <a:fontRef idx="minor">
+              <a:schemeClr val="tx1"/>
+            </a:fontRef>
+          </p:style>
+        </p:cxnSp>
+        <p:cxnSp>
+          <p:nvCxnSpPr>
+            <p:cNvPr id="23" name="Прямая соединительная линия 22"/>
+            <p:cNvCxnSpPr/>
+            <p:nvPr/>
+          </p:nvCxnSpPr>
+          <p:spPr>
+            <a:xfrm>
+              <a:off x="2782260" y="1709736"/>
+              <a:ext cx="2242586" cy="16670"/>
+            </a:xfrm>
+            <a:prstGeom prst="line">
+              <a:avLst/>
+            </a:prstGeom>
+            <a:ln>
+              <a:solidFill>
+                <a:srgbClr val="FF0000"/>
+              </a:solidFill>
+            </a:ln>
+          </p:spPr>
+          <p:style>
+            <a:lnRef idx="1">
+              <a:schemeClr val="accent1"/>
+            </a:lnRef>
+            <a:fillRef idx="0">
+              <a:schemeClr val="accent1"/>
+            </a:fillRef>
+            <a:effectRef idx="0">
+              <a:schemeClr val="accent1"/>
+            </a:effectRef>
+            <a:fontRef idx="minor">
+              <a:schemeClr val="tx1"/>
+            </a:fontRef>
+          </p:style>
+        </p:cxnSp>
+        <p:cxnSp>
+          <p:nvCxnSpPr>
+            <p:cNvPr id="46" name="Прямая соединительная линия 45"/>
+            <p:cNvCxnSpPr/>
+            <p:nvPr/>
+          </p:nvCxnSpPr>
+          <p:spPr>
+            <a:xfrm>
+              <a:off x="2800766" y="1994189"/>
+              <a:ext cx="2287767" cy="217782"/>
+            </a:xfrm>
+            <a:prstGeom prst="line">
+              <a:avLst/>
+            </a:prstGeom>
+            <a:ln>
+              <a:solidFill>
+                <a:srgbClr val="FF0000"/>
+              </a:solidFill>
+            </a:ln>
+          </p:spPr>
+          <p:style>
+            <a:lnRef idx="1">
+              <a:schemeClr val="accent1"/>
+            </a:lnRef>
+            <a:fillRef idx="0">
+              <a:schemeClr val="accent1"/>
+            </a:fillRef>
+            <a:effectRef idx="0">
+              <a:schemeClr val="accent1"/>
+            </a:effectRef>
+            <a:fontRef idx="minor">
+              <a:schemeClr val="tx1"/>
+            </a:fontRef>
+          </p:style>
+        </p:cxnSp>
+        <p:cxnSp>
+          <p:nvCxnSpPr>
+            <p:cNvPr id="67" name="Прямая соединительная линия 66"/>
+            <p:cNvCxnSpPr/>
+            <p:nvPr/>
+          </p:nvCxnSpPr>
+          <p:spPr>
+            <a:xfrm>
+              <a:off x="2793718" y="1957144"/>
+              <a:ext cx="2294815" cy="149614"/>
+            </a:xfrm>
+            <a:prstGeom prst="line">
+              <a:avLst/>
+            </a:prstGeom>
+            <a:ln>
+              <a:solidFill>
+                <a:srgbClr val="FF0000"/>
+              </a:solidFill>
+            </a:ln>
+          </p:spPr>
+          <p:style>
+            <a:lnRef idx="1">
+              <a:schemeClr val="accent1"/>
+            </a:lnRef>
+            <a:fillRef idx="0">
+              <a:schemeClr val="accent1"/>
+            </a:fillRef>
+            <a:effectRef idx="0">
+              <a:schemeClr val="accent1"/>
+            </a:effectRef>
+            <a:fontRef idx="minor">
+              <a:schemeClr val="tx1"/>
+            </a:fontRef>
+          </p:style>
+        </p:cxnSp>
+        <p:cxnSp>
+          <p:nvCxnSpPr>
+            <p:cNvPr id="69" name="Прямая соединительная линия 68"/>
+            <p:cNvCxnSpPr/>
+            <p:nvPr/>
+          </p:nvCxnSpPr>
+          <p:spPr>
+            <a:xfrm>
+              <a:off x="2814724" y="1904011"/>
+              <a:ext cx="2233930" cy="79573"/>
+            </a:xfrm>
+            <a:prstGeom prst="line">
+              <a:avLst/>
+            </a:prstGeom>
+            <a:ln>
+              <a:solidFill>
+                <a:srgbClr val="FF0000"/>
+              </a:solidFill>
+            </a:ln>
+          </p:spPr>
+          <p:style>
+            <a:lnRef idx="1">
+              <a:schemeClr val="accent1"/>
+            </a:lnRef>
+            <a:fillRef idx="0">
+              <a:schemeClr val="accent1"/>
+            </a:fillRef>
+            <a:effectRef idx="0">
+              <a:schemeClr val="accent1"/>
+            </a:effectRef>
+            <a:fontRef idx="minor">
+              <a:schemeClr val="tx1"/>
+            </a:fontRef>
+          </p:style>
+        </p:cxnSp>
+        <p:cxnSp>
+          <p:nvCxnSpPr>
+            <p:cNvPr id="78" name="Прямая соединительная линия 77"/>
+            <p:cNvCxnSpPr/>
+            <p:nvPr/>
+          </p:nvCxnSpPr>
+          <p:spPr>
+            <a:xfrm>
+              <a:off x="2814724" y="1765697"/>
+              <a:ext cx="2213285" cy="35272"/>
+            </a:xfrm>
+            <a:prstGeom prst="line">
+              <a:avLst/>
+            </a:prstGeom>
+            <a:ln>
+              <a:solidFill>
+                <a:srgbClr val="FF0000"/>
+              </a:solidFill>
+            </a:ln>
+          </p:spPr>
+          <p:style>
+            <a:lnRef idx="1">
+              <a:schemeClr val="accent1"/>
+            </a:lnRef>
+            <a:fillRef idx="0">
+              <a:schemeClr val="accent1"/>
+            </a:fillRef>
+            <a:effectRef idx="0">
+              <a:schemeClr val="accent1"/>
+            </a:effectRef>
+            <a:fontRef idx="minor">
+              <a:schemeClr val="tx1"/>
+            </a:fontRef>
+          </p:style>
+        </p:cxnSp>
+        <p:cxnSp>
+          <p:nvCxnSpPr>
+            <p:cNvPr id="81" name="Прямая соединительная линия 80"/>
+            <p:cNvCxnSpPr/>
+            <p:nvPr/>
+          </p:nvCxnSpPr>
+          <p:spPr>
+            <a:xfrm>
+              <a:off x="2814724" y="1839740"/>
+              <a:ext cx="2210122" cy="56079"/>
+            </a:xfrm>
+            <a:prstGeom prst="line">
+              <a:avLst/>
+            </a:prstGeom>
+            <a:ln>
+              <a:solidFill>
+                <a:srgbClr val="FF0000"/>
+              </a:solidFill>
+            </a:ln>
+          </p:spPr>
+          <p:style>
+            <a:lnRef idx="1">
+              <a:schemeClr val="accent1"/>
+            </a:lnRef>
+            <a:fillRef idx="0">
+              <a:schemeClr val="accent1"/>
+            </a:fillRef>
+            <a:effectRef idx="0">
+              <a:schemeClr val="accent1"/>
+            </a:effectRef>
+            <a:fontRef idx="minor">
+              <a:schemeClr val="tx1"/>
+            </a:fontRef>
+          </p:style>
+        </p:cxnSp>
+      </p:grpSp>
+      <p:cxnSp>
+        <p:nvCxnSpPr>
+          <p:cNvPr id="86" name="Прямая со стрелкой 85"/>
+          <p:cNvCxnSpPr/>
+          <p:nvPr/>
+        </p:nvCxnSpPr>
+        <p:spPr>
+          <a:xfrm>
+            <a:off x="2814724" y="421720"/>
+            <a:ext cx="682856" cy="1273730"/>
+          </a:xfrm>
+          <a:prstGeom prst="straightConnector1">
+            <a:avLst/>
+          </a:prstGeom>
+          <a:ln>
+            <a:tailEnd type="triangle"/>
+          </a:ln>
+        </p:spPr>
+        <p:style>
+          <a:lnRef idx="1">
+            <a:schemeClr val="accent1"/>
+          </a:lnRef>
+          <a:fillRef idx="0">
+            <a:schemeClr val="accent1"/>
+          </a:fillRef>
+          <a:effectRef idx="0">
+            <a:schemeClr val="accent1"/>
+          </a:effectRef>
+          <a:fontRef idx="minor">
+            <a:schemeClr val="tx1"/>
+          </a:fontRef>
+        </p:style>
+      </p:cxnSp>
+      <p:sp>
+        <p:nvSpPr>
+          <p:cNvPr id="88" name="TextBox 87"/>
+          <p:cNvSpPr txBox="1"/>
+          <p:nvPr/>
+        </p:nvSpPr>
+        <p:spPr>
+          <a:xfrm>
+            <a:off x="1066156" y="106207"/>
+            <a:ext cx="2089996" cy="369332"/>
+          </a:xfrm>
+          <a:prstGeom prst="rect">
+            <a:avLst/>
+          </a:prstGeom>
+          <a:noFill/>
+        </p:spPr>
+        <p:txBody>
+          <a:bodyPr wrap="none" rtlCol="0">
+            <a:spAutoFit/>
+          </a:bodyPr>
+          <a:lstStyle/>
+          <a:p>
+            <a:r>
+              <a:rPr lang="ru-RU" dirty="0" smtClean="0"/>
+              <a:t>Облако электронов</a:t>
+            </a:r>
+            <a:endParaRPr lang="ru-RU" dirty="0"/>
+          </a:p>
+        </p:txBody>
+      </p:sp>
+    </p:spTree>
+    <p:extLst>
+      <p:ext uri="{BB962C8B-B14F-4D97-AF65-F5344CB8AC3E}">
+        <p14:creationId xmlns:p14="http://schemas.microsoft.com/office/powerpoint/2010/main" val="2934278922"/>
+      </p:ext>
+    </p:extLst>
+  </p:cSld>
+  <p:clrMapOvr>
+    <a:masterClrMapping/>
+  </p:clrMapOvr>
+</p:sld>
+</file>
+
+<file path=ppt/slides/slide2.xml><?xml version="1.0" encoding="utf-8"?>
+<p:sld xmlns:a="http://schemas.openxmlformats.org/drawingml/2006/main" xmlns:r="http://schemas.openxmlformats.org/officeDocument/2006/relationships" xmlns:p="http://schemas.openxmlformats.org/presentationml/2006/main">
+  <p:cSld>
+    <p:spTree>
+      <p:nvGrpSpPr>
+        <p:cNvPr id="1" name=""/>
+        <p:cNvGrpSpPr/>
+        <p:nvPr/>
+      </p:nvGrpSpPr>
+      <p:grpSpPr>
+        <a:xfrm>
+          <a:off x="0" y="0"/>
+          <a:ext cx="0" cy="0"/>
+          <a:chOff x="0" y="0"/>
+          <a:chExt cx="0" cy="0"/>
+        </a:xfrm>
+      </p:grpSpPr>
+      <p:sp>
+        <p:nvSpPr>
+          <p:cNvPr id="8" name="Скругленный прямоугольник 7"/>
+          <p:cNvSpPr/>
+          <p:nvPr/>
+        </p:nvSpPr>
+        <p:spPr>
+          <a:xfrm>
+            <a:off x="6713838" y="57665"/>
+            <a:ext cx="3506287" cy="576649"/>
+          </a:xfrm>
+          <a:prstGeom prst="roundRect">
+            <a:avLst/>
+          </a:prstGeom>
+          <a:solidFill>
+            <a:schemeClr val="bg1"/>
+          </a:solidFill>
+          <a:ln>
+            <a:solidFill>
+              <a:schemeClr val="bg1"/>
+            </a:solidFill>
+          </a:ln>
+        </p:spPr>
+        <p:style>
+          <a:lnRef idx="2">
+            <a:schemeClr val="accent1">
+              <a:shade val="50000"/>
+            </a:schemeClr>
+          </a:lnRef>
+          <a:fillRef idx="1">
+            <a:schemeClr val="accent1"/>
+          </a:fillRef>
+          <a:effectRef idx="0">
+            <a:schemeClr val="accent1"/>
+          </a:effectRef>
+          <a:fontRef idx="minor">
+            <a:schemeClr val="lt1"/>
+          </a:fontRef>
+        </p:style>
+        <p:txBody>
+          <a:bodyPr rtlCol="0" anchor="ctr"/>
+          <a:lstStyle/>
+          <a:p>
+            <a:pPr algn="ctr"/>
+            <a:endParaRPr lang="ru-RU"/>
+          </a:p>
+        </p:txBody>
+      </p:sp>
+      <p:pic>
+        <p:nvPicPr>
+          <p:cNvPr id="2" name="Рисунок 1"/>
+          <p:cNvPicPr>
+            <a:picLocks noChangeAspect="1"/>
+          </p:cNvPicPr>
+          <p:nvPr/>
+        </p:nvPicPr>
+        <p:blipFill>
+          <a:blip r:embed="rId2"/>
+          <a:stretch>
+            <a:fillRect/>
+          </a:stretch>
+        </p:blipFill>
+        <p:spPr>
+          <a:xfrm>
+            <a:off x="1907875" y="0"/>
+            <a:ext cx="8376249" cy="6858000"/>
+          </a:xfrm>
+          <a:prstGeom prst="rect">
+            <a:avLst/>
+          </a:prstGeom>
+        </p:spPr>
+      </p:pic>
+      <p:cxnSp>
+        <p:nvCxnSpPr>
+          <p:cNvPr id="15" name="Прямая соединительная линия 14"/>
+          <p:cNvCxnSpPr/>
+          <p:nvPr/>
+        </p:nvCxnSpPr>
+        <p:spPr>
+          <a:xfrm>
+            <a:off x="3295135" y="1178011"/>
+            <a:ext cx="6557319" cy="4250724"/>
+          </a:xfrm>
+          <a:prstGeom prst="line">
+            <a:avLst/>
+          </a:prstGeom>
+          <a:ln w="38100">
+            <a:prstDash val="dash"/>
+          </a:ln>
+        </p:spPr>
+        <p:style>
+          <a:lnRef idx="1">
+            <a:schemeClr val="accent1"/>
+          </a:lnRef>
+          <a:fillRef idx="0">
+            <a:schemeClr val="accent1"/>
+          </a:fillRef>
+          <a:effectRef idx="0">
+            <a:schemeClr val="accent1"/>
+          </a:effectRef>
+          <a:fontRef idx="minor">
+            <a:schemeClr val="tx1"/>
+          </a:fontRef>
+        </p:style>
+      </p:cxnSp>
+      <p:sp>
+        <p:nvSpPr>
+          <p:cNvPr id="16" name="Скругленный прямоугольник 15"/>
+          <p:cNvSpPr/>
+          <p:nvPr/>
+        </p:nvSpPr>
+        <p:spPr>
+          <a:xfrm>
+            <a:off x="6095999" y="483973"/>
+            <a:ext cx="3506287" cy="576649"/>
+          </a:xfrm>
+          <a:prstGeom prst="roundRect">
+            <a:avLst/>
+          </a:prstGeom>
+          <a:solidFill>
+            <a:schemeClr val="bg1"/>
+          </a:solidFill>
+          <a:ln>
+            <a:solidFill>
+              <a:schemeClr val="bg1"/>
+            </a:solidFill>
+          </a:ln>
+        </p:spPr>
+        <p:style>
+          <a:lnRef idx="2">
+            <a:schemeClr val="accent1">
+              <a:shade val="50000"/>
+            </a:schemeClr>
+          </a:lnRef>
+          <a:fillRef idx="1">
+            <a:schemeClr val="accent1"/>
+          </a:fillRef>
+          <a:effectRef idx="0">
+            <a:schemeClr val="accent1"/>
+          </a:effectRef>
+          <a:fontRef idx="minor">
+            <a:schemeClr val="lt1"/>
+          </a:fontRef>
+        </p:style>
+        <p:txBody>
+          <a:bodyPr rtlCol="0" anchor="ctr"/>
+          <a:lstStyle/>
+          <a:p>
+            <a:pPr algn="ctr"/>
+            <a:endParaRPr lang="ru-RU"/>
+          </a:p>
+        </p:txBody>
+      </p:sp>
+      <p:sp>
+        <p:nvSpPr>
+          <p:cNvPr id="17" name="Скругленный прямоугольник 16"/>
+          <p:cNvSpPr/>
+          <p:nvPr/>
+        </p:nvSpPr>
+        <p:spPr>
+          <a:xfrm>
+            <a:off x="4691448" y="6220598"/>
+            <a:ext cx="3506287" cy="576649"/>
+          </a:xfrm>
+          <a:prstGeom prst="roundRect">
+            <a:avLst/>
+          </a:prstGeom>
+          <a:solidFill>
+            <a:schemeClr val="bg1"/>
+          </a:solidFill>
+          <a:ln>
+            <a:solidFill>
+              <a:schemeClr val="bg1"/>
+            </a:solidFill>
+          </a:ln>
+        </p:spPr>
+        <p:style>
+          <a:lnRef idx="2">
+            <a:schemeClr val="accent1">
+              <a:shade val="50000"/>
+            </a:schemeClr>
+          </a:lnRef>
+          <a:fillRef idx="1">
+            <a:schemeClr val="accent1"/>
+          </a:fillRef>
+          <a:effectRef idx="0">
+            <a:schemeClr val="accent1"/>
+          </a:effectRef>
+          <a:fontRef idx="minor">
+            <a:schemeClr val="lt1"/>
+          </a:fontRef>
+        </p:style>
+        <p:txBody>
+          <a:bodyPr rtlCol="0" anchor="ctr"/>
+          <a:lstStyle/>
+          <a:p>
+            <a:pPr algn="ctr"/>
+            <a:endParaRPr lang="ru-RU"/>
+          </a:p>
+        </p:txBody>
+      </p:sp>
+      <p:sp>
+        <p:nvSpPr>
+          <p:cNvPr id="18" name="Скругленный прямоугольник 17"/>
+          <p:cNvSpPr/>
+          <p:nvPr/>
+        </p:nvSpPr>
+        <p:spPr>
+          <a:xfrm rot="16200000">
+            <a:off x="204158" y="2986487"/>
+            <a:ext cx="3814662" cy="576649"/>
+          </a:xfrm>
+          <a:prstGeom prst="roundRect">
+            <a:avLst/>
+          </a:prstGeom>
+          <a:solidFill>
+            <a:schemeClr val="bg1"/>
+          </a:solidFill>
+          <a:ln>
+            <a:solidFill>
+              <a:schemeClr val="bg1"/>
+            </a:solidFill>
+          </a:ln>
+        </p:spPr>
+        <p:style>
+          <a:lnRef idx="2">
+            <a:schemeClr val="accent1">
+              <a:shade val="50000"/>
+            </a:schemeClr>
+          </a:lnRef>
+          <a:fillRef idx="1">
+            <a:schemeClr val="accent1"/>
+          </a:fillRef>
+          <a:effectRef idx="0">
+            <a:schemeClr val="accent1"/>
+          </a:effectRef>
+          <a:fontRef idx="minor">
+            <a:schemeClr val="lt1"/>
+          </a:fontRef>
+        </p:style>
+        <p:txBody>
+          <a:bodyPr rtlCol="0" anchor="ctr"/>
+          <a:lstStyle/>
+          <a:p>
+            <a:pPr algn="ctr"/>
+            <a:endParaRPr lang="ru-RU"/>
+          </a:p>
+        </p:txBody>
+      </p:sp>
+      <p:sp>
+        <p:nvSpPr>
+          <p:cNvPr id="20" name="TextBox 19"/>
+          <p:cNvSpPr txBox="1"/>
+          <p:nvPr/>
+        </p:nvSpPr>
+        <p:spPr>
+          <a:xfrm rot="16200000">
+            <a:off x="742016" y="2870599"/>
+            <a:ext cx="2719206" cy="400110"/>
+          </a:xfrm>
+          <a:prstGeom prst="rect">
+            <a:avLst/>
+          </a:prstGeom>
+          <a:noFill/>
+        </p:spPr>
+        <p:txBody>
+          <a:bodyPr wrap="none" rtlCol="0">
+            <a:spAutoFit/>
+          </a:bodyPr>
+          <a:lstStyle/>
+          <a:p>
+            <a:r>
+              <a:rPr lang="ru-RU" sz="2000" dirty="0" smtClean="0"/>
+              <a:t>Концентрация </a:t>
+            </a:r>
+            <a:r>
+              <a:rPr lang="en-US" sz="2000" dirty="0" smtClean="0"/>
+              <a:t>Cu,</a:t>
+            </a:r>
+            <a:r>
+              <a:rPr lang="ru-RU" sz="2000" dirty="0" smtClean="0"/>
+              <a:t> ат.</a:t>
+            </a:r>
+            <a:r>
+              <a:rPr lang="en-US" sz="2000" dirty="0" smtClean="0"/>
+              <a:t> </a:t>
+            </a:r>
+            <a:r>
+              <a:rPr lang="ru-RU" sz="2000" dirty="0" smtClean="0"/>
+              <a:t>%</a:t>
+            </a:r>
+            <a:endParaRPr lang="ru-RU" sz="2000" dirty="0"/>
+          </a:p>
+        </p:txBody>
+      </p:sp>
+      <p:sp>
+        <p:nvSpPr>
+          <p:cNvPr id="21" name="TextBox 20"/>
+          <p:cNvSpPr txBox="1"/>
+          <p:nvPr/>
+        </p:nvSpPr>
+        <p:spPr>
+          <a:xfrm>
+            <a:off x="4890233" y="6314302"/>
+            <a:ext cx="3576748" cy="400110"/>
+          </a:xfrm>
+          <a:prstGeom prst="rect">
+            <a:avLst/>
+          </a:prstGeom>
+          <a:noFill/>
+        </p:spPr>
+        <p:txBody>
+          <a:bodyPr wrap="none" rtlCol="0">
+            <a:spAutoFit/>
+          </a:bodyPr>
+          <a:lstStyle/>
+          <a:p>
+            <a:r>
+              <a:rPr lang="ru-RU" sz="2000" dirty="0" smtClean="0"/>
+              <a:t>Соотношение</a:t>
+            </a:r>
+            <a:r>
+              <a:rPr lang="en-US" sz="2000" dirty="0" smtClean="0"/>
+              <a:t> Al+/Al++</a:t>
+            </a:r>
+            <a:r>
+              <a:rPr lang="ru-RU" sz="2000" dirty="0" smtClean="0"/>
+              <a:t>, отн. ед.</a:t>
+            </a:r>
+            <a:endParaRPr lang="ru-RU" sz="2000" dirty="0"/>
+          </a:p>
+        </p:txBody>
+      </p:sp>
+    </p:spTree>
+    <p:extLst>
+      <p:ext uri="{BB962C8B-B14F-4D97-AF65-F5344CB8AC3E}">
+        <p14:creationId xmlns:p14="http://schemas.microsoft.com/office/powerpoint/2010/main" val="2225128944"/>
+      </p:ext>
+    </p:extLst>
+  </p:cSld>
+  <p:clrMapOvr>
+    <a:masterClrMapping/>
+  </p:clrMapOvr>
+</p:sld>
+</file>
+
+<file path=ppt/slides/slide3.xml><?xml version="1.0" encoding="utf-8"?>
+<p:sld xmlns:a="http://schemas.openxmlformats.org/drawingml/2006/main" xmlns:r="http://schemas.openxmlformats.org/officeDocument/2006/relationships" xmlns:p="http://schemas.openxmlformats.org/presentationml/2006/main">
+  <p:cSld>
+    <p:spTree>
+      <p:nvGrpSpPr>
+        <p:cNvPr id="1" name=""/>
+        <p:cNvGrpSpPr/>
+        <p:nvPr/>
+      </p:nvGrpSpPr>
+      <p:grpSpPr>
+        <a:xfrm>
+          <a:off x="0" y="0"/>
+          <a:ext cx="0" cy="0"/>
+          <a:chOff x="0" y="0"/>
+          <a:chExt cx="0" cy="0"/>
+        </a:xfrm>
+      </p:grpSpPr>
+      <p:pic>
+        <p:nvPicPr>
+          <p:cNvPr id="4" name="Рисунок 3"/>
+          <p:cNvPicPr>
+            <a:picLocks noChangeAspect="1"/>
+          </p:cNvPicPr>
+          <p:nvPr/>
+        </p:nvPicPr>
+        <p:blipFill>
+          <a:blip r:embed="rId2"/>
+          <a:stretch>
+            <a:fillRect/>
+          </a:stretch>
+        </p:blipFill>
+        <p:spPr>
+          <a:xfrm>
+            <a:off x="1432380" y="0"/>
+            <a:ext cx="9327240" cy="6858000"/>
+          </a:xfrm>
+          <a:prstGeom prst="rect">
+            <a:avLst/>
+          </a:prstGeom>
+        </p:spPr>
+      </p:pic>
+      <p:sp>
+        <p:nvSpPr>
+          <p:cNvPr id="5" name="Скругленный прямоугольник 4"/>
+          <p:cNvSpPr/>
+          <p:nvPr/>
+        </p:nvSpPr>
+        <p:spPr>
+          <a:xfrm>
+            <a:off x="4491510" y="6486839"/>
+            <a:ext cx="3506287" cy="576649"/>
+          </a:xfrm>
+          <a:prstGeom prst="roundRect">
+            <a:avLst/>
+          </a:prstGeom>
+          <a:solidFill>
+            <a:schemeClr val="bg1"/>
+          </a:solidFill>
+          <a:ln>
+            <a:solidFill>
+              <a:schemeClr val="bg1"/>
+            </a:solidFill>
+          </a:ln>
+        </p:spPr>
+        <p:style>
+          <a:lnRef idx="2">
+            <a:schemeClr val="accent1">
+              <a:shade val="50000"/>
+            </a:schemeClr>
+          </a:lnRef>
+          <a:fillRef idx="1">
+            <a:schemeClr val="accent1"/>
+          </a:fillRef>
+          <a:effectRef idx="0">
+            <a:schemeClr val="accent1"/>
+          </a:effectRef>
+          <a:fontRef idx="minor">
+            <a:schemeClr val="lt1"/>
+          </a:fontRef>
+        </p:style>
+        <p:txBody>
+          <a:bodyPr rtlCol="0" anchor="ctr"/>
+          <a:lstStyle/>
+          <a:p>
+            <a:pPr algn="ctr"/>
+            <a:endParaRPr lang="ru-RU"/>
+          </a:p>
+        </p:txBody>
+      </p:sp>
+      <p:sp>
+        <p:nvSpPr>
+          <p:cNvPr id="6" name="Скругленный прямоугольник 5"/>
+          <p:cNvSpPr/>
+          <p:nvPr/>
+        </p:nvSpPr>
+        <p:spPr>
+          <a:xfrm rot="16200000">
+            <a:off x="-347778" y="3047239"/>
+            <a:ext cx="3814662" cy="576649"/>
+          </a:xfrm>
+          <a:prstGeom prst="roundRect">
+            <a:avLst/>
+          </a:prstGeom>
+          <a:solidFill>
+            <a:schemeClr val="bg1"/>
+          </a:solidFill>
+          <a:ln>
+            <a:solidFill>
+              <a:schemeClr val="bg1"/>
+            </a:solidFill>
+          </a:ln>
+        </p:spPr>
+        <p:style>
+          <a:lnRef idx="2">
+            <a:schemeClr val="accent1">
+              <a:shade val="50000"/>
+            </a:schemeClr>
+          </a:lnRef>
+          <a:fillRef idx="1">
+            <a:schemeClr val="accent1"/>
+          </a:fillRef>
+          <a:effectRef idx="0">
+            <a:schemeClr val="accent1"/>
+          </a:effectRef>
+          <a:fontRef idx="minor">
+            <a:schemeClr val="lt1"/>
+          </a:fontRef>
+        </p:style>
+        <p:txBody>
+          <a:bodyPr rtlCol="0" anchor="ctr"/>
+          <a:lstStyle/>
+          <a:p>
+            <a:pPr algn="ctr"/>
+            <a:endParaRPr lang="ru-RU"/>
+          </a:p>
+        </p:txBody>
+      </p:sp>
+      <p:sp>
+        <p:nvSpPr>
+          <p:cNvPr id="7" name="TextBox 6"/>
+          <p:cNvSpPr txBox="1"/>
+          <p:nvPr/>
+        </p:nvSpPr>
+        <p:spPr>
+          <a:xfrm rot="16200000">
+            <a:off x="243588" y="2931351"/>
+            <a:ext cx="2612190" cy="400110"/>
+          </a:xfrm>
+          <a:prstGeom prst="rect">
+            <a:avLst/>
+          </a:prstGeom>
+          <a:noFill/>
+        </p:spPr>
+        <p:txBody>
+          <a:bodyPr wrap="none" rtlCol="0">
+            <a:spAutoFit/>
+          </a:bodyPr>
+          <a:lstStyle/>
+          <a:p>
+            <a:r>
+              <a:rPr lang="ru-RU" sz="2000" dirty="0" smtClean="0"/>
+              <a:t>Концентрация </a:t>
+            </a:r>
+            <a:r>
+              <a:rPr lang="en-US" sz="2000" dirty="0" smtClean="0"/>
+              <a:t>O,</a:t>
+            </a:r>
+            <a:r>
+              <a:rPr lang="ru-RU" sz="2000" dirty="0" smtClean="0"/>
+              <a:t> ат.</a:t>
+            </a:r>
+            <a:r>
+              <a:rPr lang="en-US" sz="2000" dirty="0" smtClean="0"/>
+              <a:t> </a:t>
+            </a:r>
+            <a:r>
+              <a:rPr lang="ru-RU" sz="2000" dirty="0" smtClean="0"/>
+              <a:t>%</a:t>
+            </a:r>
+            <a:endParaRPr lang="ru-RU" sz="2000" dirty="0"/>
+          </a:p>
+        </p:txBody>
+      </p:sp>
+      <p:sp>
+        <p:nvSpPr>
+          <p:cNvPr id="8" name="TextBox 7"/>
+          <p:cNvSpPr txBox="1"/>
+          <p:nvPr/>
+        </p:nvSpPr>
+        <p:spPr>
+          <a:xfrm>
+            <a:off x="4421049" y="6457890"/>
+            <a:ext cx="3576748" cy="400110"/>
+          </a:xfrm>
+          <a:prstGeom prst="rect">
+            <a:avLst/>
+          </a:prstGeom>
+          <a:noFill/>
+        </p:spPr>
+        <p:txBody>
+          <a:bodyPr wrap="none" rtlCol="0">
+            <a:spAutoFit/>
+          </a:bodyPr>
+          <a:lstStyle/>
+          <a:p>
+            <a:r>
+              <a:rPr lang="ru-RU" sz="2000" dirty="0" smtClean="0"/>
+              <a:t>Соотношение</a:t>
+            </a:r>
+            <a:r>
+              <a:rPr lang="en-US" sz="2000" dirty="0" smtClean="0"/>
+              <a:t> Al+/Al++</a:t>
+            </a:r>
+            <a:r>
+              <a:rPr lang="ru-RU" sz="2000" dirty="0" smtClean="0"/>
+              <a:t>, отн. ед.</a:t>
+            </a:r>
+            <a:endParaRPr lang="ru-RU" sz="2000" dirty="0"/>
+          </a:p>
+        </p:txBody>
+      </p:sp>
+      <p:sp>
+        <p:nvSpPr>
+          <p:cNvPr id="9" name="Скругленный прямоугольник 8"/>
+          <p:cNvSpPr/>
+          <p:nvPr/>
+        </p:nvSpPr>
+        <p:spPr>
+          <a:xfrm>
+            <a:off x="4610958" y="312579"/>
+            <a:ext cx="3506287" cy="576649"/>
+          </a:xfrm>
+          <a:prstGeom prst="roundRect">
+            <a:avLst/>
+          </a:prstGeom>
+          <a:solidFill>
+            <a:schemeClr val="bg1"/>
+          </a:solidFill>
+          <a:ln>
+            <a:solidFill>
+              <a:schemeClr val="bg1"/>
+            </a:solidFill>
+          </a:ln>
+        </p:spPr>
+        <p:style>
+          <a:lnRef idx="2">
+            <a:schemeClr val="accent1">
+              <a:shade val="50000"/>
+            </a:schemeClr>
+          </a:lnRef>
+          <a:fillRef idx="1">
+            <a:schemeClr val="accent1"/>
+          </a:fillRef>
+          <a:effectRef idx="0">
+            <a:schemeClr val="accent1"/>
+          </a:effectRef>
+          <a:fontRef idx="minor">
+            <a:schemeClr val="lt1"/>
+          </a:fontRef>
+        </p:style>
+        <p:txBody>
+          <a:bodyPr rtlCol="0" anchor="ctr"/>
+          <a:lstStyle/>
+          <a:p>
+            <a:pPr algn="ctr"/>
+            <a:endParaRPr lang="ru-RU"/>
+          </a:p>
+        </p:txBody>
+      </p:sp>
+      <p:cxnSp>
+        <p:nvCxnSpPr>
+          <p:cNvPr id="11" name="Прямая соединительная линия 10"/>
+          <p:cNvCxnSpPr/>
+          <p:nvPr/>
+        </p:nvCxnSpPr>
+        <p:spPr>
+          <a:xfrm>
+            <a:off x="2561968" y="5700584"/>
+            <a:ext cx="7858897" cy="32951"/>
+          </a:xfrm>
+          <a:prstGeom prst="line">
+            <a:avLst/>
+          </a:prstGeom>
+          <a:ln w="28575">
+            <a:solidFill>
+              <a:srgbClr val="FF0000"/>
+            </a:solidFill>
+          </a:ln>
+        </p:spPr>
+        <p:style>
+          <a:lnRef idx="1">
+            <a:schemeClr val="accent1"/>
+          </a:lnRef>
+          <a:fillRef idx="0">
+            <a:schemeClr val="accent1"/>
+          </a:fillRef>
+          <a:effectRef idx="0">
+            <a:schemeClr val="accent1"/>
+          </a:effectRef>
+          <a:fontRef idx="minor">
+            <a:schemeClr val="tx1"/>
+          </a:fontRef>
+        </p:style>
+      </p:cxnSp>
+    </p:spTree>
+    <p:extLst>
+      <p:ext uri="{BB962C8B-B14F-4D97-AF65-F5344CB8AC3E}">
+        <p14:creationId xmlns:p14="http://schemas.microsoft.com/office/powerpoint/2010/main" val="555825228"/>
+      </p:ext>
+    </p:extLst>
+  </p:cSld>
+  <p:clrMapOvr>
+    <a:masterClrMapping/>
+  </p:clrMapOvr>
+</p:sld>
+</file>
+
+<file path=ppt/slides/slide4.xml><?xml version="1.0" encoding="utf-8"?>
+<p:sld xmlns:a="http://schemas.openxmlformats.org/drawingml/2006/main" xmlns:r="http://schemas.openxmlformats.org/officeDocument/2006/relationships" xmlns:p="http://schemas.openxmlformats.org/presentationml/2006/main">
+  <p:cSld>
+    <p:spTree>
+      <p:nvGrpSpPr>
+        <p:cNvPr id="1" name=""/>
+        <p:cNvGrpSpPr/>
+        <p:nvPr/>
+      </p:nvGrpSpPr>
+      <p:grpSpPr>
+        <a:xfrm>
+          <a:off x="0" y="0"/>
+          <a:ext cx="0" cy="0"/>
+          <a:chOff x="0" y="0"/>
+          <a:chExt cx="0" cy="0"/>
+        </a:xfrm>
+      </p:grpSpPr>
+      <p:pic>
+        <p:nvPicPr>
+          <p:cNvPr id="2" name="Рисунок 1"/>
+          <p:cNvPicPr>
+            <a:picLocks noChangeAspect="1"/>
+          </p:cNvPicPr>
+          <p:nvPr/>
+        </p:nvPicPr>
+        <p:blipFill>
+          <a:blip r:embed="rId2"/>
+          <a:stretch>
+            <a:fillRect/>
+          </a:stretch>
+        </p:blipFill>
+        <p:spPr>
+          <a:xfrm>
+            <a:off x="1373302" y="0"/>
+            <a:ext cx="9082924" cy="6858000"/>
+          </a:xfrm>
+          <a:prstGeom prst="rect">
+            <a:avLst/>
+          </a:prstGeom>
+        </p:spPr>
+      </p:pic>
+      <p:sp>
+        <p:nvSpPr>
+          <p:cNvPr id="5" name="Скругленный прямоугольник 4"/>
+          <p:cNvSpPr/>
+          <p:nvPr/>
+        </p:nvSpPr>
+        <p:spPr>
+          <a:xfrm>
+            <a:off x="4491510" y="6486839"/>
+            <a:ext cx="3506287" cy="576649"/>
+          </a:xfrm>
+          <a:prstGeom prst="roundRect">
+            <a:avLst/>
+          </a:prstGeom>
+          <a:solidFill>
+            <a:schemeClr val="bg1"/>
+          </a:solidFill>
+          <a:ln>
+            <a:solidFill>
+              <a:schemeClr val="bg1"/>
+            </a:solidFill>
+          </a:ln>
+        </p:spPr>
+        <p:style>
+          <a:lnRef idx="2">
+            <a:schemeClr val="accent1">
+              <a:shade val="50000"/>
+            </a:schemeClr>
+          </a:lnRef>
+          <a:fillRef idx="1">
+            <a:schemeClr val="accent1"/>
+          </a:fillRef>
+          <a:effectRef idx="0">
+            <a:schemeClr val="accent1"/>
+          </a:effectRef>
+          <a:fontRef idx="minor">
+            <a:schemeClr val="lt1"/>
+          </a:fontRef>
+        </p:style>
+        <p:txBody>
+          <a:bodyPr rtlCol="0" anchor="ctr"/>
+          <a:lstStyle/>
+          <a:p>
+            <a:pPr algn="ctr"/>
+            <a:endParaRPr lang="ru-RU"/>
+          </a:p>
+        </p:txBody>
+      </p:sp>
+      <p:sp>
+        <p:nvSpPr>
+          <p:cNvPr id="6" name="Скругленный прямоугольник 5"/>
+          <p:cNvSpPr/>
+          <p:nvPr/>
+        </p:nvSpPr>
+        <p:spPr>
+          <a:xfrm rot="16200000">
+            <a:off x="-347778" y="3047239"/>
+            <a:ext cx="3814662" cy="576649"/>
+          </a:xfrm>
+          <a:prstGeom prst="roundRect">
+            <a:avLst/>
+          </a:prstGeom>
+          <a:solidFill>
+            <a:schemeClr val="bg1"/>
+          </a:solidFill>
+          <a:ln>
+            <a:solidFill>
+              <a:schemeClr val="bg1"/>
+            </a:solidFill>
+          </a:ln>
+        </p:spPr>
+        <p:style>
+          <a:lnRef idx="2">
+            <a:schemeClr val="accent1">
+              <a:shade val="50000"/>
+            </a:schemeClr>
+          </a:lnRef>
+          <a:fillRef idx="1">
+            <a:schemeClr val="accent1"/>
+          </a:fillRef>
+          <a:effectRef idx="0">
+            <a:schemeClr val="accent1"/>
+          </a:effectRef>
+          <a:fontRef idx="minor">
+            <a:schemeClr val="lt1"/>
+          </a:fontRef>
+        </p:style>
+        <p:txBody>
+          <a:bodyPr rtlCol="0" anchor="ctr"/>
+          <a:lstStyle/>
+          <a:p>
+            <a:pPr algn="ctr"/>
+            <a:endParaRPr lang="ru-RU"/>
+          </a:p>
+        </p:txBody>
+      </p:sp>
+      <p:sp>
+        <p:nvSpPr>
+          <p:cNvPr id="7" name="TextBox 6"/>
+          <p:cNvSpPr txBox="1"/>
+          <p:nvPr/>
+        </p:nvSpPr>
+        <p:spPr>
+          <a:xfrm rot="16200000">
+            <a:off x="148402" y="2931351"/>
+            <a:ext cx="2802562" cy="400110"/>
+          </a:xfrm>
+          <a:prstGeom prst="rect">
+            <a:avLst/>
+          </a:prstGeom>
+          <a:noFill/>
+        </p:spPr>
+        <p:txBody>
+          <a:bodyPr wrap="none" rtlCol="0">
+            <a:spAutoFit/>
+          </a:bodyPr>
+          <a:lstStyle/>
+          <a:p>
+            <a:r>
+              <a:rPr lang="ru-RU" sz="2000" dirty="0" smtClean="0"/>
+              <a:t>Концентрация </a:t>
+            </a:r>
+            <a:r>
+              <a:rPr lang="en-US" sz="2000" dirty="0" smtClean="0"/>
+              <a:t>Mn,</a:t>
+            </a:r>
+            <a:r>
+              <a:rPr lang="ru-RU" sz="2000" dirty="0" smtClean="0"/>
+              <a:t> ат.</a:t>
+            </a:r>
+            <a:r>
+              <a:rPr lang="en-US" sz="2000" dirty="0" smtClean="0"/>
+              <a:t> </a:t>
+            </a:r>
+            <a:r>
+              <a:rPr lang="ru-RU" sz="2000" dirty="0" smtClean="0"/>
+              <a:t>%</a:t>
+            </a:r>
+            <a:endParaRPr lang="ru-RU" sz="2000" dirty="0"/>
+          </a:p>
+        </p:txBody>
+      </p:sp>
+      <p:sp>
+        <p:nvSpPr>
+          <p:cNvPr id="8" name="TextBox 7"/>
+          <p:cNvSpPr txBox="1"/>
+          <p:nvPr/>
+        </p:nvSpPr>
+        <p:spPr>
+          <a:xfrm>
+            <a:off x="4421049" y="6457890"/>
+            <a:ext cx="3576748" cy="400110"/>
+          </a:xfrm>
+          <a:prstGeom prst="rect">
+            <a:avLst/>
+          </a:prstGeom>
+          <a:noFill/>
+        </p:spPr>
+        <p:txBody>
+          <a:bodyPr wrap="none" rtlCol="0">
+            <a:spAutoFit/>
+          </a:bodyPr>
+          <a:lstStyle/>
+          <a:p>
+            <a:r>
+              <a:rPr lang="ru-RU" sz="2000" dirty="0" smtClean="0"/>
+              <a:t>Соотношение</a:t>
+            </a:r>
+            <a:r>
+              <a:rPr lang="en-US" sz="2000" dirty="0" smtClean="0"/>
+              <a:t> Al+/Al++</a:t>
+            </a:r>
+            <a:r>
+              <a:rPr lang="ru-RU" sz="2000" dirty="0" smtClean="0"/>
+              <a:t>, отн. ед.</a:t>
+            </a:r>
+            <a:endParaRPr lang="ru-RU" sz="2000" dirty="0"/>
+          </a:p>
+        </p:txBody>
+      </p:sp>
+      <p:sp>
+        <p:nvSpPr>
+          <p:cNvPr id="9" name="Скругленный прямоугольник 8"/>
+          <p:cNvSpPr/>
+          <p:nvPr/>
+        </p:nvSpPr>
+        <p:spPr>
+          <a:xfrm>
+            <a:off x="5278223" y="329055"/>
+            <a:ext cx="3506287" cy="576649"/>
+          </a:xfrm>
+          <a:prstGeom prst="roundRect">
+            <a:avLst/>
+          </a:prstGeom>
+          <a:solidFill>
+            <a:schemeClr val="bg1"/>
+          </a:solidFill>
+          <a:ln>
+            <a:solidFill>
+              <a:schemeClr val="bg1"/>
+            </a:solidFill>
+          </a:ln>
+        </p:spPr>
+        <p:style>
+          <a:lnRef idx="2">
+            <a:schemeClr val="accent1">
+              <a:shade val="50000"/>
+            </a:schemeClr>
+          </a:lnRef>
+          <a:fillRef idx="1">
+            <a:schemeClr val="accent1"/>
+          </a:fillRef>
+          <a:effectRef idx="0">
+            <a:schemeClr val="accent1"/>
+          </a:effectRef>
+          <a:fontRef idx="minor">
+            <a:schemeClr val="lt1"/>
+          </a:fontRef>
+        </p:style>
+        <p:txBody>
+          <a:bodyPr rtlCol="0" anchor="ctr"/>
+          <a:lstStyle/>
+          <a:p>
+            <a:pPr algn="ctr"/>
+            <a:endParaRPr lang="ru-RU"/>
+          </a:p>
+        </p:txBody>
+      </p:sp>
+      <p:cxnSp>
+        <p:nvCxnSpPr>
+          <p:cNvPr id="11" name="Прямая соединительная линия 10"/>
+          <p:cNvCxnSpPr/>
+          <p:nvPr/>
+        </p:nvCxnSpPr>
+        <p:spPr>
+          <a:xfrm>
+            <a:off x="2529016" y="5288690"/>
+            <a:ext cx="7545860" cy="41191"/>
+          </a:xfrm>
+          <a:prstGeom prst="line">
+            <a:avLst/>
+          </a:prstGeom>
+          <a:ln w="28575">
+            <a:solidFill>
+              <a:srgbClr val="FF0000"/>
+            </a:solidFill>
+          </a:ln>
+        </p:spPr>
+        <p:style>
+          <a:lnRef idx="1">
+            <a:schemeClr val="accent1"/>
+          </a:lnRef>
+          <a:fillRef idx="0">
+            <a:schemeClr val="accent1"/>
+          </a:fillRef>
+          <a:effectRef idx="0">
+            <a:schemeClr val="accent1"/>
+          </a:effectRef>
+          <a:fontRef idx="minor">
+            <a:schemeClr val="tx1"/>
+          </a:fontRef>
+        </p:style>
+      </p:cxnSp>
+    </p:spTree>
+    <p:extLst>
+      <p:ext uri="{BB962C8B-B14F-4D97-AF65-F5344CB8AC3E}">
+        <p14:creationId xmlns:p14="http://schemas.microsoft.com/office/powerpoint/2010/main" val="1688382539"/>
+      </p:ext>
+    </p:extLst>
+  </p:cSld>
+  <p:clrMapOvr>
+    <a:masterClrMapping/>
+  </p:clrMapOvr>
+</p:sld>
+</file>
+
+<file path=ppt/slides/slide5.xml><?xml version="1.0" encoding="utf-8"?>
+<p:sld xmlns:a="http://schemas.openxmlformats.org/drawingml/2006/main" xmlns:r="http://schemas.openxmlformats.org/officeDocument/2006/relationships" xmlns:p="http://schemas.openxmlformats.org/presentationml/2006/main">
+  <p:cSld>
+    <p:spTree>
+      <p:nvGrpSpPr>
+        <p:cNvPr id="1" name=""/>
+        <p:cNvGrpSpPr/>
+        <p:nvPr/>
+      </p:nvGrpSpPr>
+      <p:grpSpPr>
+        <a:xfrm>
+          <a:off x="0" y="0"/>
+          <a:ext cx="0" cy="0"/>
+          <a:chOff x="0" y="0"/>
+          <a:chExt cx="0" cy="0"/>
+        </a:xfrm>
+      </p:grpSpPr>
+      <p:pic>
+        <p:nvPicPr>
+          <p:cNvPr id="3" name="Рисунок 2"/>
+          <p:cNvPicPr>
+            <a:picLocks noChangeAspect="1"/>
+          </p:cNvPicPr>
+          <p:nvPr/>
+        </p:nvPicPr>
+        <p:blipFill>
+          <a:blip r:embed="rId2"/>
+          <a:stretch>
+            <a:fillRect/>
+          </a:stretch>
+        </p:blipFill>
+        <p:spPr>
+          <a:xfrm>
+            <a:off x="1202265" y="32952"/>
+            <a:ext cx="9161384" cy="6858000"/>
+          </a:xfrm>
+          <a:prstGeom prst="rect">
+            <a:avLst/>
+          </a:prstGeom>
+        </p:spPr>
+      </p:pic>
+      <p:sp>
+        <p:nvSpPr>
+          <p:cNvPr id="5" name="Скругленный прямоугольник 4"/>
+          <p:cNvSpPr/>
+          <p:nvPr/>
+        </p:nvSpPr>
+        <p:spPr>
+          <a:xfrm>
+            <a:off x="4491510" y="6486839"/>
+            <a:ext cx="3506287" cy="576649"/>
+          </a:xfrm>
+          <a:prstGeom prst="roundRect">
+            <a:avLst/>
+          </a:prstGeom>
+          <a:solidFill>
+            <a:schemeClr val="bg1"/>
+          </a:solidFill>
+          <a:ln>
+            <a:solidFill>
+              <a:schemeClr val="bg1"/>
+            </a:solidFill>
+          </a:ln>
+        </p:spPr>
+        <p:style>
+          <a:lnRef idx="2">
+            <a:schemeClr val="accent1">
+              <a:shade val="50000"/>
+            </a:schemeClr>
+          </a:lnRef>
+          <a:fillRef idx="1">
+            <a:schemeClr val="accent1"/>
+          </a:fillRef>
+          <a:effectRef idx="0">
+            <a:schemeClr val="accent1"/>
+          </a:effectRef>
+          <a:fontRef idx="minor">
+            <a:schemeClr val="lt1"/>
+          </a:fontRef>
+        </p:style>
+        <p:txBody>
+          <a:bodyPr rtlCol="0" anchor="ctr"/>
+          <a:lstStyle/>
+          <a:p>
+            <a:pPr algn="ctr"/>
+            <a:endParaRPr lang="ru-RU"/>
+          </a:p>
+        </p:txBody>
+      </p:sp>
+      <p:sp>
+        <p:nvSpPr>
+          <p:cNvPr id="6" name="Скругленный прямоугольник 5"/>
+          <p:cNvSpPr/>
+          <p:nvPr/>
+        </p:nvSpPr>
+        <p:spPr>
+          <a:xfrm rot="16200000">
+            <a:off x="-347778" y="3047239"/>
+            <a:ext cx="3814662" cy="576649"/>
+          </a:xfrm>
+          <a:prstGeom prst="roundRect">
+            <a:avLst/>
+          </a:prstGeom>
+          <a:solidFill>
+            <a:schemeClr val="bg1"/>
+          </a:solidFill>
+          <a:ln>
+            <a:solidFill>
+              <a:schemeClr val="bg1"/>
+            </a:solidFill>
+          </a:ln>
+        </p:spPr>
+        <p:style>
+          <a:lnRef idx="2">
+            <a:schemeClr val="accent1">
+              <a:shade val="50000"/>
+            </a:schemeClr>
+          </a:lnRef>
+          <a:fillRef idx="1">
+            <a:schemeClr val="accent1"/>
+          </a:fillRef>
+          <a:effectRef idx="0">
+            <a:schemeClr val="accent1"/>
+          </a:effectRef>
+          <a:fontRef idx="minor">
+            <a:schemeClr val="lt1"/>
+          </a:fontRef>
+        </p:style>
+        <p:txBody>
+          <a:bodyPr rtlCol="0" anchor="ctr"/>
+          <a:lstStyle/>
+          <a:p>
+            <a:pPr algn="ctr"/>
+            <a:endParaRPr lang="ru-RU"/>
+          </a:p>
+        </p:txBody>
+      </p:sp>
+      <p:sp>
+        <p:nvSpPr>
+          <p:cNvPr id="7" name="TextBox 6"/>
+          <p:cNvSpPr txBox="1"/>
+          <p:nvPr/>
+        </p:nvSpPr>
+        <p:spPr>
+          <a:xfrm rot="16200000">
+            <a:off x="198896" y="2931351"/>
+            <a:ext cx="2701573" cy="400110"/>
+          </a:xfrm>
+          <a:prstGeom prst="rect">
+            <a:avLst/>
+          </a:prstGeom>
+          <a:noFill/>
+        </p:spPr>
+        <p:txBody>
+          <a:bodyPr wrap="none" rtlCol="0">
+            <a:spAutoFit/>
+          </a:bodyPr>
+          <a:lstStyle/>
+          <a:p>
+            <a:r>
+              <a:rPr lang="ru-RU" sz="2000" dirty="0" smtClean="0"/>
+              <a:t>Концентрация </a:t>
+            </a:r>
+            <a:r>
+              <a:rPr lang="en-US" sz="2000" dirty="0" smtClean="0"/>
+              <a:t>Sn,</a:t>
+            </a:r>
+            <a:r>
+              <a:rPr lang="ru-RU" sz="2000" dirty="0" smtClean="0"/>
+              <a:t> ат.</a:t>
+            </a:r>
+            <a:r>
+              <a:rPr lang="en-US" sz="2000" dirty="0" smtClean="0"/>
+              <a:t> </a:t>
+            </a:r>
+            <a:r>
+              <a:rPr lang="ru-RU" sz="2000" dirty="0" smtClean="0"/>
+              <a:t>%</a:t>
+            </a:r>
+            <a:endParaRPr lang="ru-RU" sz="2000" dirty="0"/>
+          </a:p>
+        </p:txBody>
+      </p:sp>
+      <p:sp>
+        <p:nvSpPr>
+          <p:cNvPr id="8" name="TextBox 7"/>
+          <p:cNvSpPr txBox="1"/>
+          <p:nvPr/>
+        </p:nvSpPr>
+        <p:spPr>
+          <a:xfrm>
+            <a:off x="4421049" y="6457890"/>
+            <a:ext cx="3576748" cy="400110"/>
+          </a:xfrm>
+          <a:prstGeom prst="rect">
+            <a:avLst/>
+          </a:prstGeom>
+          <a:noFill/>
+        </p:spPr>
+        <p:txBody>
+          <a:bodyPr wrap="none" rtlCol="0">
+            <a:spAutoFit/>
+          </a:bodyPr>
+          <a:lstStyle/>
+          <a:p>
+            <a:r>
+              <a:rPr lang="ru-RU" sz="2000" dirty="0" smtClean="0"/>
+              <a:t>Соотношение</a:t>
+            </a:r>
+            <a:r>
+              <a:rPr lang="en-US" sz="2000" dirty="0" smtClean="0"/>
+              <a:t> Al+/Al++</a:t>
+            </a:r>
+            <a:r>
+              <a:rPr lang="ru-RU" sz="2000" dirty="0" smtClean="0"/>
+              <a:t>, отн. ед.</a:t>
+            </a:r>
+            <a:endParaRPr lang="ru-RU" sz="2000" dirty="0"/>
+          </a:p>
+        </p:txBody>
+      </p:sp>
+      <p:sp>
+        <p:nvSpPr>
+          <p:cNvPr id="9" name="Скругленный прямоугольник 8"/>
+          <p:cNvSpPr/>
+          <p:nvPr/>
+        </p:nvSpPr>
+        <p:spPr>
+          <a:xfrm>
+            <a:off x="5278223" y="139581"/>
+            <a:ext cx="3506287" cy="576649"/>
+          </a:xfrm>
+          <a:prstGeom prst="roundRect">
+            <a:avLst/>
+          </a:prstGeom>
+          <a:solidFill>
+            <a:schemeClr val="bg1"/>
+          </a:solidFill>
+          <a:ln>
+            <a:solidFill>
+              <a:schemeClr val="bg1"/>
+            </a:solidFill>
+          </a:ln>
+        </p:spPr>
+        <p:style>
+          <a:lnRef idx="2">
+            <a:schemeClr val="accent1">
+              <a:shade val="50000"/>
+            </a:schemeClr>
+          </a:lnRef>
+          <a:fillRef idx="1">
+            <a:schemeClr val="accent1"/>
+          </a:fillRef>
+          <a:effectRef idx="0">
+            <a:schemeClr val="accent1"/>
+          </a:effectRef>
+          <a:fontRef idx="minor">
+            <a:schemeClr val="lt1"/>
+          </a:fontRef>
+        </p:style>
+        <p:txBody>
+          <a:bodyPr rtlCol="0" anchor="ctr"/>
+          <a:lstStyle/>
+          <a:p>
+            <a:pPr algn="ctr"/>
+            <a:endParaRPr lang="ru-RU"/>
+          </a:p>
+        </p:txBody>
+      </p:sp>
+      <p:cxnSp>
+        <p:nvCxnSpPr>
+          <p:cNvPr id="11" name="Прямая соединительная линия 10"/>
+          <p:cNvCxnSpPr/>
+          <p:nvPr/>
+        </p:nvCxnSpPr>
+        <p:spPr>
+          <a:xfrm flipV="1">
+            <a:off x="2448389" y="2809103"/>
+            <a:ext cx="7413605" cy="8238"/>
+          </a:xfrm>
+          <a:prstGeom prst="line">
+            <a:avLst/>
+          </a:prstGeom>
+          <a:ln w="28575">
+            <a:solidFill>
+              <a:srgbClr val="FF0000"/>
+            </a:solidFill>
+          </a:ln>
+        </p:spPr>
+        <p:style>
+          <a:lnRef idx="1">
+            <a:schemeClr val="accent1"/>
+          </a:lnRef>
+          <a:fillRef idx="0">
+            <a:schemeClr val="accent1"/>
+          </a:fillRef>
+          <a:effectRef idx="0">
+            <a:schemeClr val="accent1"/>
+          </a:effectRef>
+          <a:fontRef idx="minor">
+            <a:schemeClr val="tx1"/>
+          </a:fontRef>
+        </p:style>
+      </p:cxnSp>
+    </p:spTree>
+    <p:extLst>
+      <p:ext uri="{BB962C8B-B14F-4D97-AF65-F5344CB8AC3E}">
+        <p14:creationId xmlns:p14="http://schemas.microsoft.com/office/powerpoint/2010/main" val="633347995"/>
+      </p:ext>
+    </p:extLst>
+  </p:cSld>
+  <p:clrMapOvr>
+    <a:masterClrMapping/>
+  </p:clrMapOvr>
+</p:sld>
+</file>
+
+<file path=ppt/slides/slide6.xml><?xml version="1.0" encoding="utf-8"?>
+<p:sld xmlns:a="http://schemas.openxmlformats.org/drawingml/2006/main" xmlns:r="http://schemas.openxmlformats.org/officeDocument/2006/relationships" xmlns:p="http://schemas.openxmlformats.org/presentationml/2006/main">
+  <p:cSld>
+    <p:spTree>
+      <p:nvGrpSpPr>
+        <p:cNvPr id="1" name=""/>
+        <p:cNvGrpSpPr/>
+        <p:nvPr/>
+      </p:nvGrpSpPr>
+      <p:grpSpPr>
+        <a:xfrm>
+          <a:off x="0" y="0"/>
+          <a:ext cx="0" cy="0"/>
+          <a:chOff x="0" y="0"/>
+          <a:chExt cx="0" cy="0"/>
+        </a:xfrm>
+      </p:grpSpPr>
+      <p:pic>
+        <p:nvPicPr>
+          <p:cNvPr id="2" name="Рисунок 1"/>
+          <p:cNvPicPr>
+            <a:picLocks noChangeAspect="1"/>
+          </p:cNvPicPr>
+          <p:nvPr/>
+        </p:nvPicPr>
+        <p:blipFill>
+          <a:blip r:embed="rId2">
+            <a:extLst>
+              <a:ext uri="{28A0092B-C50C-407E-A947-70E740481C1C}">
+                <a14:useLocalDpi xmlns:a14="http://schemas.microsoft.com/office/drawing/2010/main" val="0"/>
+              </a:ext>
+            </a:extLst>
+          </a:blip>
+          <a:stretch>
+            <a:fillRect/>
+          </a:stretch>
+        </p:blipFill>
+        <p:spPr>
+          <a:xfrm>
+            <a:off x="1271228" y="156073"/>
+            <a:ext cx="7681840" cy="6619090"/>
+          </a:xfrm>
+          <a:prstGeom prst="rect">
+            <a:avLst/>
+          </a:prstGeom>
+        </p:spPr>
+      </p:pic>
+      <p:sp>
+        <p:nvSpPr>
+          <p:cNvPr id="5" name="Скругленный прямоугольник 4"/>
+          <p:cNvSpPr/>
+          <p:nvPr/>
+        </p:nvSpPr>
+        <p:spPr>
+          <a:xfrm>
+            <a:off x="3873672" y="6160985"/>
+            <a:ext cx="3506287" cy="576649"/>
+          </a:xfrm>
+          <a:prstGeom prst="roundRect">
+            <a:avLst/>
+          </a:prstGeom>
+          <a:solidFill>
+            <a:schemeClr val="bg1"/>
+          </a:solidFill>
+          <a:ln>
+            <a:solidFill>
+              <a:schemeClr val="bg1"/>
+            </a:solidFill>
+          </a:ln>
+        </p:spPr>
+        <p:style>
+          <a:lnRef idx="2">
+            <a:schemeClr val="accent1">
+              <a:shade val="50000"/>
+            </a:schemeClr>
+          </a:lnRef>
+          <a:fillRef idx="1">
+            <a:schemeClr val="accent1"/>
+          </a:fillRef>
+          <a:effectRef idx="0">
+            <a:schemeClr val="accent1"/>
+          </a:effectRef>
+          <a:fontRef idx="minor">
+            <a:schemeClr val="lt1"/>
+          </a:fontRef>
+        </p:style>
+        <p:txBody>
+          <a:bodyPr rtlCol="0" anchor="ctr"/>
+          <a:lstStyle/>
+          <a:p>
+            <a:pPr algn="ctr"/>
+            <a:endParaRPr lang="ru-RU"/>
+          </a:p>
+        </p:txBody>
+      </p:sp>
+      <p:sp>
+        <p:nvSpPr>
+          <p:cNvPr id="6" name="Скругленный прямоугольник 5"/>
+          <p:cNvSpPr/>
+          <p:nvPr/>
+        </p:nvSpPr>
+        <p:spPr>
+          <a:xfrm rot="16200000">
+            <a:off x="-438394" y="3047240"/>
+            <a:ext cx="3814662" cy="576649"/>
+          </a:xfrm>
+          <a:prstGeom prst="roundRect">
+            <a:avLst/>
+          </a:prstGeom>
+          <a:solidFill>
+            <a:schemeClr val="bg1"/>
+          </a:solidFill>
+          <a:ln>
+            <a:solidFill>
+              <a:schemeClr val="bg1"/>
+            </a:solidFill>
+          </a:ln>
+        </p:spPr>
+        <p:style>
+          <a:lnRef idx="2">
+            <a:schemeClr val="accent1">
+              <a:shade val="50000"/>
+            </a:schemeClr>
+          </a:lnRef>
+          <a:fillRef idx="1">
+            <a:schemeClr val="accent1"/>
+          </a:fillRef>
+          <a:effectRef idx="0">
+            <a:schemeClr val="accent1"/>
+          </a:effectRef>
+          <a:fontRef idx="minor">
+            <a:schemeClr val="lt1"/>
+          </a:fontRef>
+        </p:style>
+        <p:txBody>
+          <a:bodyPr rtlCol="0" anchor="ctr"/>
+          <a:lstStyle/>
+          <a:p>
+            <a:pPr algn="ctr"/>
+            <a:endParaRPr lang="ru-RU"/>
+          </a:p>
+        </p:txBody>
+      </p:sp>
+      <p:sp>
+        <p:nvSpPr>
+          <p:cNvPr id="7" name="TextBox 6"/>
+          <p:cNvSpPr txBox="1"/>
+          <p:nvPr/>
+        </p:nvSpPr>
+        <p:spPr>
+          <a:xfrm rot="16200000">
+            <a:off x="21064" y="3135509"/>
+            <a:ext cx="2719206" cy="400110"/>
+          </a:xfrm>
+          <a:prstGeom prst="rect">
+            <a:avLst/>
+          </a:prstGeom>
+          <a:noFill/>
+        </p:spPr>
+        <p:txBody>
+          <a:bodyPr wrap="none" rtlCol="0">
+            <a:spAutoFit/>
+          </a:bodyPr>
+          <a:lstStyle/>
+          <a:p>
+            <a:r>
+              <a:rPr lang="ru-RU" sz="2000" dirty="0" smtClean="0"/>
+              <a:t>Концентрация </a:t>
+            </a:r>
+            <a:r>
+              <a:rPr lang="en-US" sz="2000" dirty="0" smtClean="0"/>
+              <a:t>Cu,</a:t>
+            </a:r>
+            <a:r>
+              <a:rPr lang="ru-RU" sz="2000" dirty="0" smtClean="0"/>
+              <a:t> ат.</a:t>
+            </a:r>
+            <a:r>
+              <a:rPr lang="en-US" sz="2000" dirty="0" smtClean="0"/>
+              <a:t> </a:t>
+            </a:r>
+            <a:r>
+              <a:rPr lang="ru-RU" sz="2000" dirty="0" smtClean="0"/>
+              <a:t>%</a:t>
+            </a:r>
+            <a:endParaRPr lang="ru-RU" sz="2000" dirty="0"/>
+          </a:p>
+        </p:txBody>
+      </p:sp>
+      <p:sp>
+        <p:nvSpPr>
+          <p:cNvPr id="8" name="TextBox 7"/>
+          <p:cNvSpPr txBox="1"/>
+          <p:nvPr/>
+        </p:nvSpPr>
+        <p:spPr>
+          <a:xfrm>
+            <a:off x="3638455" y="6193763"/>
+            <a:ext cx="3085525" cy="400110"/>
+          </a:xfrm>
+          <a:prstGeom prst="rect">
+            <a:avLst/>
+          </a:prstGeom>
+          <a:noFill/>
+        </p:spPr>
+        <p:txBody>
+          <a:bodyPr wrap="none" rtlCol="0">
+            <a:spAutoFit/>
+          </a:bodyPr>
+          <a:lstStyle/>
+          <a:p>
+            <a:r>
+              <a:rPr lang="ru-RU" sz="2000" dirty="0" smtClean="0"/>
+              <a:t>Мощность лазера, отн. ед.</a:t>
+            </a:r>
+            <a:endParaRPr lang="ru-RU" sz="2000" dirty="0"/>
+          </a:p>
+        </p:txBody>
+      </p:sp>
+      <p:sp>
+        <p:nvSpPr>
+          <p:cNvPr id="9" name="Скругленный прямоугольник 8"/>
+          <p:cNvSpPr/>
+          <p:nvPr/>
+        </p:nvSpPr>
+        <p:spPr>
+          <a:xfrm>
+            <a:off x="5278223" y="329055"/>
+            <a:ext cx="3506287" cy="576649"/>
+          </a:xfrm>
+          <a:prstGeom prst="roundRect">
+            <a:avLst/>
+          </a:prstGeom>
+          <a:solidFill>
+            <a:schemeClr val="bg1"/>
+          </a:solidFill>
+          <a:ln>
+            <a:solidFill>
+              <a:schemeClr val="bg1"/>
+            </a:solidFill>
+          </a:ln>
+        </p:spPr>
+        <p:style>
+          <a:lnRef idx="2">
+            <a:schemeClr val="accent1">
+              <a:shade val="50000"/>
+            </a:schemeClr>
+          </a:lnRef>
+          <a:fillRef idx="1">
+            <a:schemeClr val="accent1"/>
+          </a:fillRef>
+          <a:effectRef idx="0">
+            <a:schemeClr val="accent1"/>
+          </a:effectRef>
+          <a:fontRef idx="minor">
+            <a:schemeClr val="lt1"/>
+          </a:fontRef>
+        </p:style>
+        <p:txBody>
+          <a:bodyPr rtlCol="0" anchor="ctr"/>
+          <a:lstStyle/>
+          <a:p>
+            <a:pPr algn="ctr"/>
+            <a:endParaRPr lang="ru-RU"/>
+          </a:p>
+        </p:txBody>
+      </p:sp>
+      <p:sp>
+        <p:nvSpPr>
+          <p:cNvPr id="10" name="Скругленный прямоугольник 9"/>
+          <p:cNvSpPr/>
+          <p:nvPr/>
+        </p:nvSpPr>
+        <p:spPr>
+          <a:xfrm>
+            <a:off x="7339142" y="1947331"/>
+            <a:ext cx="3506287" cy="576649"/>
+          </a:xfrm>
+          <a:prstGeom prst="roundRect">
+            <a:avLst/>
+          </a:prstGeom>
+          <a:solidFill>
+            <a:schemeClr val="bg1"/>
+          </a:solidFill>
+          <a:ln>
+            <a:solidFill>
+              <a:schemeClr val="bg1"/>
+            </a:solidFill>
+          </a:ln>
+        </p:spPr>
+        <p:style>
+          <a:lnRef idx="2">
+            <a:schemeClr val="accent1">
+              <a:shade val="50000"/>
+            </a:schemeClr>
+          </a:lnRef>
+          <a:fillRef idx="1">
+            <a:schemeClr val="accent1"/>
+          </a:fillRef>
+          <a:effectRef idx="0">
+            <a:schemeClr val="accent1"/>
+          </a:effectRef>
+          <a:fontRef idx="minor">
+            <a:schemeClr val="lt1"/>
+          </a:fontRef>
+        </p:style>
+        <p:txBody>
+          <a:bodyPr rtlCol="0" anchor="ctr"/>
+          <a:lstStyle/>
+          <a:p>
+            <a:pPr algn="ctr"/>
+            <a:endParaRPr lang="ru-RU"/>
+          </a:p>
+        </p:txBody>
+      </p:sp>
+      <p:pic>
+        <p:nvPicPr>
+          <p:cNvPr id="3" name="Рисунок 2"/>
+          <p:cNvPicPr>
+            <a:picLocks noChangeAspect="1"/>
+          </p:cNvPicPr>
+          <p:nvPr/>
+        </p:nvPicPr>
+        <p:blipFill>
+          <a:blip r:embed="rId3"/>
+          <a:stretch>
+            <a:fillRect/>
+          </a:stretch>
+        </p:blipFill>
+        <p:spPr>
+          <a:xfrm>
+            <a:off x="8185309" y="783190"/>
+            <a:ext cx="158591" cy="155143"/>
+          </a:xfrm>
+          <a:prstGeom prst="rect">
+            <a:avLst/>
+          </a:prstGeom>
+        </p:spPr>
+      </p:pic>
+    </p:spTree>
+    <p:extLst>
+      <p:ext uri="{BB962C8B-B14F-4D97-AF65-F5344CB8AC3E}">
+        <p14:creationId xmlns:p14="http://schemas.microsoft.com/office/powerpoint/2010/main" val="1032608510"/>
+      </p:ext>
+    </p:extLst>
+  </p:cSld>
+  <p:clrMapOvr>
+    <a:masterClrMapping/>
+  </p:clrMapOvr>
+</p:sld>
+</file>
+
+<file path=ppt/slides/slide7.xml><?xml version="1.0" encoding="utf-8"?>
+<p:sld xmlns:a="http://schemas.openxmlformats.org/drawingml/2006/main" xmlns:r="http://schemas.openxmlformats.org/officeDocument/2006/relationships" xmlns:p="http://schemas.openxmlformats.org/presentationml/2006/main">
+  <p:cSld>
+    <p:spTree>
+      <p:nvGrpSpPr>
+        <p:cNvPr id="1" name=""/>
+        <p:cNvGrpSpPr/>
+        <p:nvPr/>
+      </p:nvGrpSpPr>
+      <p:grpSpPr>
+        <a:xfrm>
+          <a:off x="0" y="0"/>
+          <a:ext cx="0" cy="0"/>
+          <a:chOff x="0" y="0"/>
+          <a:chExt cx="0" cy="0"/>
+        </a:xfrm>
+      </p:grpSpPr>
+      <p:pic>
+        <p:nvPicPr>
+          <p:cNvPr id="4" name="Рисунок 3"/>
+          <p:cNvPicPr>
+            <a:picLocks noChangeAspect="1"/>
+          </p:cNvPicPr>
+          <p:nvPr/>
+        </p:nvPicPr>
+        <p:blipFill>
+          <a:blip r:embed="rId2">
+            <a:extLst>
+              <a:ext uri="{28A0092B-C50C-407E-A947-70E740481C1C}">
+                <a14:useLocalDpi xmlns:a14="http://schemas.microsoft.com/office/drawing/2010/main" val="0"/>
+              </a:ext>
+            </a:extLst>
+          </a:blip>
+          <a:stretch>
+            <a:fillRect/>
+          </a:stretch>
+        </p:blipFill>
+        <p:spPr>
+          <a:xfrm>
+            <a:off x="1122556" y="376557"/>
+            <a:ext cx="7726560" cy="6313575"/>
+          </a:xfrm>
+          <a:prstGeom prst="rect">
+            <a:avLst/>
+          </a:prstGeom>
+        </p:spPr>
+      </p:pic>
+      <p:sp>
+        <p:nvSpPr>
+          <p:cNvPr id="5" name="Скругленный прямоугольник 4"/>
+          <p:cNvSpPr/>
+          <p:nvPr/>
+        </p:nvSpPr>
+        <p:spPr>
+          <a:xfrm>
+            <a:off x="3873672" y="6160985"/>
+            <a:ext cx="3506287" cy="576649"/>
+          </a:xfrm>
+          <a:prstGeom prst="roundRect">
+            <a:avLst/>
+          </a:prstGeom>
+          <a:solidFill>
+            <a:schemeClr val="bg1"/>
+          </a:solidFill>
+          <a:ln>
+            <a:solidFill>
+              <a:schemeClr val="bg1"/>
+            </a:solidFill>
+          </a:ln>
+        </p:spPr>
+        <p:style>
+          <a:lnRef idx="2">
+            <a:schemeClr val="accent1">
+              <a:shade val="50000"/>
+            </a:schemeClr>
+          </a:lnRef>
+          <a:fillRef idx="1">
+            <a:schemeClr val="accent1"/>
+          </a:fillRef>
+          <a:effectRef idx="0">
+            <a:schemeClr val="accent1"/>
+          </a:effectRef>
+          <a:fontRef idx="minor">
+            <a:schemeClr val="lt1"/>
+          </a:fontRef>
+        </p:style>
+        <p:txBody>
+          <a:bodyPr rtlCol="0" anchor="ctr"/>
+          <a:lstStyle/>
+          <a:p>
+            <a:pPr algn="ctr"/>
+            <a:endParaRPr lang="ru-RU"/>
+          </a:p>
+        </p:txBody>
+      </p:sp>
+      <p:sp>
+        <p:nvSpPr>
+          <p:cNvPr id="6" name="Скругленный прямоугольник 5"/>
+          <p:cNvSpPr/>
+          <p:nvPr/>
+        </p:nvSpPr>
+        <p:spPr>
+          <a:xfrm rot="16200000">
+            <a:off x="-438394" y="3047240"/>
+            <a:ext cx="3814662" cy="576649"/>
+          </a:xfrm>
+          <a:prstGeom prst="roundRect">
+            <a:avLst/>
+          </a:prstGeom>
+          <a:solidFill>
+            <a:schemeClr val="bg1"/>
+          </a:solidFill>
+          <a:ln>
+            <a:solidFill>
+              <a:schemeClr val="bg1"/>
+            </a:solidFill>
+          </a:ln>
+        </p:spPr>
+        <p:style>
+          <a:lnRef idx="2">
+            <a:schemeClr val="accent1">
+              <a:shade val="50000"/>
+            </a:schemeClr>
+          </a:lnRef>
+          <a:fillRef idx="1">
+            <a:schemeClr val="accent1"/>
+          </a:fillRef>
+          <a:effectRef idx="0">
+            <a:schemeClr val="accent1"/>
+          </a:effectRef>
+          <a:fontRef idx="minor">
+            <a:schemeClr val="lt1"/>
+          </a:fontRef>
+        </p:style>
+        <p:txBody>
+          <a:bodyPr rtlCol="0" anchor="ctr"/>
+          <a:lstStyle/>
+          <a:p>
+            <a:pPr algn="ctr"/>
+            <a:endParaRPr lang="ru-RU"/>
+          </a:p>
+        </p:txBody>
+      </p:sp>
+      <p:sp>
+        <p:nvSpPr>
+          <p:cNvPr id="7" name="TextBox 6"/>
+          <p:cNvSpPr txBox="1"/>
+          <p:nvPr/>
+        </p:nvSpPr>
+        <p:spPr>
+          <a:xfrm rot="16200000">
+            <a:off x="21064" y="3135509"/>
+            <a:ext cx="2719206" cy="400110"/>
+          </a:xfrm>
+          <a:prstGeom prst="rect">
+            <a:avLst/>
+          </a:prstGeom>
+          <a:noFill/>
+        </p:spPr>
+        <p:txBody>
+          <a:bodyPr wrap="none" rtlCol="0">
+            <a:spAutoFit/>
+          </a:bodyPr>
+          <a:lstStyle/>
+          <a:p>
+            <a:r>
+              <a:rPr lang="ru-RU" sz="2000" dirty="0" smtClean="0"/>
+              <a:t>Концентрация </a:t>
+            </a:r>
+            <a:r>
+              <a:rPr lang="en-US" sz="2000" dirty="0" smtClean="0"/>
+              <a:t>Cu,</a:t>
+            </a:r>
+            <a:r>
+              <a:rPr lang="ru-RU" sz="2000" dirty="0" smtClean="0"/>
+              <a:t> ат.</a:t>
+            </a:r>
+            <a:r>
+              <a:rPr lang="en-US" sz="2000" dirty="0" smtClean="0"/>
+              <a:t> </a:t>
+            </a:r>
+            <a:r>
+              <a:rPr lang="ru-RU" sz="2000" dirty="0" smtClean="0"/>
+              <a:t>%</a:t>
+            </a:r>
+            <a:endParaRPr lang="ru-RU" sz="2000" dirty="0"/>
+          </a:p>
+        </p:txBody>
+      </p:sp>
+      <p:sp>
+        <p:nvSpPr>
+          <p:cNvPr id="8" name="TextBox 7"/>
+          <p:cNvSpPr txBox="1"/>
+          <p:nvPr/>
+        </p:nvSpPr>
+        <p:spPr>
+          <a:xfrm>
+            <a:off x="3638455" y="6193763"/>
+            <a:ext cx="3085525" cy="400110"/>
+          </a:xfrm>
+          <a:prstGeom prst="rect">
+            <a:avLst/>
+          </a:prstGeom>
+          <a:noFill/>
+        </p:spPr>
+        <p:txBody>
+          <a:bodyPr wrap="none" rtlCol="0">
+            <a:spAutoFit/>
+          </a:bodyPr>
+          <a:lstStyle/>
+          <a:p>
+            <a:r>
+              <a:rPr lang="ru-RU" sz="2000" dirty="0" smtClean="0"/>
+              <a:t>Мощность лазера, отн. ед.</a:t>
+            </a:r>
+            <a:endParaRPr lang="ru-RU" sz="2000" dirty="0"/>
+          </a:p>
+        </p:txBody>
+      </p:sp>
+      <p:sp>
+        <p:nvSpPr>
+          <p:cNvPr id="9" name="Скругленный прямоугольник 8"/>
+          <p:cNvSpPr/>
+          <p:nvPr/>
+        </p:nvSpPr>
+        <p:spPr>
+          <a:xfrm>
+            <a:off x="5278223" y="329055"/>
+            <a:ext cx="3506287" cy="576649"/>
+          </a:xfrm>
+          <a:prstGeom prst="roundRect">
+            <a:avLst/>
+          </a:prstGeom>
+          <a:solidFill>
+            <a:schemeClr val="bg1"/>
+          </a:solidFill>
+          <a:ln>
+            <a:solidFill>
+              <a:schemeClr val="bg1"/>
+            </a:solidFill>
+          </a:ln>
+        </p:spPr>
+        <p:style>
+          <a:lnRef idx="2">
+            <a:schemeClr val="accent1">
+              <a:shade val="50000"/>
+            </a:schemeClr>
+          </a:lnRef>
+          <a:fillRef idx="1">
+            <a:schemeClr val="accent1"/>
+          </a:fillRef>
+          <a:effectRef idx="0">
+            <a:schemeClr val="accent1"/>
+          </a:effectRef>
+          <a:fontRef idx="minor">
+            <a:schemeClr val="lt1"/>
+          </a:fontRef>
+        </p:style>
+        <p:txBody>
+          <a:bodyPr rtlCol="0" anchor="ctr"/>
+          <a:lstStyle/>
+          <a:p>
+            <a:pPr algn="ctr"/>
+            <a:endParaRPr lang="ru-RU"/>
+          </a:p>
+        </p:txBody>
+      </p:sp>
+      <p:sp>
+        <p:nvSpPr>
+          <p:cNvPr id="10" name="Скругленный прямоугольник 9"/>
+          <p:cNvSpPr/>
+          <p:nvPr/>
+        </p:nvSpPr>
+        <p:spPr>
+          <a:xfrm>
+            <a:off x="6207028" y="665509"/>
+            <a:ext cx="3506287" cy="576649"/>
+          </a:xfrm>
+          <a:prstGeom prst="roundRect">
+            <a:avLst/>
+          </a:prstGeom>
+          <a:solidFill>
+            <a:schemeClr val="bg1"/>
+          </a:solidFill>
+          <a:ln>
+            <a:solidFill>
+              <a:schemeClr val="bg1"/>
+            </a:solidFill>
+          </a:ln>
+        </p:spPr>
+        <p:style>
+          <a:lnRef idx="2">
+            <a:schemeClr val="accent1">
+              <a:shade val="50000"/>
+            </a:schemeClr>
+          </a:lnRef>
+          <a:fillRef idx="1">
+            <a:schemeClr val="accent1"/>
+          </a:fillRef>
+          <a:effectRef idx="0">
+            <a:schemeClr val="accent1"/>
+          </a:effectRef>
+          <a:fontRef idx="minor">
+            <a:schemeClr val="lt1"/>
+          </a:fontRef>
+        </p:style>
+        <p:txBody>
+          <a:bodyPr rtlCol="0" anchor="ctr"/>
+          <a:lstStyle/>
+          <a:p>
+            <a:pPr algn="ctr"/>
+            <a:endParaRPr lang="ru-RU"/>
+          </a:p>
+        </p:txBody>
+      </p:sp>
+      <p:sp>
+        <p:nvSpPr>
+          <p:cNvPr id="11" name="Скругленный прямоугольник 10"/>
+          <p:cNvSpPr/>
+          <p:nvPr/>
+        </p:nvSpPr>
+        <p:spPr>
+          <a:xfrm>
+            <a:off x="8260908" y="1289660"/>
+            <a:ext cx="3506287" cy="576649"/>
+          </a:xfrm>
+          <a:prstGeom prst="roundRect">
+            <a:avLst/>
+          </a:prstGeom>
+          <a:solidFill>
+            <a:schemeClr val="bg1"/>
+          </a:solidFill>
+          <a:ln>
+            <a:solidFill>
+              <a:schemeClr val="bg1"/>
+            </a:solidFill>
+          </a:ln>
+        </p:spPr>
+        <p:style>
+          <a:lnRef idx="2">
+            <a:schemeClr val="accent1">
+              <a:shade val="50000"/>
+            </a:schemeClr>
+          </a:lnRef>
+          <a:fillRef idx="1">
+            <a:schemeClr val="accent1"/>
+          </a:fillRef>
+          <a:effectRef idx="0">
+            <a:schemeClr val="accent1"/>
+          </a:effectRef>
+          <a:fontRef idx="minor">
+            <a:schemeClr val="lt1"/>
+          </a:fontRef>
+        </p:style>
+        <p:txBody>
+          <a:bodyPr rtlCol="0" anchor="ctr"/>
+          <a:lstStyle/>
+          <a:p>
+            <a:pPr algn="ctr"/>
+            <a:endParaRPr lang="ru-RU"/>
+          </a:p>
+        </p:txBody>
+      </p:sp>
+    </p:spTree>
+    <p:extLst>
+      <p:ext uri="{BB962C8B-B14F-4D97-AF65-F5344CB8AC3E}">
+        <p14:creationId xmlns:p14="http://schemas.microsoft.com/office/powerpoint/2010/main" val="2818646116"/>
+      </p:ext>
+    </p:extLst>
+  </p:cSld>
+  <p:clrMapOvr>
+    <a:masterClrMapping/>
+  </p:clrMapOvr>
+</p:sld>
+</file>
+
+<file path=ppt/slides/slide8.xml><?xml version="1.0" encoding="utf-8"?>
+<p:sld xmlns:a="http://schemas.openxmlformats.org/drawingml/2006/main" xmlns:r="http://schemas.openxmlformats.org/officeDocument/2006/relationships" xmlns:p="http://schemas.openxmlformats.org/presentationml/2006/main">
+  <p:cSld>
+    <p:spTree>
+      <p:nvGrpSpPr>
+        <p:cNvPr id="1" name=""/>
+        <p:cNvGrpSpPr/>
+        <p:nvPr/>
+      </p:nvGrpSpPr>
+      <p:grpSpPr>
+        <a:xfrm>
+          <a:off x="0" y="0"/>
+          <a:ext cx="0" cy="0"/>
+          <a:chOff x="0" y="0"/>
+          <a:chExt cx="0" cy="0"/>
+        </a:xfrm>
+      </p:grpSpPr>
+      <p:pic>
+        <p:nvPicPr>
+          <p:cNvPr id="2" name="Рисунок 1"/>
+          <p:cNvPicPr>
+            <a:picLocks noChangeAspect="1"/>
+          </p:cNvPicPr>
+          <p:nvPr/>
+        </p:nvPicPr>
+        <p:blipFill>
+          <a:blip r:embed="rId2">
+            <a:extLst>
+              <a:ext uri="{28A0092B-C50C-407E-A947-70E740481C1C}">
+                <a14:useLocalDpi xmlns:a14="http://schemas.microsoft.com/office/drawing/2010/main" val="0"/>
+              </a:ext>
+            </a:extLst>
+          </a:blip>
+          <a:stretch>
+            <a:fillRect/>
+          </a:stretch>
+        </p:blipFill>
+        <p:spPr>
+          <a:xfrm>
+            <a:off x="1039289" y="400050"/>
+            <a:ext cx="7676447" cy="6233737"/>
+          </a:xfrm>
+          <a:prstGeom prst="rect">
+            <a:avLst/>
+          </a:prstGeom>
+        </p:spPr>
+      </p:pic>
+      <p:sp>
+        <p:nvSpPr>
+          <p:cNvPr id="5" name="Скругленный прямоугольник 4"/>
+          <p:cNvSpPr/>
+          <p:nvPr/>
+        </p:nvSpPr>
+        <p:spPr>
+          <a:xfrm>
+            <a:off x="3873672" y="6160985"/>
+            <a:ext cx="3506287" cy="576649"/>
+          </a:xfrm>
+          <a:prstGeom prst="roundRect">
+            <a:avLst/>
+          </a:prstGeom>
+          <a:solidFill>
+            <a:schemeClr val="bg1"/>
+          </a:solidFill>
+          <a:ln>
+            <a:solidFill>
+              <a:schemeClr val="bg1"/>
+            </a:solidFill>
+          </a:ln>
+        </p:spPr>
+        <p:style>
+          <a:lnRef idx="2">
+            <a:schemeClr val="accent1">
+              <a:shade val="50000"/>
+            </a:schemeClr>
+          </a:lnRef>
+          <a:fillRef idx="1">
+            <a:schemeClr val="accent1"/>
+          </a:fillRef>
+          <a:effectRef idx="0">
+            <a:schemeClr val="accent1"/>
+          </a:effectRef>
+          <a:fontRef idx="minor">
+            <a:schemeClr val="lt1"/>
+          </a:fontRef>
+        </p:style>
+        <p:txBody>
+          <a:bodyPr rtlCol="0" anchor="ctr"/>
+          <a:lstStyle/>
+          <a:p>
+            <a:pPr algn="ctr"/>
+            <a:endParaRPr lang="ru-RU"/>
+          </a:p>
+        </p:txBody>
+      </p:sp>
+      <p:sp>
+        <p:nvSpPr>
+          <p:cNvPr id="6" name="Скругленный прямоугольник 5"/>
+          <p:cNvSpPr/>
+          <p:nvPr/>
+        </p:nvSpPr>
+        <p:spPr>
+          <a:xfrm rot="16200000">
+            <a:off x="-619369" y="3047240"/>
+            <a:ext cx="3814662" cy="576649"/>
+          </a:xfrm>
+          <a:prstGeom prst="roundRect">
+            <a:avLst/>
+          </a:prstGeom>
+          <a:solidFill>
+            <a:schemeClr val="bg1"/>
+          </a:solidFill>
+          <a:ln>
+            <a:solidFill>
+              <a:schemeClr val="bg1"/>
+            </a:solidFill>
+          </a:ln>
+        </p:spPr>
+        <p:style>
+          <a:lnRef idx="2">
+            <a:schemeClr val="accent1">
+              <a:shade val="50000"/>
+            </a:schemeClr>
+          </a:lnRef>
+          <a:fillRef idx="1">
+            <a:schemeClr val="accent1"/>
+          </a:fillRef>
+          <a:effectRef idx="0">
+            <a:schemeClr val="accent1"/>
+          </a:effectRef>
+          <a:fontRef idx="minor">
+            <a:schemeClr val="lt1"/>
+          </a:fontRef>
+        </p:style>
+        <p:txBody>
+          <a:bodyPr rtlCol="0" anchor="ctr"/>
+          <a:lstStyle/>
+          <a:p>
+            <a:pPr algn="ctr"/>
+            <a:endParaRPr lang="ru-RU"/>
+          </a:p>
+        </p:txBody>
+      </p:sp>
+      <p:sp>
+        <p:nvSpPr>
+          <p:cNvPr id="8" name="TextBox 7"/>
+          <p:cNvSpPr txBox="1"/>
+          <p:nvPr/>
+        </p:nvSpPr>
+        <p:spPr>
+          <a:xfrm>
+            <a:off x="3638455" y="6193763"/>
+            <a:ext cx="3085525" cy="400110"/>
+          </a:xfrm>
+          <a:prstGeom prst="rect">
+            <a:avLst/>
+          </a:prstGeom>
+          <a:noFill/>
+        </p:spPr>
+        <p:txBody>
+          <a:bodyPr wrap="none" rtlCol="0">
+            <a:spAutoFit/>
+          </a:bodyPr>
+          <a:lstStyle/>
+          <a:p>
+            <a:r>
+              <a:rPr lang="ru-RU" sz="2000" dirty="0" smtClean="0"/>
+              <a:t>Мощность лазера, отн. ед.</a:t>
+            </a:r>
+            <a:endParaRPr lang="ru-RU" sz="2000" dirty="0"/>
+          </a:p>
+        </p:txBody>
+      </p:sp>
+      <p:sp>
+        <p:nvSpPr>
+          <p:cNvPr id="9" name="Скругленный прямоугольник 8"/>
+          <p:cNvSpPr/>
+          <p:nvPr/>
+        </p:nvSpPr>
+        <p:spPr>
+          <a:xfrm>
+            <a:off x="5278223" y="329055"/>
+            <a:ext cx="3506287" cy="576649"/>
+          </a:xfrm>
+          <a:prstGeom prst="roundRect">
+            <a:avLst/>
+          </a:prstGeom>
+          <a:solidFill>
+            <a:schemeClr val="bg1"/>
+          </a:solidFill>
+          <a:ln>
+            <a:solidFill>
+              <a:schemeClr val="bg1"/>
+            </a:solidFill>
+          </a:ln>
+        </p:spPr>
+        <p:style>
+          <a:lnRef idx="2">
+            <a:schemeClr val="accent1">
+              <a:shade val="50000"/>
+            </a:schemeClr>
+          </a:lnRef>
+          <a:fillRef idx="1">
+            <a:schemeClr val="accent1"/>
+          </a:fillRef>
+          <a:effectRef idx="0">
+            <a:schemeClr val="accent1"/>
+          </a:effectRef>
+          <a:fontRef idx="minor">
+            <a:schemeClr val="lt1"/>
+          </a:fontRef>
+        </p:style>
+        <p:txBody>
+          <a:bodyPr rtlCol="0" anchor="ctr"/>
+          <a:lstStyle/>
+          <a:p>
+            <a:pPr algn="ctr"/>
+            <a:endParaRPr lang="ru-RU"/>
+          </a:p>
+        </p:txBody>
+      </p:sp>
+      <p:sp>
+        <p:nvSpPr>
+          <p:cNvPr id="10" name="Скругленный прямоугольник 9"/>
+          <p:cNvSpPr/>
+          <p:nvPr/>
+        </p:nvSpPr>
+        <p:spPr>
+          <a:xfrm>
+            <a:off x="6207028" y="665509"/>
+            <a:ext cx="3506287" cy="576649"/>
+          </a:xfrm>
+          <a:prstGeom prst="roundRect">
+            <a:avLst/>
+          </a:prstGeom>
+          <a:solidFill>
+            <a:schemeClr val="bg1"/>
+          </a:solidFill>
+          <a:ln>
+            <a:solidFill>
+              <a:schemeClr val="bg1"/>
+            </a:solidFill>
+          </a:ln>
+        </p:spPr>
+        <p:style>
+          <a:lnRef idx="2">
+            <a:schemeClr val="accent1">
+              <a:shade val="50000"/>
+            </a:schemeClr>
+          </a:lnRef>
+          <a:fillRef idx="1">
+            <a:schemeClr val="accent1"/>
+          </a:fillRef>
+          <a:effectRef idx="0">
+            <a:schemeClr val="accent1"/>
+          </a:effectRef>
+          <a:fontRef idx="minor">
+            <a:schemeClr val="lt1"/>
+          </a:fontRef>
+        </p:style>
+        <p:txBody>
+          <a:bodyPr rtlCol="0" anchor="ctr"/>
+          <a:lstStyle/>
+          <a:p>
+            <a:pPr algn="ctr"/>
+            <a:endParaRPr lang="ru-RU"/>
+          </a:p>
+        </p:txBody>
+      </p:sp>
+      <p:sp>
+        <p:nvSpPr>
+          <p:cNvPr id="11" name="Скругленный прямоугольник 10"/>
+          <p:cNvSpPr/>
+          <p:nvPr/>
+        </p:nvSpPr>
+        <p:spPr>
+          <a:xfrm>
+            <a:off x="8260908" y="1289660"/>
+            <a:ext cx="3506287" cy="576649"/>
+          </a:xfrm>
+          <a:prstGeom prst="roundRect">
+            <a:avLst/>
+          </a:prstGeom>
+          <a:solidFill>
+            <a:schemeClr val="bg1"/>
+          </a:solidFill>
+          <a:ln>
+            <a:solidFill>
+              <a:schemeClr val="bg1"/>
+            </a:solidFill>
+          </a:ln>
+        </p:spPr>
+        <p:style>
+          <a:lnRef idx="2">
+            <a:schemeClr val="accent1">
+              <a:shade val="50000"/>
+            </a:schemeClr>
+          </a:lnRef>
+          <a:fillRef idx="1">
+            <a:schemeClr val="accent1"/>
+          </a:fillRef>
+          <a:effectRef idx="0">
+            <a:schemeClr val="accent1"/>
+          </a:effectRef>
+          <a:fontRef idx="minor">
+            <a:schemeClr val="lt1"/>
+          </a:fontRef>
+        </p:style>
+        <p:txBody>
+          <a:bodyPr rtlCol="0" anchor="ctr"/>
+          <a:lstStyle/>
+          <a:p>
+            <a:pPr algn="ctr"/>
+            <a:endParaRPr lang="ru-RU"/>
+          </a:p>
+        </p:txBody>
+      </p:sp>
+      <p:sp>
+        <p:nvSpPr>
+          <p:cNvPr id="12" name="TextBox 11"/>
+          <p:cNvSpPr txBox="1"/>
+          <p:nvPr/>
+        </p:nvSpPr>
+        <p:spPr>
+          <a:xfrm rot="16200000">
+            <a:off x="560859" y="3135509"/>
+            <a:ext cx="1639616" cy="400110"/>
+          </a:xfrm>
+          <a:prstGeom prst="rect">
+            <a:avLst/>
+          </a:prstGeom>
+          <a:noFill/>
+        </p:spPr>
+        <p:txBody>
+          <a:bodyPr wrap="none" rtlCol="0">
+            <a:spAutoFit/>
+          </a:bodyPr>
+          <a:lstStyle/>
+          <a:p>
+            <a:r>
+              <a:rPr lang="ru-RU" sz="2000" dirty="0" smtClean="0"/>
+              <a:t>Шум</a:t>
+            </a:r>
+            <a:r>
+              <a:rPr lang="en-US" sz="2000" dirty="0" smtClean="0"/>
+              <a:t>,</a:t>
+            </a:r>
+            <a:r>
+              <a:rPr lang="ru-RU" sz="2000" dirty="0" smtClean="0"/>
+              <a:t> отн. ед.</a:t>
+            </a:r>
+            <a:endParaRPr lang="ru-RU" sz="2000" dirty="0"/>
+          </a:p>
+        </p:txBody>
+      </p:sp>
+      <p:sp>
+        <p:nvSpPr>
+          <p:cNvPr id="14" name="Скругленный прямоугольник 13"/>
+          <p:cNvSpPr/>
+          <p:nvPr/>
+        </p:nvSpPr>
+        <p:spPr>
+          <a:xfrm>
+            <a:off x="3553908" y="1339390"/>
+            <a:ext cx="2932618" cy="975185"/>
+          </a:xfrm>
+          <a:prstGeom prst="roundRect">
+            <a:avLst/>
+          </a:prstGeom>
+          <a:solidFill>
+            <a:schemeClr val="bg1"/>
+          </a:solidFill>
+          <a:ln>
+            <a:solidFill>
+              <a:schemeClr val="bg1"/>
+            </a:solidFill>
+          </a:ln>
+        </p:spPr>
+        <p:style>
+          <a:lnRef idx="2">
+            <a:schemeClr val="accent1">
+              <a:shade val="50000"/>
+            </a:schemeClr>
+          </a:lnRef>
+          <a:fillRef idx="1">
+            <a:schemeClr val="accent1"/>
+          </a:fillRef>
+          <a:effectRef idx="0">
+            <a:schemeClr val="accent1"/>
+          </a:effectRef>
+          <a:fontRef idx="minor">
+            <a:schemeClr val="lt1"/>
+          </a:fontRef>
+        </p:style>
+        <p:txBody>
+          <a:bodyPr rtlCol="0" anchor="ctr"/>
+          <a:lstStyle/>
+          <a:p>
+            <a:pPr algn="ctr"/>
+            <a:endParaRPr lang="ru-RU"/>
+          </a:p>
+        </p:txBody>
+      </p:sp>
+      <p:pic>
+        <p:nvPicPr>
+          <p:cNvPr id="3" name="Рисунок 2"/>
+          <p:cNvPicPr>
+            <a:picLocks noChangeAspect="1"/>
+          </p:cNvPicPr>
+          <p:nvPr/>
+        </p:nvPicPr>
+        <p:blipFill>
+          <a:blip r:embed="rId3"/>
+          <a:stretch>
+            <a:fillRect/>
+          </a:stretch>
+        </p:blipFill>
+        <p:spPr>
+          <a:xfrm>
+            <a:off x="2563307" y="550056"/>
+            <a:ext cx="990600" cy="1047750"/>
+          </a:xfrm>
+          <a:prstGeom prst="rect">
+            <a:avLst/>
+          </a:prstGeom>
+        </p:spPr>
+      </p:pic>
+      <p:sp>
+        <p:nvSpPr>
+          <p:cNvPr id="13" name="TextBox 12"/>
+          <p:cNvSpPr txBox="1"/>
+          <p:nvPr/>
+        </p:nvSpPr>
+        <p:spPr>
+          <a:xfrm>
+            <a:off x="3295659" y="693059"/>
+            <a:ext cx="3574604" cy="646331"/>
+          </a:xfrm>
+          <a:prstGeom prst="rect">
+            <a:avLst/>
+          </a:prstGeom>
+          <a:solidFill>
+            <a:schemeClr val="bg1"/>
+          </a:solidFill>
+        </p:spPr>
+        <p:txBody>
+          <a:bodyPr wrap="square" rtlCol="0">
+            <a:spAutoFit/>
+          </a:bodyPr>
+          <a:lstStyle/>
+          <a:p>
+            <a:r>
+              <a:rPr lang="ru-RU" dirty="0" smtClean="0"/>
+              <a:t>- Шум на промежутке 10-11 а.е.м.</a:t>
+            </a:r>
+            <a:r>
+              <a:rPr lang="ru-RU" dirty="0"/>
+              <a:t> - Шум </a:t>
+            </a:r>
+            <a:r>
+              <a:rPr lang="ru-RU" dirty="0" smtClean="0"/>
+              <a:t>на </a:t>
+            </a:r>
+            <a:r>
+              <a:rPr lang="ru-RU" dirty="0"/>
+              <a:t>промежутке </a:t>
+            </a:r>
+            <a:r>
+              <a:rPr lang="ru-RU" dirty="0" smtClean="0"/>
+              <a:t>40-41 а.е.м.</a:t>
+            </a:r>
+            <a:endParaRPr lang="ru-RU" dirty="0"/>
+          </a:p>
+        </p:txBody>
+      </p:sp>
+      <p:sp>
+        <p:nvSpPr>
+          <p:cNvPr id="15" name="Скругленный прямоугольник 14"/>
+          <p:cNvSpPr/>
+          <p:nvPr/>
+        </p:nvSpPr>
+        <p:spPr>
+          <a:xfrm>
+            <a:off x="2570201" y="1308173"/>
+            <a:ext cx="1313367" cy="560848"/>
+          </a:xfrm>
+          <a:prstGeom prst="roundRect">
+            <a:avLst/>
+          </a:prstGeom>
+          <a:solidFill>
+            <a:schemeClr val="bg1"/>
+          </a:solidFill>
+          <a:ln>
+            <a:solidFill>
+              <a:schemeClr val="bg1"/>
+            </a:solidFill>
+          </a:ln>
+        </p:spPr>
+        <p:style>
+          <a:lnRef idx="2">
+            <a:schemeClr val="accent1">
+              <a:shade val="50000"/>
+            </a:schemeClr>
+          </a:lnRef>
+          <a:fillRef idx="1">
+            <a:schemeClr val="accent1"/>
+          </a:fillRef>
+          <a:effectRef idx="0">
+            <a:schemeClr val="accent1"/>
+          </a:effectRef>
+          <a:fontRef idx="minor">
+            <a:schemeClr val="lt1"/>
+          </a:fontRef>
+        </p:style>
+        <p:txBody>
+          <a:bodyPr rtlCol="0" anchor="ctr"/>
+          <a:lstStyle/>
+          <a:p>
+            <a:pPr algn="ctr"/>
+            <a:endParaRPr lang="ru-RU"/>
+          </a:p>
+        </p:txBody>
+      </p:sp>
+      <p:sp>
+        <p:nvSpPr>
+          <p:cNvPr id="16" name="Скругленный прямоугольник 15"/>
+          <p:cNvSpPr/>
+          <p:nvPr/>
+        </p:nvSpPr>
+        <p:spPr>
+          <a:xfrm>
+            <a:off x="2794391" y="550056"/>
+            <a:ext cx="216912" cy="1351423"/>
+          </a:xfrm>
+          <a:prstGeom prst="roundRect">
+            <a:avLst/>
+          </a:prstGeom>
+          <a:solidFill>
+            <a:schemeClr val="bg1"/>
+          </a:solidFill>
+          <a:ln>
+            <a:solidFill>
+              <a:schemeClr val="bg1"/>
+            </a:solidFill>
+          </a:ln>
+        </p:spPr>
+        <p:style>
+          <a:lnRef idx="2">
+            <a:schemeClr val="accent1">
+              <a:shade val="50000"/>
+            </a:schemeClr>
+          </a:lnRef>
+          <a:fillRef idx="1">
+            <a:schemeClr val="accent1"/>
+          </a:fillRef>
+          <a:effectRef idx="0">
+            <a:schemeClr val="accent1"/>
+          </a:effectRef>
+          <a:fontRef idx="minor">
+            <a:schemeClr val="lt1"/>
+          </a:fontRef>
+        </p:style>
+        <p:txBody>
+          <a:bodyPr rtlCol="0" anchor="ctr"/>
+          <a:lstStyle/>
+          <a:p>
+            <a:pPr algn="ctr"/>
+            <a:endParaRPr lang="ru-RU"/>
+          </a:p>
+        </p:txBody>
+      </p:sp>
+      <p:sp>
+        <p:nvSpPr>
+          <p:cNvPr id="17" name="Скругленный прямоугольник 16"/>
+          <p:cNvSpPr/>
+          <p:nvPr/>
+        </p:nvSpPr>
+        <p:spPr>
+          <a:xfrm>
+            <a:off x="2704942" y="154219"/>
+            <a:ext cx="1313367" cy="560848"/>
+          </a:xfrm>
+          <a:prstGeom prst="roundRect">
+            <a:avLst/>
+          </a:prstGeom>
+          <a:solidFill>
+            <a:schemeClr val="bg1"/>
+          </a:solidFill>
+          <a:ln>
+            <a:solidFill>
+              <a:schemeClr val="bg1"/>
+            </a:solidFill>
+          </a:ln>
+        </p:spPr>
+        <p:style>
+          <a:lnRef idx="2">
+            <a:schemeClr val="accent1">
+              <a:shade val="50000"/>
+            </a:schemeClr>
+          </a:lnRef>
+          <a:fillRef idx="1">
+            <a:schemeClr val="accent1"/>
+          </a:fillRef>
+          <a:effectRef idx="0">
+            <a:schemeClr val="accent1"/>
+          </a:effectRef>
+          <a:fontRef idx="minor">
+            <a:schemeClr val="lt1"/>
+          </a:fontRef>
+        </p:style>
+        <p:txBody>
+          <a:bodyPr rtlCol="0" anchor="ctr"/>
+          <a:lstStyle/>
+          <a:p>
+            <a:pPr algn="ctr"/>
+            <a:endParaRPr lang="ru-RU"/>
+          </a:p>
+        </p:txBody>
+      </p:sp>
+    </p:spTree>
+    <p:extLst>
+      <p:ext uri="{BB962C8B-B14F-4D97-AF65-F5344CB8AC3E}">
+        <p14:creationId xmlns:p14="http://schemas.microsoft.com/office/powerpoint/2010/main" val="209031048"/>
+      </p:ext>
+    </p:extLst>
+  </p:cSld>
+  <p:clrMapOvr>
+    <a:masterClrMapping/>
+  </p:clrMapOvr>
+</p:sld>
+</file>
+
+<file path=ppt/slides/slide9.xml><?xml version="1.0" encoding="utf-8"?>
+<p:sld xmlns:a="http://schemas.openxmlformats.org/drawingml/2006/main" xmlns:r="http://schemas.openxmlformats.org/officeDocument/2006/relationships" xmlns:p="http://schemas.openxmlformats.org/presentationml/2006/main">
+  <p:cSld>
+    <p:spTree>
+      <p:nvGrpSpPr>
+        <p:cNvPr id="1" name=""/>
+        <p:cNvGrpSpPr/>
+        <p:nvPr/>
+      </p:nvGrpSpPr>
+      <p:grpSpPr>
+        <a:xfrm>
+          <a:off x="0" y="0"/>
+          <a:ext cx="0" cy="0"/>
+          <a:chOff x="0" y="0"/>
+          <a:chExt cx="0" cy="0"/>
+        </a:xfrm>
+      </p:grpSpPr>
+      <p:pic>
+        <p:nvPicPr>
+          <p:cNvPr id="2" name="Рисунок 1"/>
+          <p:cNvPicPr>
+            <a:picLocks noChangeAspect="1"/>
+          </p:cNvPicPr>
+          <p:nvPr/>
+        </p:nvPicPr>
+        <p:blipFill>
+          <a:blip r:embed="rId2">
+            <a:extLst>
+              <a:ext uri="{28A0092B-C50C-407E-A947-70E740481C1C}">
+                <a14:useLocalDpi xmlns:a14="http://schemas.microsoft.com/office/drawing/2010/main" val="0"/>
+              </a:ext>
+            </a:extLst>
+          </a:blip>
+          <a:stretch>
+            <a:fillRect/>
+          </a:stretch>
+        </p:blipFill>
+        <p:spPr>
+          <a:xfrm>
+            <a:off x="788862" y="206642"/>
+            <a:ext cx="8126538" cy="6530992"/>
+          </a:xfrm>
+          <a:prstGeom prst="rect">
+            <a:avLst/>
+          </a:prstGeom>
+        </p:spPr>
+      </p:pic>
+      <p:sp>
+        <p:nvSpPr>
+          <p:cNvPr id="5" name="Скругленный прямоугольник 4"/>
+          <p:cNvSpPr/>
+          <p:nvPr/>
+        </p:nvSpPr>
+        <p:spPr>
+          <a:xfrm>
+            <a:off x="3873672" y="6160985"/>
+            <a:ext cx="3506287" cy="576649"/>
+          </a:xfrm>
+          <a:prstGeom prst="roundRect">
+            <a:avLst/>
+          </a:prstGeom>
+          <a:solidFill>
+            <a:schemeClr val="bg1"/>
+          </a:solidFill>
+          <a:ln>
+            <a:solidFill>
+              <a:schemeClr val="bg1"/>
+            </a:solidFill>
+          </a:ln>
+        </p:spPr>
+        <p:style>
+          <a:lnRef idx="2">
+            <a:schemeClr val="accent1">
+              <a:shade val="50000"/>
+            </a:schemeClr>
+          </a:lnRef>
+          <a:fillRef idx="1">
+            <a:schemeClr val="accent1"/>
+          </a:fillRef>
+          <a:effectRef idx="0">
+            <a:schemeClr val="accent1"/>
+          </a:effectRef>
+          <a:fontRef idx="minor">
+            <a:schemeClr val="lt1"/>
+          </a:fontRef>
+        </p:style>
+        <p:txBody>
+          <a:bodyPr rtlCol="0" anchor="ctr"/>
+          <a:lstStyle/>
+          <a:p>
+            <a:pPr algn="ctr"/>
+            <a:endParaRPr lang="ru-RU"/>
+          </a:p>
+        </p:txBody>
+      </p:sp>
+      <p:sp>
+        <p:nvSpPr>
+          <p:cNvPr id="6" name="Скругленный прямоугольник 5"/>
+          <p:cNvSpPr/>
+          <p:nvPr/>
+        </p:nvSpPr>
+        <p:spPr>
+          <a:xfrm rot="16200000">
+            <a:off x="-647944" y="3047240"/>
+            <a:ext cx="3814662" cy="576649"/>
+          </a:xfrm>
+          <a:prstGeom prst="roundRect">
+            <a:avLst/>
+          </a:prstGeom>
+          <a:solidFill>
+            <a:schemeClr val="bg1"/>
+          </a:solidFill>
+          <a:ln>
+            <a:solidFill>
+              <a:schemeClr val="bg1"/>
+            </a:solidFill>
+          </a:ln>
+        </p:spPr>
+        <p:style>
+          <a:lnRef idx="2">
+            <a:schemeClr val="accent1">
+              <a:shade val="50000"/>
+            </a:schemeClr>
+          </a:lnRef>
+          <a:fillRef idx="1">
+            <a:schemeClr val="accent1"/>
+          </a:fillRef>
+          <a:effectRef idx="0">
+            <a:schemeClr val="accent1"/>
+          </a:effectRef>
+          <a:fontRef idx="minor">
+            <a:schemeClr val="lt1"/>
+          </a:fontRef>
+        </p:style>
+        <p:txBody>
+          <a:bodyPr rtlCol="0" anchor="ctr"/>
+          <a:lstStyle/>
+          <a:p>
+            <a:pPr algn="ctr"/>
+            <a:endParaRPr lang="ru-RU"/>
+          </a:p>
+        </p:txBody>
+      </p:sp>
+      <p:sp>
+        <p:nvSpPr>
+          <p:cNvPr id="7" name="TextBox 6"/>
+          <p:cNvSpPr txBox="1"/>
+          <p:nvPr/>
+        </p:nvSpPr>
+        <p:spPr>
+          <a:xfrm rot="16200000">
+            <a:off x="560859" y="3135509"/>
+            <a:ext cx="1639616" cy="400110"/>
+          </a:xfrm>
+          <a:prstGeom prst="rect">
+            <a:avLst/>
+          </a:prstGeom>
+          <a:noFill/>
+        </p:spPr>
+        <p:txBody>
+          <a:bodyPr wrap="none" rtlCol="0">
+            <a:spAutoFit/>
+          </a:bodyPr>
+          <a:lstStyle/>
+          <a:p>
+            <a:r>
+              <a:rPr lang="ru-RU" sz="2000" dirty="0" smtClean="0"/>
+              <a:t>Шум</a:t>
+            </a:r>
+            <a:r>
+              <a:rPr lang="en-US" sz="2000" dirty="0" smtClean="0"/>
+              <a:t>,</a:t>
+            </a:r>
+            <a:r>
+              <a:rPr lang="ru-RU" sz="2000" dirty="0" smtClean="0"/>
+              <a:t> отн. ед.</a:t>
+            </a:r>
+            <a:endParaRPr lang="ru-RU" sz="2000" dirty="0"/>
+          </a:p>
+        </p:txBody>
+      </p:sp>
+      <p:sp>
+        <p:nvSpPr>
+          <p:cNvPr id="8" name="TextBox 7"/>
+          <p:cNvSpPr txBox="1"/>
+          <p:nvPr/>
+        </p:nvSpPr>
+        <p:spPr>
+          <a:xfrm>
+            <a:off x="3638455" y="6193763"/>
+            <a:ext cx="3085525" cy="400110"/>
+          </a:xfrm>
+          <a:prstGeom prst="rect">
+            <a:avLst/>
+          </a:prstGeom>
+          <a:noFill/>
+        </p:spPr>
+        <p:txBody>
+          <a:bodyPr wrap="none" rtlCol="0">
+            <a:spAutoFit/>
+          </a:bodyPr>
+          <a:lstStyle/>
+          <a:p>
+            <a:r>
+              <a:rPr lang="ru-RU" sz="2000" dirty="0" smtClean="0"/>
+              <a:t>Мощность лазера, отн. ед.</a:t>
+            </a:r>
+            <a:endParaRPr lang="ru-RU" sz="2000" dirty="0"/>
+          </a:p>
+        </p:txBody>
+      </p:sp>
+      <p:sp>
+        <p:nvSpPr>
+          <p:cNvPr id="9" name="Скругленный прямоугольник 8"/>
+          <p:cNvSpPr/>
+          <p:nvPr/>
+        </p:nvSpPr>
+        <p:spPr>
+          <a:xfrm>
+            <a:off x="5278223" y="329055"/>
+            <a:ext cx="3506287" cy="576649"/>
+          </a:xfrm>
+          <a:prstGeom prst="roundRect">
+            <a:avLst/>
+          </a:prstGeom>
+          <a:solidFill>
+            <a:schemeClr val="bg1"/>
+          </a:solidFill>
+          <a:ln>
+            <a:solidFill>
+              <a:schemeClr val="bg1"/>
+            </a:solidFill>
+          </a:ln>
+        </p:spPr>
+        <p:style>
+          <a:lnRef idx="2">
+            <a:schemeClr val="accent1">
+              <a:shade val="50000"/>
+            </a:schemeClr>
+          </a:lnRef>
+          <a:fillRef idx="1">
+            <a:schemeClr val="accent1"/>
+          </a:fillRef>
+          <a:effectRef idx="0">
+            <a:schemeClr val="accent1"/>
+          </a:effectRef>
+          <a:fontRef idx="minor">
+            <a:schemeClr val="lt1"/>
+          </a:fontRef>
+        </p:style>
+        <p:txBody>
+          <a:bodyPr rtlCol="0" anchor="ctr"/>
+          <a:lstStyle/>
+          <a:p>
+            <a:pPr algn="ctr"/>
+            <a:endParaRPr lang="ru-RU"/>
+          </a:p>
+        </p:txBody>
+      </p:sp>
+      <p:sp>
+        <p:nvSpPr>
+          <p:cNvPr id="10" name="Скругленный прямоугольник 9"/>
+          <p:cNvSpPr/>
+          <p:nvPr/>
+        </p:nvSpPr>
+        <p:spPr>
+          <a:xfrm>
+            <a:off x="6207028" y="665509"/>
+            <a:ext cx="3506287" cy="576649"/>
+          </a:xfrm>
+          <a:prstGeom prst="roundRect">
+            <a:avLst/>
+          </a:prstGeom>
+          <a:solidFill>
+            <a:schemeClr val="bg1"/>
+          </a:solidFill>
+          <a:ln>
+            <a:solidFill>
+              <a:schemeClr val="bg1"/>
+            </a:solidFill>
+          </a:ln>
+        </p:spPr>
+        <p:style>
+          <a:lnRef idx="2">
+            <a:schemeClr val="accent1">
+              <a:shade val="50000"/>
+            </a:schemeClr>
+          </a:lnRef>
+          <a:fillRef idx="1">
+            <a:schemeClr val="accent1"/>
+          </a:fillRef>
+          <a:effectRef idx="0">
+            <a:schemeClr val="accent1"/>
+          </a:effectRef>
+          <a:fontRef idx="minor">
+            <a:schemeClr val="lt1"/>
+          </a:fontRef>
+        </p:style>
+        <p:txBody>
+          <a:bodyPr rtlCol="0" anchor="ctr"/>
+          <a:lstStyle/>
+          <a:p>
+            <a:pPr algn="ctr"/>
+            <a:endParaRPr lang="ru-RU"/>
+          </a:p>
+        </p:txBody>
+      </p:sp>
+      <p:sp>
+        <p:nvSpPr>
+          <p:cNvPr id="11" name="Скругленный прямоугольник 10"/>
+          <p:cNvSpPr/>
+          <p:nvPr/>
+        </p:nvSpPr>
+        <p:spPr>
+          <a:xfrm>
+            <a:off x="8260908" y="1289660"/>
+            <a:ext cx="3506287" cy="576649"/>
+          </a:xfrm>
+          <a:prstGeom prst="roundRect">
+            <a:avLst/>
+          </a:prstGeom>
+          <a:solidFill>
+            <a:schemeClr val="bg1"/>
+          </a:solidFill>
+          <a:ln>
+            <a:solidFill>
+              <a:schemeClr val="bg1"/>
+            </a:solidFill>
+          </a:ln>
+        </p:spPr>
+        <p:style>
+          <a:lnRef idx="2">
+            <a:schemeClr val="accent1">
+              <a:shade val="50000"/>
+            </a:schemeClr>
+          </a:lnRef>
+          <a:fillRef idx="1">
+            <a:schemeClr val="accent1"/>
+          </a:fillRef>
+          <a:effectRef idx="0">
+            <a:schemeClr val="accent1"/>
+          </a:effectRef>
+          <a:fontRef idx="minor">
+            <a:schemeClr val="lt1"/>
+          </a:fontRef>
+        </p:style>
+        <p:txBody>
+          <a:bodyPr rtlCol="0" anchor="ctr"/>
+          <a:lstStyle/>
+          <a:p>
+            <a:pPr algn="ctr"/>
+            <a:endParaRPr lang="ru-RU"/>
+          </a:p>
+        </p:txBody>
+      </p:sp>
+      <p:sp>
+        <p:nvSpPr>
+          <p:cNvPr id="3" name="TextBox 2"/>
+          <p:cNvSpPr txBox="1"/>
+          <p:nvPr/>
+        </p:nvSpPr>
+        <p:spPr>
+          <a:xfrm>
+            <a:off x="5064769" y="1479643"/>
+            <a:ext cx="3574604" cy="646331"/>
+          </a:xfrm>
+          <a:prstGeom prst="rect">
+            <a:avLst/>
+          </a:prstGeom>
+          <a:solidFill>
+            <a:schemeClr val="bg1"/>
+          </a:solidFill>
+        </p:spPr>
+        <p:txBody>
+          <a:bodyPr wrap="square" rtlCol="0">
+            <a:spAutoFit/>
+          </a:bodyPr>
+          <a:lstStyle/>
+          <a:p>
+            <a:r>
+              <a:rPr lang="ru-RU" dirty="0" smtClean="0"/>
+              <a:t>- Шум на промежутке 10-11 а.е.м.</a:t>
+            </a:r>
+            <a:r>
+              <a:rPr lang="ru-RU" dirty="0"/>
+              <a:t> - Шум </a:t>
+            </a:r>
+            <a:r>
+              <a:rPr lang="ru-RU" dirty="0" smtClean="0"/>
+              <a:t>на </a:t>
+            </a:r>
+            <a:r>
+              <a:rPr lang="ru-RU" dirty="0"/>
+              <a:t>промежутке </a:t>
+            </a:r>
+            <a:r>
+              <a:rPr lang="ru-RU" dirty="0" smtClean="0"/>
+              <a:t>40-41 а.е.м.</a:t>
+            </a:r>
+            <a:endParaRPr lang="ru-RU" dirty="0"/>
+          </a:p>
+        </p:txBody>
+      </p:sp>
+      <p:sp>
+        <p:nvSpPr>
+          <p:cNvPr id="12" name="Скругленный прямоугольник 11"/>
+          <p:cNvSpPr/>
+          <p:nvPr/>
+        </p:nvSpPr>
+        <p:spPr>
+          <a:xfrm>
+            <a:off x="4207305" y="2123264"/>
+            <a:ext cx="3506287" cy="576649"/>
+          </a:xfrm>
+          <a:prstGeom prst="roundRect">
+            <a:avLst/>
+          </a:prstGeom>
+          <a:solidFill>
+            <a:schemeClr val="bg1"/>
+          </a:solidFill>
+          <a:ln>
+            <a:solidFill>
+              <a:schemeClr val="bg1"/>
+            </a:solidFill>
+          </a:ln>
+        </p:spPr>
+        <p:style>
+          <a:lnRef idx="2">
+            <a:schemeClr val="accent1">
+              <a:shade val="50000"/>
+            </a:schemeClr>
+          </a:lnRef>
+          <a:fillRef idx="1">
+            <a:schemeClr val="accent1"/>
+          </a:fillRef>
+          <a:effectRef idx="0">
+            <a:schemeClr val="accent1"/>
+          </a:effectRef>
+          <a:fontRef idx="minor">
+            <a:schemeClr val="lt1"/>
+          </a:fontRef>
+        </p:style>
+        <p:txBody>
+          <a:bodyPr rtlCol="0" anchor="ctr"/>
+          <a:lstStyle/>
+          <a:p>
+            <a:pPr algn="ctr"/>
+            <a:endParaRPr lang="ru-RU"/>
+          </a:p>
+        </p:txBody>
+      </p:sp>
+      <p:sp>
+        <p:nvSpPr>
+          <p:cNvPr id="13" name="Скругленный прямоугольник 12"/>
+          <p:cNvSpPr/>
+          <p:nvPr/>
+        </p:nvSpPr>
+        <p:spPr>
+          <a:xfrm>
+            <a:off x="4081614" y="902994"/>
+            <a:ext cx="3506287" cy="576649"/>
+          </a:xfrm>
+          <a:prstGeom prst="roundRect">
+            <a:avLst/>
+          </a:prstGeom>
+          <a:solidFill>
+            <a:schemeClr val="bg1"/>
+          </a:solidFill>
+          <a:ln>
+            <a:solidFill>
+              <a:schemeClr val="bg1"/>
+            </a:solidFill>
+          </a:ln>
+        </p:spPr>
+        <p:style>
+          <a:lnRef idx="2">
+            <a:schemeClr val="accent1">
+              <a:shade val="50000"/>
+            </a:schemeClr>
+          </a:lnRef>
+          <a:fillRef idx="1">
+            <a:schemeClr val="accent1"/>
+          </a:fillRef>
+          <a:effectRef idx="0">
+            <a:schemeClr val="accent1"/>
+          </a:effectRef>
+          <a:fontRef idx="minor">
+            <a:schemeClr val="lt1"/>
+          </a:fontRef>
+        </p:style>
+        <p:txBody>
+          <a:bodyPr rtlCol="0" anchor="ctr"/>
+          <a:lstStyle/>
+          <a:p>
+            <a:pPr algn="ctr"/>
+            <a:endParaRPr lang="ru-RU"/>
+          </a:p>
+        </p:txBody>
+      </p:sp>
+      <p:sp>
+        <p:nvSpPr>
+          <p:cNvPr id="14" name="Скругленный прямоугольник 13"/>
+          <p:cNvSpPr/>
+          <p:nvPr/>
+        </p:nvSpPr>
+        <p:spPr>
+          <a:xfrm>
+            <a:off x="4149386" y="1402854"/>
+            <a:ext cx="578879" cy="773141"/>
+          </a:xfrm>
+          <a:prstGeom prst="roundRect">
+            <a:avLst/>
+          </a:prstGeom>
+          <a:solidFill>
+            <a:schemeClr val="bg1"/>
+          </a:solidFill>
+          <a:ln>
+            <a:solidFill>
+              <a:schemeClr val="bg1"/>
+            </a:solidFill>
+          </a:ln>
+        </p:spPr>
+        <p:style>
+          <a:lnRef idx="2">
+            <a:schemeClr val="accent1">
+              <a:shade val="50000"/>
+            </a:schemeClr>
+          </a:lnRef>
+          <a:fillRef idx="1">
+            <a:schemeClr val="accent1"/>
+          </a:fillRef>
+          <a:effectRef idx="0">
+            <a:schemeClr val="accent1"/>
+          </a:effectRef>
+          <a:fontRef idx="minor">
+            <a:schemeClr val="lt1"/>
+          </a:fontRef>
+        </p:style>
+        <p:txBody>
+          <a:bodyPr rtlCol="0" anchor="ctr"/>
+          <a:lstStyle/>
+          <a:p>
+            <a:pPr algn="ctr"/>
+            <a:endParaRPr lang="ru-RU"/>
+          </a:p>
+        </p:txBody>
+      </p:sp>
+    </p:spTree>
+    <p:extLst>
+      <p:ext uri="{BB962C8B-B14F-4D97-AF65-F5344CB8AC3E}">
+        <p14:creationId xmlns:p14="http://schemas.microsoft.com/office/powerpoint/2010/main" val="629713611"/>
       </p:ext>
     </p:extLst>
   </p:cSld>

--- a/images/additional inf/Params.pptx
+++ b/images/additional inf/Params.pptx
@@ -16,7 +16,11 @@
     <p:sldId id="266" r:id="rId10"/>
     <p:sldId id="267" r:id="rId11"/>
     <p:sldId id="262" r:id="rId12"/>
-    <p:sldId id="263" r:id="rId13"/>
+    <p:sldId id="269" r:id="rId13"/>
+    <p:sldId id="270" r:id="rId14"/>
+    <p:sldId id="263" r:id="rId15"/>
+    <p:sldId id="268" r:id="rId16"/>
+    <p:sldId id="271" r:id="rId17"/>
   </p:sldIdLst>
   <p:sldSz cx="12192000" cy="6858000"/>
   <p:notesSz cx="6858000" cy="9144000"/>
@@ -254,7 +258,7 @@
           <a:p>
             <a:fld id="{34EB3CA0-1C58-4D54-9B91-72668B4FBE8A}" type="datetimeFigureOut">
               <a:rPr lang="ru-RU" smtClean="0"/>
-              <a:t>09.10.2024</a:t>
+              <a:t>16.10.2024</a:t>
             </a:fld>
             <a:endParaRPr lang="ru-RU"/>
           </a:p>
@@ -424,7 +428,7 @@
           <a:p>
             <a:fld id="{34EB3CA0-1C58-4D54-9B91-72668B4FBE8A}" type="datetimeFigureOut">
               <a:rPr lang="ru-RU" smtClean="0"/>
-              <a:t>09.10.2024</a:t>
+              <a:t>16.10.2024</a:t>
             </a:fld>
             <a:endParaRPr lang="ru-RU"/>
           </a:p>
@@ -604,7 +608,7 @@
           <a:p>
             <a:fld id="{34EB3CA0-1C58-4D54-9B91-72668B4FBE8A}" type="datetimeFigureOut">
               <a:rPr lang="ru-RU" smtClean="0"/>
-              <a:t>09.10.2024</a:t>
+              <a:t>16.10.2024</a:t>
             </a:fld>
             <a:endParaRPr lang="ru-RU"/>
           </a:p>
@@ -774,7 +778,7 @@
           <a:p>
             <a:fld id="{34EB3CA0-1C58-4D54-9B91-72668B4FBE8A}" type="datetimeFigureOut">
               <a:rPr lang="ru-RU" smtClean="0"/>
-              <a:t>09.10.2024</a:t>
+              <a:t>16.10.2024</a:t>
             </a:fld>
             <a:endParaRPr lang="ru-RU"/>
           </a:p>
@@ -1020,7 +1024,7 @@
           <a:p>
             <a:fld id="{34EB3CA0-1C58-4D54-9B91-72668B4FBE8A}" type="datetimeFigureOut">
               <a:rPr lang="ru-RU" smtClean="0"/>
-              <a:t>09.10.2024</a:t>
+              <a:t>16.10.2024</a:t>
             </a:fld>
             <a:endParaRPr lang="ru-RU"/>
           </a:p>
@@ -1252,7 +1256,7 @@
           <a:p>
             <a:fld id="{34EB3CA0-1C58-4D54-9B91-72668B4FBE8A}" type="datetimeFigureOut">
               <a:rPr lang="ru-RU" smtClean="0"/>
-              <a:t>09.10.2024</a:t>
+              <a:t>16.10.2024</a:t>
             </a:fld>
             <a:endParaRPr lang="ru-RU"/>
           </a:p>
@@ -1619,7 +1623,7 @@
           <a:p>
             <a:fld id="{34EB3CA0-1C58-4D54-9B91-72668B4FBE8A}" type="datetimeFigureOut">
               <a:rPr lang="ru-RU" smtClean="0"/>
-              <a:t>09.10.2024</a:t>
+              <a:t>16.10.2024</a:t>
             </a:fld>
             <a:endParaRPr lang="ru-RU"/>
           </a:p>
@@ -1737,7 +1741,7 @@
           <a:p>
             <a:fld id="{34EB3CA0-1C58-4D54-9B91-72668B4FBE8A}" type="datetimeFigureOut">
               <a:rPr lang="ru-RU" smtClean="0"/>
-              <a:t>09.10.2024</a:t>
+              <a:t>16.10.2024</a:t>
             </a:fld>
             <a:endParaRPr lang="ru-RU"/>
           </a:p>
@@ -1832,7 +1836,7 @@
           <a:p>
             <a:fld id="{34EB3CA0-1C58-4D54-9B91-72668B4FBE8A}" type="datetimeFigureOut">
               <a:rPr lang="ru-RU" smtClean="0"/>
-              <a:t>09.10.2024</a:t>
+              <a:t>16.10.2024</a:t>
             </a:fld>
             <a:endParaRPr lang="ru-RU"/>
           </a:p>
@@ -2109,7 +2113,7 @@
           <a:p>
             <a:fld id="{34EB3CA0-1C58-4D54-9B91-72668B4FBE8A}" type="datetimeFigureOut">
               <a:rPr lang="ru-RU" smtClean="0"/>
-              <a:t>09.10.2024</a:t>
+              <a:t>16.10.2024</a:t>
             </a:fld>
             <a:endParaRPr lang="ru-RU"/>
           </a:p>
@@ -2362,7 +2366,7 @@
           <a:p>
             <a:fld id="{34EB3CA0-1C58-4D54-9B91-72668B4FBE8A}" type="datetimeFigureOut">
               <a:rPr lang="ru-RU" smtClean="0"/>
-              <a:t>09.10.2024</a:t>
+              <a:t>16.10.2024</a:t>
             </a:fld>
             <a:endParaRPr lang="ru-RU"/>
           </a:p>
@@ -2575,7 +2579,7 @@
           <a:p>
             <a:fld id="{34EB3CA0-1C58-4D54-9B91-72668B4FBE8A}" type="datetimeFigureOut">
               <a:rPr lang="ru-RU" smtClean="0"/>
-              <a:t>09.10.2024</a:t>
+              <a:t>16.10.2024</a:t>
             </a:fld>
             <a:endParaRPr lang="ru-RU"/>
           </a:p>
@@ -3964,6 +3968,617 @@
       </p:grpSpPr>
       <p:pic>
         <p:nvPicPr>
+          <p:cNvPr id="2" name="Рисунок 1"/>
+          <p:cNvPicPr>
+            <a:picLocks noChangeAspect="1"/>
+          </p:cNvPicPr>
+          <p:nvPr/>
+        </p:nvPicPr>
+        <p:blipFill>
+          <a:blip r:embed="rId2">
+            <a:extLst>
+              <a:ext uri="{28A0092B-C50C-407E-A947-70E740481C1C}">
+                <a14:useLocalDpi xmlns:a14="http://schemas.microsoft.com/office/drawing/2010/main" val="0"/>
+              </a:ext>
+            </a:extLst>
+          </a:blip>
+          <a:stretch>
+            <a:fillRect/>
+          </a:stretch>
+        </p:blipFill>
+        <p:spPr>
+          <a:xfrm>
+            <a:off x="1510760" y="0"/>
+            <a:ext cx="9170479" cy="6858000"/>
+          </a:xfrm>
+          <a:prstGeom prst="rect">
+            <a:avLst/>
+          </a:prstGeom>
+        </p:spPr>
+      </p:pic>
+      <p:sp>
+        <p:nvSpPr>
+          <p:cNvPr id="6" name="Скругленный прямоугольник 5"/>
+          <p:cNvSpPr/>
+          <p:nvPr/>
+        </p:nvSpPr>
+        <p:spPr>
+          <a:xfrm rot="16200000">
+            <a:off x="-347778" y="3047239"/>
+            <a:ext cx="3814662" cy="576649"/>
+          </a:xfrm>
+          <a:prstGeom prst="roundRect">
+            <a:avLst/>
+          </a:prstGeom>
+          <a:solidFill>
+            <a:schemeClr val="bg1"/>
+          </a:solidFill>
+          <a:ln>
+            <a:solidFill>
+              <a:schemeClr val="bg1"/>
+            </a:solidFill>
+          </a:ln>
+        </p:spPr>
+        <p:style>
+          <a:lnRef idx="2">
+            <a:schemeClr val="accent1">
+              <a:shade val="50000"/>
+            </a:schemeClr>
+          </a:lnRef>
+          <a:fillRef idx="1">
+            <a:schemeClr val="accent1"/>
+          </a:fillRef>
+          <a:effectRef idx="0">
+            <a:schemeClr val="accent1"/>
+          </a:effectRef>
+          <a:fontRef idx="minor">
+            <a:schemeClr val="lt1"/>
+          </a:fontRef>
+        </p:style>
+        <p:txBody>
+          <a:bodyPr rtlCol="0" anchor="ctr"/>
+          <a:lstStyle/>
+          <a:p>
+            <a:pPr algn="ctr"/>
+            <a:endParaRPr lang="ru-RU"/>
+          </a:p>
+        </p:txBody>
+      </p:sp>
+      <p:sp>
+        <p:nvSpPr>
+          <p:cNvPr id="7" name="TextBox 6"/>
+          <p:cNvSpPr txBox="1"/>
+          <p:nvPr/>
+        </p:nvSpPr>
+        <p:spPr>
+          <a:xfrm rot="16200000">
+            <a:off x="-339226" y="3017054"/>
+            <a:ext cx="3974101" cy="461665"/>
+          </a:xfrm>
+          <a:prstGeom prst="rect">
+            <a:avLst/>
+          </a:prstGeom>
+          <a:solidFill>
+            <a:schemeClr val="bg1"/>
+          </a:solidFill>
+        </p:spPr>
+        <p:txBody>
+          <a:bodyPr wrap="none" rtlCol="0">
+            <a:spAutoFit/>
+          </a:bodyPr>
+          <a:lstStyle/>
+          <a:p>
+            <a:r>
+              <a:rPr lang="ru-RU" sz="2400" dirty="0" smtClean="0"/>
+              <a:t>Концентрация </a:t>
+            </a:r>
+            <a:r>
+              <a:rPr lang="en-US" sz="2400" dirty="0" smtClean="0"/>
+              <a:t>Al, Cu, Si,</a:t>
+            </a:r>
+            <a:r>
+              <a:rPr lang="ru-RU" sz="2400" dirty="0" smtClean="0"/>
+              <a:t> ат.</a:t>
+            </a:r>
+            <a:r>
+              <a:rPr lang="en-US" sz="2400" dirty="0" smtClean="0"/>
+              <a:t> </a:t>
+            </a:r>
+            <a:r>
+              <a:rPr lang="ru-RU" sz="2400" dirty="0" smtClean="0"/>
+              <a:t>%</a:t>
+            </a:r>
+            <a:endParaRPr lang="ru-RU" sz="2400" dirty="0"/>
+          </a:p>
+        </p:txBody>
+      </p:sp>
+      <p:sp>
+        <p:nvSpPr>
+          <p:cNvPr id="3" name="TextBox 2"/>
+          <p:cNvSpPr txBox="1"/>
+          <p:nvPr/>
+        </p:nvSpPr>
+        <p:spPr>
+          <a:xfrm rot="16200000">
+            <a:off x="8896649" y="2934211"/>
+            <a:ext cx="3199850" cy="461665"/>
+          </a:xfrm>
+          <a:prstGeom prst="rect">
+            <a:avLst/>
+          </a:prstGeom>
+          <a:solidFill>
+            <a:schemeClr val="bg1"/>
+          </a:solidFill>
+        </p:spPr>
+        <p:txBody>
+          <a:bodyPr wrap="none" rtlCol="0">
+            <a:spAutoFit/>
+          </a:bodyPr>
+          <a:lstStyle/>
+          <a:p>
+            <a:r>
+              <a:rPr lang="ru-RU" sz="2400" dirty="0"/>
+              <a:t>Концентрация </a:t>
+            </a:r>
+            <a:r>
+              <a:rPr lang="en-US" sz="2400" dirty="0" smtClean="0"/>
+              <a:t>Sn,</a:t>
+            </a:r>
+            <a:r>
+              <a:rPr lang="ru-RU" sz="2400" dirty="0" smtClean="0"/>
+              <a:t> </a:t>
+            </a:r>
+            <a:r>
+              <a:rPr lang="ru-RU" sz="2400" dirty="0"/>
+              <a:t>ат.</a:t>
+            </a:r>
+            <a:r>
+              <a:rPr lang="en-US" sz="2400" dirty="0"/>
+              <a:t> </a:t>
+            </a:r>
+            <a:r>
+              <a:rPr lang="ru-RU" sz="2400" dirty="0" smtClean="0"/>
+              <a:t>%</a:t>
+            </a:r>
+            <a:endParaRPr lang="ru-RU" sz="2400" dirty="0"/>
+          </a:p>
+        </p:txBody>
+      </p:sp>
+      <p:sp>
+        <p:nvSpPr>
+          <p:cNvPr id="10" name="TextBox 9"/>
+          <p:cNvSpPr txBox="1"/>
+          <p:nvPr/>
+        </p:nvSpPr>
+        <p:spPr>
+          <a:xfrm>
+            <a:off x="4391721" y="6396335"/>
+            <a:ext cx="1981312" cy="461665"/>
+          </a:xfrm>
+          <a:prstGeom prst="rect">
+            <a:avLst/>
+          </a:prstGeom>
+          <a:solidFill>
+            <a:schemeClr val="bg1"/>
+          </a:solidFill>
+        </p:spPr>
+        <p:txBody>
+          <a:bodyPr wrap="none" rtlCol="0">
+            <a:spAutoFit/>
+          </a:bodyPr>
+          <a:lstStyle/>
+          <a:p>
+            <a:r>
+              <a:rPr lang="ru-RU" sz="2400" dirty="0" smtClean="0"/>
+              <a:t>Расстояние, А</a:t>
+            </a:r>
+            <a:endParaRPr lang="ru-RU" sz="2400" dirty="0"/>
+          </a:p>
+        </p:txBody>
+      </p:sp>
+    </p:spTree>
+    <p:extLst>
+      <p:ext uri="{BB962C8B-B14F-4D97-AF65-F5344CB8AC3E}">
+        <p14:creationId xmlns:p14="http://schemas.microsoft.com/office/powerpoint/2010/main" val="1303500198"/>
+      </p:ext>
+    </p:extLst>
+  </p:cSld>
+  <p:clrMapOvr>
+    <a:masterClrMapping/>
+  </p:clrMapOvr>
+</p:sld>
+</file>
+
+<file path=ppt/slides/slide13.xml><?xml version="1.0" encoding="utf-8"?>
+<p:sld xmlns:a="http://schemas.openxmlformats.org/drawingml/2006/main" xmlns:r="http://schemas.openxmlformats.org/officeDocument/2006/relationships" xmlns:p="http://schemas.openxmlformats.org/presentationml/2006/main">
+  <p:cSld>
+    <p:spTree>
+      <p:nvGrpSpPr>
+        <p:cNvPr id="1" name=""/>
+        <p:cNvGrpSpPr/>
+        <p:nvPr/>
+      </p:nvGrpSpPr>
+      <p:grpSpPr>
+        <a:xfrm>
+          <a:off x="0" y="0"/>
+          <a:ext cx="0" cy="0"/>
+          <a:chOff x="0" y="0"/>
+          <a:chExt cx="0" cy="0"/>
+        </a:xfrm>
+      </p:grpSpPr>
+      <p:pic>
+        <p:nvPicPr>
+          <p:cNvPr id="4" name="Рисунок 3"/>
+          <p:cNvPicPr>
+            <a:picLocks noChangeAspect="1"/>
+          </p:cNvPicPr>
+          <p:nvPr/>
+        </p:nvPicPr>
+        <p:blipFill>
+          <a:blip r:embed="rId2">
+            <a:extLst>
+              <a:ext uri="{28A0092B-C50C-407E-A947-70E740481C1C}">
+                <a14:useLocalDpi xmlns:a14="http://schemas.microsoft.com/office/drawing/2010/main" val="0"/>
+              </a:ext>
+            </a:extLst>
+          </a:blip>
+          <a:stretch>
+            <a:fillRect/>
+          </a:stretch>
+        </p:blipFill>
+        <p:spPr>
+          <a:xfrm>
+            <a:off x="1271228" y="-93437"/>
+            <a:ext cx="8238336" cy="6858000"/>
+          </a:xfrm>
+          <a:prstGeom prst="rect">
+            <a:avLst/>
+          </a:prstGeom>
+        </p:spPr>
+      </p:pic>
+      <p:sp>
+        <p:nvSpPr>
+          <p:cNvPr id="6" name="Скругленный прямоугольник 5"/>
+          <p:cNvSpPr/>
+          <p:nvPr/>
+        </p:nvSpPr>
+        <p:spPr>
+          <a:xfrm rot="16200000">
+            <a:off x="-347778" y="3047239"/>
+            <a:ext cx="3814662" cy="576649"/>
+          </a:xfrm>
+          <a:prstGeom prst="roundRect">
+            <a:avLst/>
+          </a:prstGeom>
+          <a:solidFill>
+            <a:schemeClr val="bg1"/>
+          </a:solidFill>
+          <a:ln>
+            <a:solidFill>
+              <a:schemeClr val="bg1"/>
+            </a:solidFill>
+          </a:ln>
+        </p:spPr>
+        <p:style>
+          <a:lnRef idx="2">
+            <a:schemeClr val="accent1">
+              <a:shade val="50000"/>
+            </a:schemeClr>
+          </a:lnRef>
+          <a:fillRef idx="1">
+            <a:schemeClr val="accent1"/>
+          </a:fillRef>
+          <a:effectRef idx="0">
+            <a:schemeClr val="accent1"/>
+          </a:effectRef>
+          <a:fontRef idx="minor">
+            <a:schemeClr val="lt1"/>
+          </a:fontRef>
+        </p:style>
+        <p:txBody>
+          <a:bodyPr rtlCol="0" anchor="ctr"/>
+          <a:lstStyle/>
+          <a:p>
+            <a:pPr algn="ctr"/>
+            <a:endParaRPr lang="ru-RU"/>
+          </a:p>
+        </p:txBody>
+      </p:sp>
+      <p:sp>
+        <p:nvSpPr>
+          <p:cNvPr id="7" name="TextBox 6"/>
+          <p:cNvSpPr txBox="1"/>
+          <p:nvPr/>
+        </p:nvSpPr>
+        <p:spPr>
+          <a:xfrm rot="16200000">
+            <a:off x="47899" y="3150404"/>
+            <a:ext cx="3199850" cy="461665"/>
+          </a:xfrm>
+          <a:prstGeom prst="rect">
+            <a:avLst/>
+          </a:prstGeom>
+          <a:solidFill>
+            <a:schemeClr val="bg1"/>
+          </a:solidFill>
+        </p:spPr>
+        <p:txBody>
+          <a:bodyPr wrap="none" rtlCol="0">
+            <a:spAutoFit/>
+          </a:bodyPr>
+          <a:lstStyle/>
+          <a:p>
+            <a:r>
+              <a:rPr lang="ru-RU" sz="2400" dirty="0" smtClean="0"/>
+              <a:t>Концентрация </a:t>
+            </a:r>
+            <a:r>
+              <a:rPr lang="en-US" sz="2400" dirty="0" smtClean="0"/>
+              <a:t>Sn,</a:t>
+            </a:r>
+            <a:r>
+              <a:rPr lang="ru-RU" sz="2400" dirty="0" smtClean="0"/>
+              <a:t> ат.</a:t>
+            </a:r>
+            <a:r>
+              <a:rPr lang="en-US" sz="2400" dirty="0" smtClean="0"/>
+              <a:t> </a:t>
+            </a:r>
+            <a:r>
+              <a:rPr lang="ru-RU" sz="2400" dirty="0" smtClean="0"/>
+              <a:t>%</a:t>
+            </a:r>
+            <a:endParaRPr lang="ru-RU" sz="2400" dirty="0"/>
+          </a:p>
+        </p:txBody>
+      </p:sp>
+      <p:sp>
+        <p:nvSpPr>
+          <p:cNvPr id="10" name="TextBox 9"/>
+          <p:cNvSpPr txBox="1"/>
+          <p:nvPr/>
+        </p:nvSpPr>
+        <p:spPr>
+          <a:xfrm>
+            <a:off x="4457624" y="6223340"/>
+            <a:ext cx="1981312" cy="461665"/>
+          </a:xfrm>
+          <a:prstGeom prst="rect">
+            <a:avLst/>
+          </a:prstGeom>
+          <a:solidFill>
+            <a:schemeClr val="bg1"/>
+          </a:solidFill>
+        </p:spPr>
+        <p:txBody>
+          <a:bodyPr wrap="none" rtlCol="0">
+            <a:spAutoFit/>
+          </a:bodyPr>
+          <a:lstStyle/>
+          <a:p>
+            <a:r>
+              <a:rPr lang="ru-RU" sz="2400" dirty="0" smtClean="0"/>
+              <a:t>Расстояние, А</a:t>
+            </a:r>
+            <a:endParaRPr lang="ru-RU" sz="2400" dirty="0"/>
+          </a:p>
+        </p:txBody>
+      </p:sp>
+      <p:sp>
+        <p:nvSpPr>
+          <p:cNvPr id="8" name="TextBox 7"/>
+          <p:cNvSpPr txBox="1"/>
+          <p:nvPr/>
+        </p:nvSpPr>
+        <p:spPr>
+          <a:xfrm>
+            <a:off x="6324064" y="721762"/>
+            <a:ext cx="3574604" cy="646331"/>
+          </a:xfrm>
+          <a:prstGeom prst="rect">
+            <a:avLst/>
+          </a:prstGeom>
+          <a:solidFill>
+            <a:schemeClr val="bg1"/>
+          </a:solidFill>
+        </p:spPr>
+        <p:txBody>
+          <a:bodyPr wrap="square" rtlCol="0">
+            <a:spAutoFit/>
+          </a:bodyPr>
+          <a:lstStyle/>
+          <a:p>
+            <a:r>
+              <a:rPr lang="ru-RU" dirty="0" smtClean="0"/>
+              <a:t>- Полу-когерентная граница</a:t>
+            </a:r>
+            <a:endParaRPr lang="en-US" dirty="0"/>
+          </a:p>
+          <a:p>
+            <a:r>
+              <a:rPr lang="ru-RU" dirty="0" smtClean="0"/>
+              <a:t>- Когерентная граница</a:t>
+            </a:r>
+            <a:endParaRPr lang="ru-RU" dirty="0"/>
+          </a:p>
+        </p:txBody>
+      </p:sp>
+      <p:sp>
+        <p:nvSpPr>
+          <p:cNvPr id="9" name="Скругленный прямоугольник 8"/>
+          <p:cNvSpPr/>
+          <p:nvPr/>
+        </p:nvSpPr>
+        <p:spPr>
+          <a:xfrm>
+            <a:off x="5466600" y="1365383"/>
+            <a:ext cx="3506287" cy="576649"/>
+          </a:xfrm>
+          <a:prstGeom prst="roundRect">
+            <a:avLst/>
+          </a:prstGeom>
+          <a:solidFill>
+            <a:schemeClr val="bg1"/>
+          </a:solidFill>
+          <a:ln>
+            <a:solidFill>
+              <a:schemeClr val="bg1"/>
+            </a:solidFill>
+          </a:ln>
+        </p:spPr>
+        <p:style>
+          <a:lnRef idx="2">
+            <a:schemeClr val="accent1">
+              <a:shade val="50000"/>
+            </a:schemeClr>
+          </a:lnRef>
+          <a:fillRef idx="1">
+            <a:schemeClr val="accent1"/>
+          </a:fillRef>
+          <a:effectRef idx="0">
+            <a:schemeClr val="accent1"/>
+          </a:effectRef>
+          <a:fontRef idx="minor">
+            <a:schemeClr val="lt1"/>
+          </a:fontRef>
+        </p:style>
+        <p:txBody>
+          <a:bodyPr rtlCol="0" anchor="ctr"/>
+          <a:lstStyle/>
+          <a:p>
+            <a:pPr algn="ctr"/>
+            <a:endParaRPr lang="ru-RU"/>
+          </a:p>
+        </p:txBody>
+      </p:sp>
+      <p:sp>
+        <p:nvSpPr>
+          <p:cNvPr id="11" name="Скругленный прямоугольник 10"/>
+          <p:cNvSpPr/>
+          <p:nvPr/>
+        </p:nvSpPr>
+        <p:spPr>
+          <a:xfrm>
+            <a:off x="5340909" y="145113"/>
+            <a:ext cx="3506287" cy="576649"/>
+          </a:xfrm>
+          <a:prstGeom prst="roundRect">
+            <a:avLst/>
+          </a:prstGeom>
+          <a:solidFill>
+            <a:schemeClr val="bg1"/>
+          </a:solidFill>
+          <a:ln>
+            <a:solidFill>
+              <a:schemeClr val="bg1"/>
+            </a:solidFill>
+          </a:ln>
+        </p:spPr>
+        <p:style>
+          <a:lnRef idx="2">
+            <a:schemeClr val="accent1">
+              <a:shade val="50000"/>
+            </a:schemeClr>
+          </a:lnRef>
+          <a:fillRef idx="1">
+            <a:schemeClr val="accent1"/>
+          </a:fillRef>
+          <a:effectRef idx="0">
+            <a:schemeClr val="accent1"/>
+          </a:effectRef>
+          <a:fontRef idx="minor">
+            <a:schemeClr val="lt1"/>
+          </a:fontRef>
+        </p:style>
+        <p:txBody>
+          <a:bodyPr rtlCol="0" anchor="ctr"/>
+          <a:lstStyle/>
+          <a:p>
+            <a:pPr algn="ctr"/>
+            <a:endParaRPr lang="ru-RU"/>
+          </a:p>
+        </p:txBody>
+      </p:sp>
+      <p:sp>
+        <p:nvSpPr>
+          <p:cNvPr id="12" name="Скругленный прямоугольник 11"/>
+          <p:cNvSpPr/>
+          <p:nvPr/>
+        </p:nvSpPr>
+        <p:spPr>
+          <a:xfrm>
+            <a:off x="5408681" y="644973"/>
+            <a:ext cx="578879" cy="773141"/>
+          </a:xfrm>
+          <a:prstGeom prst="roundRect">
+            <a:avLst/>
+          </a:prstGeom>
+          <a:solidFill>
+            <a:schemeClr val="bg1"/>
+          </a:solidFill>
+          <a:ln>
+            <a:solidFill>
+              <a:schemeClr val="bg1"/>
+            </a:solidFill>
+          </a:ln>
+        </p:spPr>
+        <p:style>
+          <a:lnRef idx="2">
+            <a:schemeClr val="accent1">
+              <a:shade val="50000"/>
+            </a:schemeClr>
+          </a:lnRef>
+          <a:fillRef idx="1">
+            <a:schemeClr val="accent1"/>
+          </a:fillRef>
+          <a:effectRef idx="0">
+            <a:schemeClr val="accent1"/>
+          </a:effectRef>
+          <a:fontRef idx="minor">
+            <a:schemeClr val="lt1"/>
+          </a:fontRef>
+        </p:style>
+        <p:txBody>
+          <a:bodyPr rtlCol="0" anchor="ctr"/>
+          <a:lstStyle/>
+          <a:p>
+            <a:pPr algn="ctr"/>
+            <a:endParaRPr lang="ru-RU"/>
+          </a:p>
+        </p:txBody>
+      </p:sp>
+    </p:spTree>
+    <p:extLst>
+      <p:ext uri="{BB962C8B-B14F-4D97-AF65-F5344CB8AC3E}">
+        <p14:creationId xmlns:p14="http://schemas.microsoft.com/office/powerpoint/2010/main" val="15500689"/>
+      </p:ext>
+    </p:extLst>
+  </p:cSld>
+  <p:clrMapOvr>
+    <a:masterClrMapping/>
+  </p:clrMapOvr>
+</p:sld>
+</file>
+
+<file path=ppt/slides/slide14.xml><?xml version="1.0" encoding="utf-8"?>
+<p:sld xmlns:a="http://schemas.openxmlformats.org/drawingml/2006/main" xmlns:r="http://schemas.openxmlformats.org/officeDocument/2006/relationships" xmlns:p="http://schemas.openxmlformats.org/presentationml/2006/main">
+  <p:cSld>
+    <p:spTree>
+      <p:nvGrpSpPr>
+        <p:cNvPr id="1" name=""/>
+        <p:cNvGrpSpPr/>
+        <p:nvPr/>
+      </p:nvGrpSpPr>
+      <p:grpSpPr>
+        <a:xfrm>
+          <a:off x="0" y="0"/>
+          <a:ext cx="0" cy="0"/>
+          <a:chOff x="0" y="0"/>
+          <a:chExt cx="0" cy="0"/>
+        </a:xfrm>
+      </p:grpSpPr>
+      <p:pic>
+        <p:nvPicPr>
           <p:cNvPr id="17" name="Рисунок 16"/>
           <p:cNvPicPr>
             <a:picLocks noChangeAspect="1"/>
@@ -3994,45 +4609,6 @@
       </p:pic>
       <p:pic>
         <p:nvPicPr>
-          <p:cNvPr id="1028" name="Picture 4" descr="векторные иконки ПК PNG , компьютер, мак, рабочий стол PNG картинки и пнг  рисунок для бесплатной загрузки"/>
-          <p:cNvPicPr>
-            <a:picLocks noChangeAspect="1" noChangeArrowheads="1"/>
-          </p:cNvPicPr>
-          <p:nvPr/>
-        </p:nvPicPr>
-        <p:blipFill rotWithShape="1">
-          <a:blip r:embed="rId3" cstate="print">
-            <a:extLst>
-              <a:ext uri="{28A0092B-C50C-407E-A947-70E740481C1C}">
-                <a14:useLocalDpi xmlns:a14="http://schemas.microsoft.com/office/drawing/2010/main" val="0"/>
-              </a:ext>
-            </a:extLst>
-          </a:blip>
-          <a:srcRect l="25905" t="18580" r="22597" b="25018"/>
-          <a:stretch/>
-        </p:blipFill>
-        <p:spPr bwMode="auto">
-          <a:xfrm>
-            <a:off x="10304909" y="4610101"/>
-            <a:ext cx="1600200" cy="1752600"/>
-          </a:xfrm>
-          <a:prstGeom prst="rect">
-            <a:avLst/>
-          </a:prstGeom>
-          <a:noFill/>
-          <a:extLst>
-            <a:ext uri="{909E8E84-426E-40DD-AFC4-6F175D3DCCD1}">
-              <a14:hiddenFill xmlns:a14="http://schemas.microsoft.com/office/drawing/2010/main">
-                <a:solidFill>
-                  <a:srgbClr val="FFFFFF"/>
-                </a:solidFill>
-              </a14:hiddenFill>
-            </a:ext>
-          </a:extLst>
-        </p:spPr>
-      </p:pic>
-      <p:pic>
-        <p:nvPicPr>
           <p:cNvPr id="8" name="Рисунок 7"/>
           <p:cNvPicPr>
             <a:picLocks noChangeAspect="1"/>
@@ -4040,7 +4616,7 @@
           <p:nvPr/>
         </p:nvPicPr>
         <p:blipFill>
-          <a:blip r:embed="rId4">
+          <a:blip r:embed="rId3">
             <a:extLst>
               <a:ext uri="{28A0092B-C50C-407E-A947-70E740481C1C}">
                 <a14:useLocalDpi xmlns:a14="http://schemas.microsoft.com/office/drawing/2010/main" val="0"/>
@@ -4129,13 +4705,13 @@
         </p:nvCxnSpPr>
         <p:spPr>
           <a:xfrm>
-            <a:off x="266700" y="1714500"/>
-            <a:ext cx="714375" cy="9525"/>
+            <a:off x="299652" y="2085204"/>
+            <a:ext cx="1971023" cy="17876"/>
           </a:xfrm>
           <a:prstGeom prst="straightConnector1">
             <a:avLst/>
           </a:prstGeom>
-          <a:ln>
+          <a:ln w="28575">
             <a:tailEnd type="triangle"/>
           </a:ln>
         </p:spPr>
@@ -4162,7 +4738,7 @@
         </p:nvSpPr>
         <p:spPr>
           <a:xfrm>
-            <a:off x="163831" y="1354693"/>
+            <a:off x="163831" y="1725397"/>
             <a:ext cx="712469" cy="369332"/>
           </a:xfrm>
           <a:prstGeom prst="rect">
@@ -5252,7 +5828,7 @@
           <p:nvPr/>
         </p:nvPicPr>
         <p:blipFill>
-          <a:blip r:embed="rId5">
+          <a:blip r:embed="rId4">
             <a:extLst>
               <a:ext uri="{28A0092B-C50C-407E-A947-70E740481C1C}">
                 <a14:useLocalDpi xmlns:a14="http://schemas.microsoft.com/office/drawing/2010/main" val="0"/>
@@ -6246,36 +6822,90 @@
           </a:p>
         </p:txBody>
       </p:sp>
-      <p:sp>
-        <p:nvSpPr>
-          <p:cNvPr id="2" name="TextBox 1"/>
-          <p:cNvSpPr txBox="1"/>
-          <p:nvPr/>
-        </p:nvSpPr>
-        <p:spPr>
-          <a:xfrm>
-            <a:off x="9979868" y="5477435"/>
-            <a:ext cx="453970" cy="369332"/>
-          </a:xfrm>
-          <a:prstGeom prst="rect">
-            <a:avLst/>
-          </a:prstGeom>
-          <a:noFill/>
-        </p:spPr>
-        <p:txBody>
-          <a:bodyPr wrap="none" rtlCol="0">
-            <a:spAutoFit/>
-          </a:bodyPr>
-          <a:lstStyle/>
-          <a:p>
-            <a:r>
-              <a:rPr lang="ru-RU" dirty="0" smtClean="0"/>
-              <a:t>ПК</a:t>
-            </a:r>
-            <a:endParaRPr lang="ru-RU" dirty="0"/>
-          </a:p>
-        </p:txBody>
-      </p:sp>
+      <p:grpSp>
+        <p:nvGrpSpPr>
+          <p:cNvPr id="3" name="Группа 2"/>
+          <p:cNvGrpSpPr/>
+          <p:nvPr/>
+        </p:nvGrpSpPr>
+        <p:grpSpPr>
+          <a:xfrm>
+            <a:off x="9784374" y="4695825"/>
+            <a:ext cx="1925241" cy="1752600"/>
+            <a:chOff x="9979868" y="4610101"/>
+            <a:chExt cx="1925241" cy="1752600"/>
+          </a:xfrm>
+        </p:grpSpPr>
+        <p:pic>
+          <p:nvPicPr>
+            <p:cNvPr id="1028" name="Picture 4" descr="векторные иконки ПК PNG , компьютер, мак, рабочий стол PNG картинки и пнг  рисунок для бесплатной загрузки"/>
+            <p:cNvPicPr>
+              <a:picLocks noChangeAspect="1" noChangeArrowheads="1"/>
+            </p:cNvPicPr>
+            <p:nvPr/>
+          </p:nvPicPr>
+          <p:blipFill rotWithShape="1">
+            <a:blip r:embed="rId5" cstate="print">
+              <a:extLst>
+                <a:ext uri="{28A0092B-C50C-407E-A947-70E740481C1C}">
+                  <a14:useLocalDpi xmlns:a14="http://schemas.microsoft.com/office/drawing/2010/main" val="0"/>
+                </a:ext>
+              </a:extLst>
+            </a:blip>
+            <a:srcRect l="25905" t="18580" r="22597" b="25018"/>
+            <a:stretch/>
+          </p:blipFill>
+          <p:spPr bwMode="auto">
+            <a:xfrm>
+              <a:off x="10304909" y="4610101"/>
+              <a:ext cx="1600200" cy="1752600"/>
+            </a:xfrm>
+            <a:prstGeom prst="rect">
+              <a:avLst/>
+            </a:prstGeom>
+            <a:noFill/>
+            <a:extLst>
+              <a:ext uri="{909E8E84-426E-40DD-AFC4-6F175D3DCCD1}">
+                <a14:hiddenFill xmlns:a14="http://schemas.microsoft.com/office/drawing/2010/main">
+                  <a:solidFill>
+                    <a:srgbClr val="FFFFFF"/>
+                  </a:solidFill>
+                </a14:hiddenFill>
+              </a:ext>
+            </a:extLst>
+          </p:spPr>
+        </p:pic>
+        <p:sp>
+          <p:nvSpPr>
+            <p:cNvPr id="2" name="TextBox 1"/>
+            <p:cNvSpPr txBox="1"/>
+            <p:nvPr/>
+          </p:nvSpPr>
+          <p:spPr>
+            <a:xfrm>
+              <a:off x="9979868" y="5477435"/>
+              <a:ext cx="453970" cy="369332"/>
+            </a:xfrm>
+            <a:prstGeom prst="rect">
+              <a:avLst/>
+            </a:prstGeom>
+            <a:noFill/>
+          </p:spPr>
+          <p:txBody>
+            <a:bodyPr wrap="none" rtlCol="0">
+              <a:spAutoFit/>
+            </a:bodyPr>
+            <a:lstStyle/>
+            <a:p>
+              <a:r>
+                <a:rPr lang="ru-RU" dirty="0" smtClean="0"/>
+                <a:t>ПК</a:t>
+              </a:r>
+              <a:endParaRPr lang="ru-RU" dirty="0"/>
+            </a:p>
+          </p:txBody>
+        </p:sp>
+      </p:grpSp>
       <p:sp>
         <p:nvSpPr>
           <p:cNvPr id="15" name="Стрелка вниз 14"/>
@@ -6643,6 +7273,432 @@
     <p:extLst>
       <p:ext uri="{BB962C8B-B14F-4D97-AF65-F5344CB8AC3E}">
         <p14:creationId xmlns:p14="http://schemas.microsoft.com/office/powerpoint/2010/main" val="2934278922"/>
+      </p:ext>
+    </p:extLst>
+  </p:cSld>
+  <p:clrMapOvr>
+    <a:masterClrMapping/>
+  </p:clrMapOvr>
+</p:sld>
+</file>
+
+<file path=ppt/slides/slide15.xml><?xml version="1.0" encoding="utf-8"?>
+<p:sld xmlns:a="http://schemas.openxmlformats.org/drawingml/2006/main" xmlns:r="http://schemas.openxmlformats.org/officeDocument/2006/relationships" xmlns:p="http://schemas.openxmlformats.org/presentationml/2006/main">
+  <p:cSld>
+    <p:spTree>
+      <p:nvGrpSpPr>
+        <p:cNvPr id="1" name=""/>
+        <p:cNvGrpSpPr/>
+        <p:nvPr/>
+      </p:nvGrpSpPr>
+      <p:grpSpPr>
+        <a:xfrm>
+          <a:off x="0" y="0"/>
+          <a:ext cx="0" cy="0"/>
+          <a:chOff x="0" y="0"/>
+          <a:chExt cx="0" cy="0"/>
+        </a:xfrm>
+      </p:grpSpPr>
+      <p:pic>
+        <p:nvPicPr>
+          <p:cNvPr id="4" name="Рисунок 3"/>
+          <p:cNvPicPr>
+            <a:picLocks noChangeAspect="1"/>
+          </p:cNvPicPr>
+          <p:nvPr/>
+        </p:nvPicPr>
+        <p:blipFill>
+          <a:blip r:embed="rId2">
+            <a:extLst>
+              <a:ext uri="{28A0092B-C50C-407E-A947-70E740481C1C}">
+                <a14:useLocalDpi xmlns:a14="http://schemas.microsoft.com/office/drawing/2010/main" val="0"/>
+              </a:ext>
+            </a:extLst>
+          </a:blip>
+          <a:stretch>
+            <a:fillRect/>
+          </a:stretch>
+        </p:blipFill>
+        <p:spPr>
+          <a:xfrm>
+            <a:off x="344058" y="131162"/>
+            <a:ext cx="8258175" cy="5343525"/>
+          </a:xfrm>
+          <a:prstGeom prst="rect">
+            <a:avLst/>
+          </a:prstGeom>
+        </p:spPr>
+      </p:pic>
+      <p:sp>
+        <p:nvSpPr>
+          <p:cNvPr id="5" name="TextBox 4"/>
+          <p:cNvSpPr txBox="1"/>
+          <p:nvPr/>
+        </p:nvSpPr>
+        <p:spPr>
+          <a:xfrm>
+            <a:off x="576649" y="263611"/>
+            <a:ext cx="349776" cy="369332"/>
+          </a:xfrm>
+          <a:prstGeom prst="rect">
+            <a:avLst/>
+          </a:prstGeom>
+          <a:noFill/>
+        </p:spPr>
+        <p:txBody>
+          <a:bodyPr wrap="none" rtlCol="0">
+            <a:spAutoFit/>
+          </a:bodyPr>
+          <a:lstStyle/>
+          <a:p>
+            <a:r>
+              <a:rPr lang="en-US" b="1" dirty="0"/>
+              <a:t>Si</a:t>
+            </a:r>
+            <a:endParaRPr lang="ru-RU" b="1" dirty="0"/>
+          </a:p>
+        </p:txBody>
+      </p:sp>
+      <p:sp>
+        <p:nvSpPr>
+          <p:cNvPr id="6" name="TextBox 5"/>
+          <p:cNvSpPr txBox="1"/>
+          <p:nvPr/>
+        </p:nvSpPr>
+        <p:spPr>
+          <a:xfrm>
+            <a:off x="2557849" y="263611"/>
+            <a:ext cx="429926" cy="369332"/>
+          </a:xfrm>
+          <a:prstGeom prst="rect">
+            <a:avLst/>
+          </a:prstGeom>
+          <a:noFill/>
+        </p:spPr>
+        <p:txBody>
+          <a:bodyPr wrap="none" rtlCol="0">
+            <a:spAutoFit/>
+          </a:bodyPr>
+          <a:lstStyle/>
+          <a:p>
+            <a:r>
+              <a:rPr lang="en-US" b="1" dirty="0" smtClean="0"/>
+              <a:t>Cu</a:t>
+            </a:r>
+            <a:endParaRPr lang="ru-RU" b="1" dirty="0"/>
+          </a:p>
+        </p:txBody>
+      </p:sp>
+      <p:sp>
+        <p:nvSpPr>
+          <p:cNvPr id="7" name="TextBox 6"/>
+          <p:cNvSpPr txBox="1"/>
+          <p:nvPr/>
+        </p:nvSpPr>
+        <p:spPr>
+          <a:xfrm>
+            <a:off x="4619199" y="271122"/>
+            <a:ext cx="495649" cy="369332"/>
+          </a:xfrm>
+          <a:prstGeom prst="rect">
+            <a:avLst/>
+          </a:prstGeom>
+          <a:noFill/>
+        </p:spPr>
+        <p:txBody>
+          <a:bodyPr wrap="none" rtlCol="0">
+            <a:spAutoFit/>
+          </a:bodyPr>
+          <a:lstStyle/>
+          <a:p>
+            <a:r>
+              <a:rPr lang="en-US" b="1" dirty="0" smtClean="0"/>
+              <a:t>Mg</a:t>
+            </a:r>
+            <a:endParaRPr lang="ru-RU" b="1" dirty="0"/>
+          </a:p>
+        </p:txBody>
+      </p:sp>
+      <p:sp>
+        <p:nvSpPr>
+          <p:cNvPr id="8" name="TextBox 7"/>
+          <p:cNvSpPr txBox="1"/>
+          <p:nvPr/>
+        </p:nvSpPr>
+        <p:spPr>
+          <a:xfrm>
+            <a:off x="6746272" y="271122"/>
+            <a:ext cx="417102" cy="369332"/>
+          </a:xfrm>
+          <a:prstGeom prst="rect">
+            <a:avLst/>
+          </a:prstGeom>
+          <a:noFill/>
+        </p:spPr>
+        <p:txBody>
+          <a:bodyPr wrap="none" rtlCol="0">
+            <a:spAutoFit/>
+          </a:bodyPr>
+          <a:lstStyle/>
+          <a:p>
+            <a:r>
+              <a:rPr lang="en-US" b="1" dirty="0" smtClean="0"/>
+              <a:t>Sn</a:t>
+            </a:r>
+            <a:endParaRPr lang="ru-RU" b="1" dirty="0"/>
+          </a:p>
+        </p:txBody>
+      </p:sp>
+    </p:spTree>
+    <p:extLst>
+      <p:ext uri="{BB962C8B-B14F-4D97-AF65-F5344CB8AC3E}">
+        <p14:creationId xmlns:p14="http://schemas.microsoft.com/office/powerpoint/2010/main" val="3736512913"/>
+      </p:ext>
+    </p:extLst>
+  </p:cSld>
+  <p:clrMapOvr>
+    <a:masterClrMapping/>
+  </p:clrMapOvr>
+</p:sld>
+</file>
+
+<file path=ppt/slides/slide16.xml><?xml version="1.0" encoding="utf-8"?>
+<p:sld xmlns:a="http://schemas.openxmlformats.org/drawingml/2006/main" xmlns:r="http://schemas.openxmlformats.org/officeDocument/2006/relationships" xmlns:p="http://schemas.openxmlformats.org/presentationml/2006/main">
+  <p:cSld>
+    <p:spTree>
+      <p:nvGrpSpPr>
+        <p:cNvPr id="1" name=""/>
+        <p:cNvGrpSpPr/>
+        <p:nvPr/>
+      </p:nvGrpSpPr>
+      <p:grpSpPr>
+        <a:xfrm>
+          <a:off x="0" y="0"/>
+          <a:ext cx="0" cy="0"/>
+          <a:chOff x="0" y="0"/>
+          <a:chExt cx="0" cy="0"/>
+        </a:xfrm>
+      </p:grpSpPr>
+      <p:pic>
+        <p:nvPicPr>
+          <p:cNvPr id="4" name="Рисунок 3"/>
+          <p:cNvPicPr>
+            <a:picLocks noChangeAspect="1"/>
+          </p:cNvPicPr>
+          <p:nvPr/>
+        </p:nvPicPr>
+        <p:blipFill>
+          <a:blip r:embed="rId2"/>
+          <a:stretch>
+            <a:fillRect/>
+          </a:stretch>
+        </p:blipFill>
+        <p:spPr>
+          <a:xfrm>
+            <a:off x="264646" y="0"/>
+            <a:ext cx="2881172" cy="6858000"/>
+          </a:xfrm>
+          <a:prstGeom prst="rect">
+            <a:avLst/>
+          </a:prstGeom>
+        </p:spPr>
+      </p:pic>
+      <p:pic>
+        <p:nvPicPr>
+          <p:cNvPr id="5" name="Рисунок 4"/>
+          <p:cNvPicPr>
+            <a:picLocks noChangeAspect="1"/>
+          </p:cNvPicPr>
+          <p:nvPr/>
+        </p:nvPicPr>
+        <p:blipFill>
+          <a:blip r:embed="rId3"/>
+          <a:stretch>
+            <a:fillRect/>
+          </a:stretch>
+        </p:blipFill>
+        <p:spPr>
+          <a:xfrm>
+            <a:off x="3243595" y="0"/>
+            <a:ext cx="3365264" cy="6858000"/>
+          </a:xfrm>
+          <a:prstGeom prst="rect">
+            <a:avLst/>
+          </a:prstGeom>
+        </p:spPr>
+      </p:pic>
+      <p:pic>
+        <p:nvPicPr>
+          <p:cNvPr id="6" name="Рисунок 5"/>
+          <p:cNvPicPr>
+            <a:picLocks noChangeAspect="1"/>
+          </p:cNvPicPr>
+          <p:nvPr/>
+        </p:nvPicPr>
+        <p:blipFill>
+          <a:blip r:embed="rId4"/>
+          <a:stretch>
+            <a:fillRect/>
+          </a:stretch>
+        </p:blipFill>
+        <p:spPr>
+          <a:xfrm>
+            <a:off x="6608859" y="0"/>
+            <a:ext cx="3091942" cy="6858000"/>
+          </a:xfrm>
+          <a:prstGeom prst="rect">
+            <a:avLst/>
+          </a:prstGeom>
+        </p:spPr>
+      </p:pic>
+      <p:sp>
+        <p:nvSpPr>
+          <p:cNvPr id="7" name="TextBox 6"/>
+          <p:cNvSpPr txBox="1"/>
+          <p:nvPr/>
+        </p:nvSpPr>
+        <p:spPr>
+          <a:xfrm>
+            <a:off x="1554389" y="6417276"/>
+            <a:ext cx="301686" cy="369332"/>
+          </a:xfrm>
+          <a:prstGeom prst="rect">
+            <a:avLst/>
+          </a:prstGeom>
+          <a:solidFill>
+            <a:schemeClr val="bg1"/>
+          </a:solidFill>
+        </p:spPr>
+        <p:txBody>
+          <a:bodyPr wrap="none" rtlCol="0">
+            <a:spAutoFit/>
+          </a:bodyPr>
+          <a:lstStyle/>
+          <a:p>
+            <a:r>
+              <a:rPr lang="ru-RU" dirty="0" smtClean="0"/>
+              <a:t>1</a:t>
+            </a:r>
+            <a:endParaRPr lang="ru-RU" dirty="0"/>
+          </a:p>
+        </p:txBody>
+      </p:sp>
+      <p:sp>
+        <p:nvSpPr>
+          <p:cNvPr id="8" name="TextBox 7"/>
+          <p:cNvSpPr txBox="1"/>
+          <p:nvPr/>
+        </p:nvSpPr>
+        <p:spPr>
+          <a:xfrm>
+            <a:off x="4775384" y="6417276"/>
+            <a:ext cx="301686" cy="369332"/>
+          </a:xfrm>
+          <a:prstGeom prst="rect">
+            <a:avLst/>
+          </a:prstGeom>
+          <a:solidFill>
+            <a:schemeClr val="bg1"/>
+          </a:solidFill>
+        </p:spPr>
+        <p:txBody>
+          <a:bodyPr wrap="none" rtlCol="0">
+            <a:spAutoFit/>
+          </a:bodyPr>
+          <a:lstStyle/>
+          <a:p>
+            <a:r>
+              <a:rPr lang="ru-RU" dirty="0"/>
+              <a:t>2</a:t>
+            </a:r>
+            <a:endParaRPr lang="ru-RU" dirty="0"/>
+          </a:p>
+        </p:txBody>
+      </p:sp>
+      <p:sp>
+        <p:nvSpPr>
+          <p:cNvPr id="9" name="TextBox 8"/>
+          <p:cNvSpPr txBox="1"/>
+          <p:nvPr/>
+        </p:nvSpPr>
+        <p:spPr>
+          <a:xfrm>
+            <a:off x="8003987" y="6417276"/>
+            <a:ext cx="301686" cy="369332"/>
+          </a:xfrm>
+          <a:prstGeom prst="rect">
+            <a:avLst/>
+          </a:prstGeom>
+          <a:solidFill>
+            <a:schemeClr val="bg1"/>
+          </a:solidFill>
+        </p:spPr>
+        <p:txBody>
+          <a:bodyPr wrap="none" rtlCol="0">
+            <a:spAutoFit/>
+          </a:bodyPr>
+          <a:lstStyle/>
+          <a:p>
+            <a:r>
+              <a:rPr lang="ru-RU" dirty="0" smtClean="0"/>
+              <a:t>3</a:t>
+            </a:r>
+            <a:endParaRPr lang="ru-RU" dirty="0"/>
+          </a:p>
+        </p:txBody>
+      </p:sp>
+      <p:sp>
+        <p:nvSpPr>
+          <p:cNvPr id="10" name="Прямоугольник 9"/>
+          <p:cNvSpPr/>
+          <p:nvPr/>
+        </p:nvSpPr>
+        <p:spPr>
+          <a:xfrm>
+            <a:off x="8280959" y="6193484"/>
+            <a:ext cx="420129" cy="354227"/>
+          </a:xfrm>
+          <a:prstGeom prst="rect">
+            <a:avLst/>
+          </a:prstGeom>
+          <a:solidFill>
+            <a:schemeClr val="bg1"/>
+          </a:solidFill>
+          <a:ln>
+            <a:solidFill>
+              <a:schemeClr val="bg1"/>
+            </a:solidFill>
+          </a:ln>
+        </p:spPr>
+        <p:style>
+          <a:lnRef idx="2">
+            <a:schemeClr val="accent1">
+              <a:shade val="50000"/>
+            </a:schemeClr>
+          </a:lnRef>
+          <a:fillRef idx="1">
+            <a:schemeClr val="accent1"/>
+          </a:fillRef>
+          <a:effectRef idx="0">
+            <a:schemeClr val="accent1"/>
+          </a:effectRef>
+          <a:fontRef idx="minor">
+            <a:schemeClr val="lt1"/>
+          </a:fontRef>
+        </p:style>
+        <p:txBody>
+          <a:bodyPr rtlCol="0" anchor="ctr"/>
+          <a:lstStyle/>
+          <a:p>
+            <a:pPr algn="ctr"/>
+            <a:endParaRPr lang="ru-RU"/>
+          </a:p>
+        </p:txBody>
+      </p:sp>
+    </p:spTree>
+    <p:extLst>
+      <p:ext uri="{BB962C8B-B14F-4D97-AF65-F5344CB8AC3E}">
+        <p14:creationId xmlns:p14="http://schemas.microsoft.com/office/powerpoint/2010/main" val="2507969867"/>
       </p:ext>
     </p:extLst>
   </p:cSld>
